--- a/Day2/Day2.pptx
+++ b/Day2/Day2.pptx
@@ -6,7 +6,9 @@
   </p:sldMasterIdLst>
   <p:sldIdLst>
     <p:sldId id="256" r:id="rId2"/>
-    <p:sldId id="257" r:id="rId3"/>
+    <p:sldId id="259" r:id="rId3"/>
+    <p:sldId id="258" r:id="rId4"/>
+    <p:sldId id="257" r:id="rId5"/>
   </p:sldIdLst>
   <p:sldSz cx="12192000" cy="6858000"/>
   <p:notesSz cx="6858000" cy="9144000"/>
@@ -105,6 +107,11 @@
       </a:defRPr>
     </a:lvl9pPr>
   </p:defaultTextStyle>
+  <p:extLst>
+    <p:ext uri="{EFAFB233-063F-42B5-8137-9DF3F51BA10A}">
+      <p15:sldGuideLst xmlns:p15="http://schemas.microsoft.com/office/powerpoint/2012/main"/>
+    </p:ext>
+  </p:extLst>
 </p:presentation>
 </file>
 
@@ -257,7 +264,7 @@
           <a:p>
             <a:fld id="{80259FBE-F092-904F-A31E-C04B32E02BE9}" type="datetimeFigureOut">
               <a:rPr lang="en-US" smtClean="0"/>
-              <a:t>10/17/22</a:t>
+              <a:t>10/22/22</a:t>
             </a:fld>
             <a:endParaRPr lang="en-US"/>
           </a:p>
@@ -457,7 +464,7 @@
           <a:p>
             <a:fld id="{80259FBE-F092-904F-A31E-C04B32E02BE9}" type="datetimeFigureOut">
               <a:rPr lang="en-US" smtClean="0"/>
-              <a:t>10/17/22</a:t>
+              <a:t>10/22/22</a:t>
             </a:fld>
             <a:endParaRPr lang="en-US"/>
           </a:p>
@@ -667,7 +674,7 @@
           <a:p>
             <a:fld id="{80259FBE-F092-904F-A31E-C04B32E02BE9}" type="datetimeFigureOut">
               <a:rPr lang="en-US" smtClean="0"/>
-              <a:t>10/17/22</a:t>
+              <a:t>10/22/22</a:t>
             </a:fld>
             <a:endParaRPr lang="en-US"/>
           </a:p>
@@ -867,7 +874,7 @@
           <a:p>
             <a:fld id="{80259FBE-F092-904F-A31E-C04B32E02BE9}" type="datetimeFigureOut">
               <a:rPr lang="en-US" smtClean="0"/>
-              <a:t>10/17/22</a:t>
+              <a:t>10/22/22</a:t>
             </a:fld>
             <a:endParaRPr lang="en-US"/>
           </a:p>
@@ -1143,7 +1150,7 @@
           <a:p>
             <a:fld id="{80259FBE-F092-904F-A31E-C04B32E02BE9}" type="datetimeFigureOut">
               <a:rPr lang="en-US" smtClean="0"/>
-              <a:t>10/17/22</a:t>
+              <a:t>10/22/22</a:t>
             </a:fld>
             <a:endParaRPr lang="en-US"/>
           </a:p>
@@ -1411,7 +1418,7 @@
           <a:p>
             <a:fld id="{80259FBE-F092-904F-A31E-C04B32E02BE9}" type="datetimeFigureOut">
               <a:rPr lang="en-US" smtClean="0"/>
-              <a:t>10/17/22</a:t>
+              <a:t>10/22/22</a:t>
             </a:fld>
             <a:endParaRPr lang="en-US"/>
           </a:p>
@@ -1826,7 +1833,7 @@
           <a:p>
             <a:fld id="{80259FBE-F092-904F-A31E-C04B32E02BE9}" type="datetimeFigureOut">
               <a:rPr lang="en-US" smtClean="0"/>
-              <a:t>10/17/22</a:t>
+              <a:t>10/22/22</a:t>
             </a:fld>
             <a:endParaRPr lang="en-US"/>
           </a:p>
@@ -1968,7 +1975,7 @@
           <a:p>
             <a:fld id="{80259FBE-F092-904F-A31E-C04B32E02BE9}" type="datetimeFigureOut">
               <a:rPr lang="en-US" smtClean="0"/>
-              <a:t>10/17/22</a:t>
+              <a:t>10/22/22</a:t>
             </a:fld>
             <a:endParaRPr lang="en-US"/>
           </a:p>
@@ -2081,7 +2088,7 @@
           <a:p>
             <a:fld id="{80259FBE-F092-904F-A31E-C04B32E02BE9}" type="datetimeFigureOut">
               <a:rPr lang="en-US" smtClean="0"/>
-              <a:t>10/17/22</a:t>
+              <a:t>10/22/22</a:t>
             </a:fld>
             <a:endParaRPr lang="en-US"/>
           </a:p>
@@ -2394,7 +2401,7 @@
           <a:p>
             <a:fld id="{80259FBE-F092-904F-A31E-C04B32E02BE9}" type="datetimeFigureOut">
               <a:rPr lang="en-US" smtClean="0"/>
-              <a:t>10/17/22</a:t>
+              <a:t>10/22/22</a:t>
             </a:fld>
             <a:endParaRPr lang="en-US"/>
           </a:p>
@@ -2683,7 +2690,7 @@
           <a:p>
             <a:fld id="{80259FBE-F092-904F-A31E-C04B32E02BE9}" type="datetimeFigureOut">
               <a:rPr lang="en-US" smtClean="0"/>
-              <a:t>10/17/22</a:t>
+              <a:t>10/22/22</a:t>
             </a:fld>
             <a:endParaRPr lang="en-US"/>
           </a:p>
@@ -2926,7 +2933,7 @@
           <a:p>
             <a:fld id="{80259FBE-F092-904F-A31E-C04B32E02BE9}" type="datetimeFigureOut">
               <a:rPr lang="en-US" smtClean="0"/>
-              <a:t>10/17/22</a:t>
+              <a:t>10/22/22</a:t>
             </a:fld>
             <a:endParaRPr lang="en-US"/>
           </a:p>
@@ -3365,7 +3372,13 @@
           <a:lstStyle/>
           <a:p>
             <a:r>
-              <a:rPr lang="en-US" dirty="0"/>
+              <a:rPr lang="en-US" b="1" dirty="0">
+                <a:solidFill>
+                  <a:schemeClr val="accent1">
+                    <a:lumMod val="75000"/>
+                  </a:schemeClr>
+                </a:solidFill>
+              </a:rPr>
               <a:t>Introduction to data processing and cleaning</a:t>
             </a:r>
           </a:p>
@@ -3399,8 +3412,13 @@
           <a:p>
             <a:r>
               <a:rPr lang="en-US" dirty="0"/>
-              <a:t>Valentina Giunchiglia</a:t>
-            </a:r>
+              <a:t>Valentina Giunchiglia and Dragos </a:t>
+            </a:r>
+            <a:r>
+              <a:rPr lang="en-US" dirty="0" err="1"/>
+              <a:t>Gruia</a:t>
+            </a:r>
+            <a:endParaRPr lang="en-US" dirty="0"/>
           </a:p>
         </p:txBody>
       </p:sp>
@@ -3505,77 +3523,371 @@
           <a:chExt cx="0" cy="0"/>
         </a:xfrm>
       </p:grpSpPr>
-      <p:pic>
-        <p:nvPicPr>
-          <p:cNvPr id="4" name="Picture 3">
-            <a:extLst>
-              <a:ext uri="{FF2B5EF4-FFF2-40B4-BE49-F238E27FC236}">
-                <a16:creationId xmlns:a16="http://schemas.microsoft.com/office/drawing/2014/main" id="{5BCF8E1E-0357-F2DE-0463-4F19B2389258}"/>
-              </a:ext>
-            </a:extLst>
-          </p:cNvPr>
-          <p:cNvPicPr>
-            <a:picLocks noChangeAspect="1"/>
-          </p:cNvPicPr>
-          <p:nvPr/>
-        </p:nvPicPr>
-        <p:blipFill>
-          <a:blip r:embed="rId2"/>
-          <a:stretch>
-            <a:fillRect/>
-          </a:stretch>
-        </p:blipFill>
+      <p:sp>
+        <p:nvSpPr>
+          <p:cNvPr id="2" name="Title 1">
+            <a:extLst>
+              <a:ext uri="{FF2B5EF4-FFF2-40B4-BE49-F238E27FC236}">
+                <a16:creationId xmlns:a16="http://schemas.microsoft.com/office/drawing/2014/main" id="{CDB709C4-CCE8-BB43-803C-8A9C3839D447}"/>
+              </a:ext>
+            </a:extLst>
+          </p:cNvPr>
+          <p:cNvSpPr>
+            <a:spLocks noGrp="1"/>
+          </p:cNvSpPr>
+          <p:nvPr>
+            <p:ph type="title"/>
+          </p:nvPr>
+        </p:nvSpPr>
         <p:spPr>
           <a:xfrm>
-            <a:off x="504396" y="412888"/>
-            <a:ext cx="2696005" cy="709475"/>
+            <a:off x="1215069" y="1251813"/>
+            <a:ext cx="10515600" cy="1325563"/>
+          </a:xfrm>
+        </p:spPr>
+        <p:txBody>
+          <a:bodyPr/>
+          <a:lstStyle/>
+          <a:p>
+            <a:r>
+              <a:rPr lang="en-IT" b="1" dirty="0">
+                <a:solidFill>
+                  <a:schemeClr val="accent1">
+                    <a:lumMod val="75000"/>
+                  </a:schemeClr>
+                </a:solidFill>
+              </a:rPr>
+              <a:t>Schedule of today</a:t>
+            </a:r>
+          </a:p>
+        </p:txBody>
+      </p:sp>
+      <p:sp>
+        <p:nvSpPr>
+          <p:cNvPr id="3" name="Content Placeholder 2">
+            <a:extLst>
+              <a:ext uri="{FF2B5EF4-FFF2-40B4-BE49-F238E27FC236}">
+                <a16:creationId xmlns:a16="http://schemas.microsoft.com/office/drawing/2014/main" id="{74BF3855-2EA2-D248-894D-D7E1248AE82C}"/>
+              </a:ext>
+            </a:extLst>
+          </p:cNvPr>
+          <p:cNvSpPr>
+            <a:spLocks noGrp="1"/>
+          </p:cNvSpPr>
+          <p:nvPr>
+            <p:ph idx="1"/>
+          </p:nvPr>
+        </p:nvSpPr>
+        <p:spPr>
+          <a:xfrm>
+            <a:off x="577468" y="2369361"/>
+            <a:ext cx="5727853" cy="4351338"/>
+          </a:xfrm>
+        </p:spPr>
+        <p:txBody>
+          <a:bodyPr/>
+          <a:lstStyle/>
+          <a:p>
+            <a:pPr marL="0" indent="0">
+              <a:buNone/>
+            </a:pPr>
+            <a:r>
+              <a:rPr lang="en-IT" b="1" dirty="0">
+                <a:solidFill>
+                  <a:schemeClr val="accent1">
+                    <a:lumMod val="75000"/>
+                  </a:schemeClr>
+                </a:solidFill>
+              </a:rPr>
+              <a:t>Morning</a:t>
+            </a:r>
+          </a:p>
+          <a:p>
+            <a:pPr marL="0" indent="0">
+              <a:buNone/>
+            </a:pPr>
+            <a:endParaRPr lang="en-IT" dirty="0"/>
+          </a:p>
+          <a:p>
+            <a:r>
+              <a:rPr lang="en-IT" i="1" dirty="0"/>
+              <a:t>PRESENTATION: </a:t>
+            </a:r>
+            <a:r>
+              <a:rPr lang="en-IT" dirty="0"/>
+              <a:t>What is data cleaning and processing? </a:t>
+            </a:r>
+          </a:p>
+          <a:p>
+            <a:pPr marL="0" indent="0">
+              <a:buNone/>
+            </a:pPr>
+            <a:endParaRPr lang="en-IT" dirty="0"/>
+          </a:p>
+          <a:p>
+            <a:r>
+              <a:rPr lang="en-IT" i="1" dirty="0"/>
+              <a:t>GUIDED WORKSHOP: </a:t>
+            </a:r>
+            <a:r>
+              <a:rPr lang="en-IT" dirty="0"/>
+              <a:t>COVID and Cognition </a:t>
+            </a:r>
+          </a:p>
+          <a:p>
+            <a:endParaRPr lang="en-IT" dirty="0"/>
+          </a:p>
+        </p:txBody>
+      </p:sp>
+      <p:sp>
+        <p:nvSpPr>
+          <p:cNvPr id="4" name="Content Placeholder 2">
+            <a:extLst>
+              <a:ext uri="{FF2B5EF4-FFF2-40B4-BE49-F238E27FC236}">
+                <a16:creationId xmlns:a16="http://schemas.microsoft.com/office/drawing/2014/main" id="{F18E2E8C-F7FE-1646-8FCB-C972BBEC9F90}"/>
+              </a:ext>
+            </a:extLst>
+          </p:cNvPr>
+          <p:cNvSpPr txBox="1">
+            <a:spLocks/>
+          </p:cNvSpPr>
+          <p:nvPr/>
+        </p:nvSpPr>
+        <p:spPr>
+          <a:xfrm>
+            <a:off x="6305321" y="2369361"/>
+            <a:ext cx="5727853" cy="4351338"/>
           </a:xfrm>
           <a:prstGeom prst="rect">
             <a:avLst/>
           </a:prstGeom>
         </p:spPr>
-      </p:pic>
-      <p:sp>
-        <p:nvSpPr>
-          <p:cNvPr id="5" name="TextBox 4">
-            <a:extLst>
-              <a:ext uri="{FF2B5EF4-FFF2-40B4-BE49-F238E27FC236}">
-                <a16:creationId xmlns:a16="http://schemas.microsoft.com/office/drawing/2014/main" id="{EE0869CA-E937-59FF-12C8-7EB8162BC2A9}"/>
-              </a:ext>
-            </a:extLst>
-          </p:cNvPr>
-          <p:cNvSpPr txBox="1"/>
-          <p:nvPr/>
-        </p:nvSpPr>
-        <p:spPr>
-          <a:xfrm>
-            <a:off x="1386663" y="1748008"/>
-            <a:ext cx="5218519" cy="461665"/>
-          </a:xfrm>
-          <a:prstGeom prst="rect">
-            <a:avLst/>
-          </a:prstGeom>
-          <a:noFill/>
-        </p:spPr>
-        <p:txBody>
-          <a:bodyPr wrap="square" rtlCol="0">
-            <a:spAutoFit/>
+        <p:txBody>
+          <a:bodyPr vert="horz" lIns="91440" tIns="45720" rIns="91440" bIns="45720" rtlCol="0">
+            <a:normAutofit/>
           </a:bodyPr>
-          <a:lstStyle/>
-          <a:p>
-            <a:r>
-              <a:rPr lang="en-US" sz="2400" dirty="0"/>
-              <a:t>Why is data processing important?</a:t>
-            </a:r>
+          <a:lstStyle>
+            <a:lvl1pPr marL="228600" indent="-228600" algn="l" defTabSz="914400" rtl="0" eaLnBrk="1" latinLnBrk="0" hangingPunct="1">
+              <a:lnSpc>
+                <a:spcPct val="90000"/>
+              </a:lnSpc>
+              <a:spcBef>
+                <a:spcPts val="1000"/>
+              </a:spcBef>
+              <a:buFont typeface="Arial" panose="020B0604020202020204" pitchFamily="34" charset="0"/>
+              <a:buChar char="•"/>
+              <a:defRPr sz="2800" kern="1200">
+                <a:solidFill>
+                  <a:schemeClr val="tx1"/>
+                </a:solidFill>
+                <a:latin typeface="+mn-lt"/>
+                <a:ea typeface="+mn-ea"/>
+                <a:cs typeface="+mn-cs"/>
+              </a:defRPr>
+            </a:lvl1pPr>
+            <a:lvl2pPr marL="685800" indent="-228600" algn="l" defTabSz="914400" rtl="0" eaLnBrk="1" latinLnBrk="0" hangingPunct="1">
+              <a:lnSpc>
+                <a:spcPct val="90000"/>
+              </a:lnSpc>
+              <a:spcBef>
+                <a:spcPts val="500"/>
+              </a:spcBef>
+              <a:buFont typeface="Arial" panose="020B0604020202020204" pitchFamily="34" charset="0"/>
+              <a:buChar char="•"/>
+              <a:defRPr sz="2400" kern="1200">
+                <a:solidFill>
+                  <a:schemeClr val="tx1"/>
+                </a:solidFill>
+                <a:latin typeface="+mn-lt"/>
+                <a:ea typeface="+mn-ea"/>
+                <a:cs typeface="+mn-cs"/>
+              </a:defRPr>
+            </a:lvl2pPr>
+            <a:lvl3pPr marL="1143000" indent="-228600" algn="l" defTabSz="914400" rtl="0" eaLnBrk="1" latinLnBrk="0" hangingPunct="1">
+              <a:lnSpc>
+                <a:spcPct val="90000"/>
+              </a:lnSpc>
+              <a:spcBef>
+                <a:spcPts val="500"/>
+              </a:spcBef>
+              <a:buFont typeface="Arial" panose="020B0604020202020204" pitchFamily="34" charset="0"/>
+              <a:buChar char="•"/>
+              <a:defRPr sz="2000" kern="1200">
+                <a:solidFill>
+                  <a:schemeClr val="tx1"/>
+                </a:solidFill>
+                <a:latin typeface="+mn-lt"/>
+                <a:ea typeface="+mn-ea"/>
+                <a:cs typeface="+mn-cs"/>
+              </a:defRPr>
+            </a:lvl3pPr>
+            <a:lvl4pPr marL="1600200" indent="-228600" algn="l" defTabSz="914400" rtl="0" eaLnBrk="1" latinLnBrk="0" hangingPunct="1">
+              <a:lnSpc>
+                <a:spcPct val="90000"/>
+              </a:lnSpc>
+              <a:spcBef>
+                <a:spcPts val="500"/>
+              </a:spcBef>
+              <a:buFont typeface="Arial" panose="020B0604020202020204" pitchFamily="34" charset="0"/>
+              <a:buChar char="•"/>
+              <a:defRPr sz="1800" kern="1200">
+                <a:solidFill>
+                  <a:schemeClr val="tx1"/>
+                </a:solidFill>
+                <a:latin typeface="+mn-lt"/>
+                <a:ea typeface="+mn-ea"/>
+                <a:cs typeface="+mn-cs"/>
+              </a:defRPr>
+            </a:lvl4pPr>
+            <a:lvl5pPr marL="2057400" indent="-228600" algn="l" defTabSz="914400" rtl="0" eaLnBrk="1" latinLnBrk="0" hangingPunct="1">
+              <a:lnSpc>
+                <a:spcPct val="90000"/>
+              </a:lnSpc>
+              <a:spcBef>
+                <a:spcPts val="500"/>
+              </a:spcBef>
+              <a:buFont typeface="Arial" panose="020B0604020202020204" pitchFamily="34" charset="0"/>
+              <a:buChar char="•"/>
+              <a:defRPr sz="1800" kern="1200">
+                <a:solidFill>
+                  <a:schemeClr val="tx1"/>
+                </a:solidFill>
+                <a:latin typeface="+mn-lt"/>
+                <a:ea typeface="+mn-ea"/>
+                <a:cs typeface="+mn-cs"/>
+              </a:defRPr>
+            </a:lvl5pPr>
+            <a:lvl6pPr marL="2514600" indent="-228600" algn="l" defTabSz="914400" rtl="0" eaLnBrk="1" latinLnBrk="0" hangingPunct="1">
+              <a:lnSpc>
+                <a:spcPct val="90000"/>
+              </a:lnSpc>
+              <a:spcBef>
+                <a:spcPts val="500"/>
+              </a:spcBef>
+              <a:buFont typeface="Arial" panose="020B0604020202020204" pitchFamily="34" charset="0"/>
+              <a:buChar char="•"/>
+              <a:defRPr sz="1800" kern="1200">
+                <a:solidFill>
+                  <a:schemeClr val="tx1"/>
+                </a:solidFill>
+                <a:latin typeface="+mn-lt"/>
+                <a:ea typeface="+mn-ea"/>
+                <a:cs typeface="+mn-cs"/>
+              </a:defRPr>
+            </a:lvl6pPr>
+            <a:lvl7pPr marL="2971800" indent="-228600" algn="l" defTabSz="914400" rtl="0" eaLnBrk="1" latinLnBrk="0" hangingPunct="1">
+              <a:lnSpc>
+                <a:spcPct val="90000"/>
+              </a:lnSpc>
+              <a:spcBef>
+                <a:spcPts val="500"/>
+              </a:spcBef>
+              <a:buFont typeface="Arial" panose="020B0604020202020204" pitchFamily="34" charset="0"/>
+              <a:buChar char="•"/>
+              <a:defRPr sz="1800" kern="1200">
+                <a:solidFill>
+                  <a:schemeClr val="tx1"/>
+                </a:solidFill>
+                <a:latin typeface="+mn-lt"/>
+                <a:ea typeface="+mn-ea"/>
+                <a:cs typeface="+mn-cs"/>
+              </a:defRPr>
+            </a:lvl7pPr>
+            <a:lvl8pPr marL="3429000" indent="-228600" algn="l" defTabSz="914400" rtl="0" eaLnBrk="1" latinLnBrk="0" hangingPunct="1">
+              <a:lnSpc>
+                <a:spcPct val="90000"/>
+              </a:lnSpc>
+              <a:spcBef>
+                <a:spcPts val="500"/>
+              </a:spcBef>
+              <a:buFont typeface="Arial" panose="020B0604020202020204" pitchFamily="34" charset="0"/>
+              <a:buChar char="•"/>
+              <a:defRPr sz="1800" kern="1200">
+                <a:solidFill>
+                  <a:schemeClr val="tx1"/>
+                </a:solidFill>
+                <a:latin typeface="+mn-lt"/>
+                <a:ea typeface="+mn-ea"/>
+                <a:cs typeface="+mn-cs"/>
+              </a:defRPr>
+            </a:lvl8pPr>
+            <a:lvl9pPr marL="3886200" indent="-228600" algn="l" defTabSz="914400" rtl="0" eaLnBrk="1" latinLnBrk="0" hangingPunct="1">
+              <a:lnSpc>
+                <a:spcPct val="90000"/>
+              </a:lnSpc>
+              <a:spcBef>
+                <a:spcPts val="500"/>
+              </a:spcBef>
+              <a:buFont typeface="Arial" panose="020B0604020202020204" pitchFamily="34" charset="0"/>
+              <a:buChar char="•"/>
+              <a:defRPr sz="1800" kern="1200">
+                <a:solidFill>
+                  <a:schemeClr val="tx1"/>
+                </a:solidFill>
+                <a:latin typeface="+mn-lt"/>
+                <a:ea typeface="+mn-ea"/>
+                <a:cs typeface="+mn-cs"/>
+              </a:defRPr>
+            </a:lvl9pPr>
+          </a:lstStyle>
+          <a:p>
+            <a:pPr marL="0" indent="0">
+              <a:buFont typeface="Arial" panose="020B0604020202020204" pitchFamily="34" charset="0"/>
+              <a:buNone/>
+            </a:pPr>
+            <a:r>
+              <a:rPr lang="en-IT" b="1" dirty="0">
+                <a:solidFill>
+                  <a:schemeClr val="accent1">
+                    <a:lumMod val="75000"/>
+                  </a:schemeClr>
+                </a:solidFill>
+              </a:rPr>
+              <a:t>Afternoon</a:t>
+            </a:r>
+          </a:p>
+          <a:p>
+            <a:pPr marL="0" indent="0">
+              <a:buFont typeface="Arial" panose="020B0604020202020204" pitchFamily="34" charset="0"/>
+              <a:buNone/>
+            </a:pPr>
+            <a:endParaRPr lang="en-IT" dirty="0"/>
+          </a:p>
+          <a:p>
+            <a:r>
+              <a:rPr lang="en-IT" i="1" dirty="0"/>
+              <a:t>INDIVIDUAL WORKSHOP</a:t>
+            </a:r>
+            <a:r>
+              <a:rPr lang="en-IT" dirty="0"/>
+              <a:t>: Dementia and Cognition</a:t>
+            </a:r>
+            <a:br>
+              <a:rPr lang="en-IT" dirty="0"/>
+            </a:br>
+            <a:endParaRPr lang="en-IT" dirty="0"/>
+          </a:p>
+          <a:p>
+            <a:r>
+              <a:rPr lang="en-IT" i="1" dirty="0"/>
+              <a:t>PRESENTATION</a:t>
+            </a:r>
+            <a:r>
+              <a:rPr lang="en-IT" dirty="0"/>
+              <a:t>: How to write a report?</a:t>
+            </a:r>
+          </a:p>
+          <a:p>
+            <a:endParaRPr lang="en-IT" dirty="0"/>
           </a:p>
         </p:txBody>
       </p:sp>
       <p:cxnSp>
         <p:nvCxnSpPr>
-          <p:cNvPr id="6" name="Straight Connector 5">
-            <a:extLst>
-              <a:ext uri="{FF2B5EF4-FFF2-40B4-BE49-F238E27FC236}">
-                <a16:creationId xmlns:a16="http://schemas.microsoft.com/office/drawing/2014/main" id="{79AC04C3-E6F6-1ABD-8990-EE8C59B0732A}"/>
+          <p:cNvPr id="5" name="Straight Connector 4">
+            <a:extLst>
+              <a:ext uri="{FF2B5EF4-FFF2-40B4-BE49-F238E27FC236}">
+                <a16:creationId xmlns:a16="http://schemas.microsoft.com/office/drawing/2014/main" id="{8918FB20-8EF3-BC48-9191-C5EC03488667}"/>
               </a:ext>
             </a:extLst>
           </p:cNvPr>
@@ -3611,6 +3923,382 @@
           </a:fontRef>
         </p:style>
       </p:cxnSp>
+      <p:pic>
+        <p:nvPicPr>
+          <p:cNvPr id="6" name="Picture 5">
+            <a:extLst>
+              <a:ext uri="{FF2B5EF4-FFF2-40B4-BE49-F238E27FC236}">
+                <a16:creationId xmlns:a16="http://schemas.microsoft.com/office/drawing/2014/main" id="{226FC5A5-757B-AA4F-95D1-C0BA1053A35F}"/>
+              </a:ext>
+            </a:extLst>
+          </p:cNvPr>
+          <p:cNvPicPr>
+            <a:picLocks noChangeAspect="1"/>
+          </p:cNvPicPr>
+          <p:nvPr/>
+        </p:nvPicPr>
+        <p:blipFill>
+          <a:blip r:embed="rId2"/>
+          <a:stretch>
+            <a:fillRect/>
+          </a:stretch>
+        </p:blipFill>
+        <p:spPr>
+          <a:xfrm>
+            <a:off x="504396" y="412888"/>
+            <a:ext cx="2696005" cy="709475"/>
+          </a:xfrm>
+          <a:prstGeom prst="rect">
+            <a:avLst/>
+          </a:prstGeom>
+        </p:spPr>
+      </p:pic>
+    </p:spTree>
+    <p:extLst>
+      <p:ext uri="{BB962C8B-B14F-4D97-AF65-F5344CB8AC3E}">
+        <p14:creationId xmlns:p14="http://schemas.microsoft.com/office/powerpoint/2010/main" val="2635938841"/>
+      </p:ext>
+    </p:extLst>
+  </p:cSld>
+  <p:clrMapOvr>
+    <a:masterClrMapping/>
+  </p:clrMapOvr>
+</p:sld>
+</file>
+
+<file path=ppt/slides/slide3.xml><?xml version="1.0" encoding="utf-8"?>
+<p:sld xmlns:a="http://schemas.openxmlformats.org/drawingml/2006/main" xmlns:r="http://schemas.openxmlformats.org/officeDocument/2006/relationships" xmlns:p="http://schemas.openxmlformats.org/presentationml/2006/main">
+  <p:cSld>
+    <p:spTree>
+      <p:nvGrpSpPr>
+        <p:cNvPr id="1" name=""/>
+        <p:cNvGrpSpPr/>
+        <p:nvPr/>
+      </p:nvGrpSpPr>
+      <p:grpSpPr>
+        <a:xfrm>
+          <a:off x="0" y="0"/>
+          <a:ext cx="0" cy="0"/>
+          <a:chOff x="0" y="0"/>
+          <a:chExt cx="0" cy="0"/>
+        </a:xfrm>
+      </p:grpSpPr>
+      <p:pic>
+        <p:nvPicPr>
+          <p:cNvPr id="6" name="Picture 5">
+            <a:extLst>
+              <a:ext uri="{FF2B5EF4-FFF2-40B4-BE49-F238E27FC236}">
+                <a16:creationId xmlns:a16="http://schemas.microsoft.com/office/drawing/2014/main" id="{828574C9-C57D-9A4C-B0F4-84B6B691A306}"/>
+              </a:ext>
+            </a:extLst>
+          </p:cNvPr>
+          <p:cNvPicPr>
+            <a:picLocks noChangeAspect="1"/>
+          </p:cNvPicPr>
+          <p:nvPr/>
+        </p:nvPicPr>
+        <p:blipFill>
+          <a:blip r:embed="rId2"/>
+          <a:stretch>
+            <a:fillRect/>
+          </a:stretch>
+        </p:blipFill>
+        <p:spPr>
+          <a:xfrm>
+            <a:off x="504396" y="412888"/>
+            <a:ext cx="2696005" cy="709475"/>
+          </a:xfrm>
+          <a:prstGeom prst="rect">
+            <a:avLst/>
+          </a:prstGeom>
+        </p:spPr>
+      </p:pic>
+      <p:cxnSp>
+        <p:nvCxnSpPr>
+          <p:cNvPr id="7" name="Straight Connector 6">
+            <a:extLst>
+              <a:ext uri="{FF2B5EF4-FFF2-40B4-BE49-F238E27FC236}">
+                <a16:creationId xmlns:a16="http://schemas.microsoft.com/office/drawing/2014/main" id="{872E7B62-F43F-8742-AE3E-76F67812CA51}"/>
+              </a:ext>
+            </a:extLst>
+          </p:cNvPr>
+          <p:cNvCxnSpPr/>
+          <p:nvPr/>
+        </p:nvCxnSpPr>
+        <p:spPr>
+          <a:xfrm>
+            <a:off x="0" y="6190735"/>
+            <a:ext cx="12192000" cy="0"/>
+          </a:xfrm>
+          <a:prstGeom prst="line">
+            <a:avLst/>
+          </a:prstGeom>
+          <a:ln w="76200">
+            <a:solidFill>
+              <a:srgbClr val="002060"/>
+            </a:solidFill>
+          </a:ln>
+        </p:spPr>
+        <p:style>
+          <a:lnRef idx="3">
+            <a:schemeClr val="accent1"/>
+          </a:lnRef>
+          <a:fillRef idx="0">
+            <a:schemeClr val="accent1"/>
+          </a:fillRef>
+          <a:effectRef idx="2">
+            <a:schemeClr val="accent1"/>
+          </a:effectRef>
+          <a:fontRef idx="minor">
+            <a:schemeClr val="tx1"/>
+          </a:fontRef>
+        </p:style>
+      </p:cxnSp>
+      <p:sp>
+        <p:nvSpPr>
+          <p:cNvPr id="8" name="Title 1">
+            <a:extLst>
+              <a:ext uri="{FF2B5EF4-FFF2-40B4-BE49-F238E27FC236}">
+                <a16:creationId xmlns:a16="http://schemas.microsoft.com/office/drawing/2014/main" id="{0236DFB6-93C8-FE49-83F2-C7CD8C0B68BB}"/>
+              </a:ext>
+            </a:extLst>
+          </p:cNvPr>
+          <p:cNvSpPr>
+            <a:spLocks noGrp="1"/>
+          </p:cNvSpPr>
+          <p:nvPr>
+            <p:ph type="title"/>
+          </p:nvPr>
+        </p:nvSpPr>
+        <p:spPr>
+          <a:xfrm>
+            <a:off x="1215069" y="1251813"/>
+            <a:ext cx="10515600" cy="1325563"/>
+          </a:xfrm>
+        </p:spPr>
+        <p:txBody>
+          <a:bodyPr/>
+          <a:lstStyle/>
+          <a:p>
+            <a:r>
+              <a:rPr lang="en-IT" b="1" dirty="0">
+                <a:solidFill>
+                  <a:schemeClr val="accent1">
+                    <a:lumMod val="75000"/>
+                  </a:schemeClr>
+                </a:solidFill>
+              </a:rPr>
+              <a:t>Why is it important?</a:t>
+            </a:r>
+          </a:p>
+        </p:txBody>
+      </p:sp>
+    </p:spTree>
+    <p:extLst>
+      <p:ext uri="{BB962C8B-B14F-4D97-AF65-F5344CB8AC3E}">
+        <p14:creationId xmlns:p14="http://schemas.microsoft.com/office/powerpoint/2010/main" val="1396436005"/>
+      </p:ext>
+    </p:extLst>
+  </p:cSld>
+  <p:clrMapOvr>
+    <a:masterClrMapping/>
+  </p:clrMapOvr>
+</p:sld>
+</file>
+
+<file path=ppt/slides/slide4.xml><?xml version="1.0" encoding="utf-8"?>
+<p:sld xmlns:a="http://schemas.openxmlformats.org/drawingml/2006/main" xmlns:r="http://schemas.openxmlformats.org/officeDocument/2006/relationships" xmlns:p="http://schemas.openxmlformats.org/presentationml/2006/main">
+  <p:cSld>
+    <p:spTree>
+      <p:nvGrpSpPr>
+        <p:cNvPr id="1" name=""/>
+        <p:cNvGrpSpPr/>
+        <p:nvPr/>
+      </p:nvGrpSpPr>
+      <p:grpSpPr>
+        <a:xfrm>
+          <a:off x="0" y="0"/>
+          <a:ext cx="0" cy="0"/>
+          <a:chOff x="0" y="0"/>
+          <a:chExt cx="0" cy="0"/>
+        </a:xfrm>
+      </p:grpSpPr>
+      <p:pic>
+        <p:nvPicPr>
+          <p:cNvPr id="4" name="Picture 3">
+            <a:extLst>
+              <a:ext uri="{FF2B5EF4-FFF2-40B4-BE49-F238E27FC236}">
+                <a16:creationId xmlns:a16="http://schemas.microsoft.com/office/drawing/2014/main" id="{5BCF8E1E-0357-F2DE-0463-4F19B2389258}"/>
+              </a:ext>
+            </a:extLst>
+          </p:cNvPr>
+          <p:cNvPicPr>
+            <a:picLocks noChangeAspect="1"/>
+          </p:cNvPicPr>
+          <p:nvPr/>
+        </p:nvPicPr>
+        <p:blipFill>
+          <a:blip r:embed="rId2"/>
+          <a:stretch>
+            <a:fillRect/>
+          </a:stretch>
+        </p:blipFill>
+        <p:spPr>
+          <a:xfrm>
+            <a:off x="504396" y="412888"/>
+            <a:ext cx="2696005" cy="709475"/>
+          </a:xfrm>
+          <a:prstGeom prst="rect">
+            <a:avLst/>
+          </a:prstGeom>
+        </p:spPr>
+      </p:pic>
+      <p:sp>
+        <p:nvSpPr>
+          <p:cNvPr id="5" name="TextBox 4">
+            <a:extLst>
+              <a:ext uri="{FF2B5EF4-FFF2-40B4-BE49-F238E27FC236}">
+                <a16:creationId xmlns:a16="http://schemas.microsoft.com/office/drawing/2014/main" id="{EE0869CA-E937-59FF-12C8-7EB8162BC2A9}"/>
+              </a:ext>
+            </a:extLst>
+          </p:cNvPr>
+          <p:cNvSpPr txBox="1"/>
+          <p:nvPr/>
+        </p:nvSpPr>
+        <p:spPr>
+          <a:xfrm>
+            <a:off x="1386663" y="1748008"/>
+            <a:ext cx="5218519" cy="523220"/>
+          </a:xfrm>
+          <a:prstGeom prst="rect">
+            <a:avLst/>
+          </a:prstGeom>
+          <a:noFill/>
+        </p:spPr>
+        <p:txBody>
+          <a:bodyPr wrap="square" rtlCol="0">
+            <a:spAutoFit/>
+          </a:bodyPr>
+          <a:lstStyle/>
+          <a:p>
+            <a:r>
+              <a:rPr lang="en-US" sz="2800" dirty="0"/>
+              <a:t>Why is data processing important?</a:t>
+            </a:r>
+          </a:p>
+        </p:txBody>
+      </p:sp>
+      <p:cxnSp>
+        <p:nvCxnSpPr>
+          <p:cNvPr id="6" name="Straight Connector 5">
+            <a:extLst>
+              <a:ext uri="{FF2B5EF4-FFF2-40B4-BE49-F238E27FC236}">
+                <a16:creationId xmlns:a16="http://schemas.microsoft.com/office/drawing/2014/main" id="{79AC04C3-E6F6-1ABD-8990-EE8C59B0732A}"/>
+              </a:ext>
+            </a:extLst>
+          </p:cNvPr>
+          <p:cNvCxnSpPr/>
+          <p:nvPr/>
+        </p:nvCxnSpPr>
+        <p:spPr>
+          <a:xfrm>
+            <a:off x="0" y="6190735"/>
+            <a:ext cx="12192000" cy="0"/>
+          </a:xfrm>
+          <a:prstGeom prst="line">
+            <a:avLst/>
+          </a:prstGeom>
+          <a:ln w="76200">
+            <a:solidFill>
+              <a:srgbClr val="002060"/>
+            </a:solidFill>
+          </a:ln>
+        </p:spPr>
+        <p:style>
+          <a:lnRef idx="3">
+            <a:schemeClr val="accent1"/>
+          </a:lnRef>
+          <a:fillRef idx="0">
+            <a:schemeClr val="accent1"/>
+          </a:fillRef>
+          <a:effectRef idx="2">
+            <a:schemeClr val="accent1"/>
+          </a:effectRef>
+          <a:fontRef idx="minor">
+            <a:schemeClr val="tx1"/>
+          </a:fontRef>
+        </p:style>
+      </p:cxnSp>
+      <p:sp>
+        <p:nvSpPr>
+          <p:cNvPr id="7" name="TextBox 6">
+            <a:extLst>
+              <a:ext uri="{FF2B5EF4-FFF2-40B4-BE49-F238E27FC236}">
+                <a16:creationId xmlns:a16="http://schemas.microsoft.com/office/drawing/2014/main" id="{44E1E05D-47C7-7E40-884F-D9E505A0DE93}"/>
+              </a:ext>
+            </a:extLst>
+          </p:cNvPr>
+          <p:cNvSpPr txBox="1"/>
+          <p:nvPr/>
+        </p:nvSpPr>
+        <p:spPr>
+          <a:xfrm>
+            <a:off x="1852398" y="2434728"/>
+            <a:ext cx="3051672" cy="523220"/>
+          </a:xfrm>
+          <a:prstGeom prst="rect">
+            <a:avLst/>
+          </a:prstGeom>
+          <a:noFill/>
+        </p:spPr>
+        <p:txBody>
+          <a:bodyPr wrap="square" rtlCol="0">
+            <a:spAutoFit/>
+          </a:bodyPr>
+          <a:lstStyle/>
+          <a:p>
+            <a:r>
+              <a:rPr lang="en-IT" sz="2800" dirty="0"/>
+              <a:t>DATA CLEANING </a:t>
+            </a:r>
+          </a:p>
+        </p:txBody>
+      </p:sp>
+      <p:sp>
+        <p:nvSpPr>
+          <p:cNvPr id="8" name="TextBox 7">
+            <a:extLst>
+              <a:ext uri="{FF2B5EF4-FFF2-40B4-BE49-F238E27FC236}">
+                <a16:creationId xmlns:a16="http://schemas.microsoft.com/office/drawing/2014/main" id="{F9894C6C-53CF-7646-8E50-94AABB858056}"/>
+              </a:ext>
+            </a:extLst>
+          </p:cNvPr>
+          <p:cNvSpPr txBox="1"/>
+          <p:nvPr/>
+        </p:nvSpPr>
+        <p:spPr>
+          <a:xfrm>
+            <a:off x="7776073" y="2465505"/>
+            <a:ext cx="3051672" cy="461665"/>
+          </a:xfrm>
+          <a:prstGeom prst="rect">
+            <a:avLst/>
+          </a:prstGeom>
+          <a:noFill/>
+        </p:spPr>
+        <p:txBody>
+          <a:bodyPr wrap="square" rtlCol="0">
+            <a:spAutoFit/>
+          </a:bodyPr>
+          <a:lstStyle/>
+          <a:p>
+            <a:r>
+              <a:rPr lang="en-IT" sz="2400" dirty="0"/>
+              <a:t>DATA PROCESSING</a:t>
+            </a:r>
+          </a:p>
+        </p:txBody>
+      </p:sp>
     </p:spTree>
     <p:extLst>
       <p:ext uri="{BB962C8B-B14F-4D97-AF65-F5344CB8AC3E}">

--- a/Day2/Day2.pptx
+++ b/Day2/Day2.pptx
@@ -8,7 +8,9 @@
     <p:sldId id="256" r:id="rId2"/>
     <p:sldId id="259" r:id="rId3"/>
     <p:sldId id="258" r:id="rId4"/>
-    <p:sldId id="257" r:id="rId5"/>
+    <p:sldId id="261" r:id="rId5"/>
+    <p:sldId id="257" r:id="rId6"/>
+    <p:sldId id="260" r:id="rId7"/>
   </p:sldIdLst>
   <p:sldSz cx="12192000" cy="6858000"/>
   <p:notesSz cx="6858000" cy="9144000"/>
@@ -113,6 +115,4158 @@
     </p:ext>
   </p:extLst>
 </p:presentation>
+</file>
+
+<file path=ppt/diagrams/colors1.xml><?xml version="1.0" encoding="utf-8"?>
+<dgm:colorsDef xmlns:dgm="http://schemas.openxmlformats.org/drawingml/2006/diagram" xmlns:a="http://schemas.openxmlformats.org/drawingml/2006/main" uniqueId="urn:microsoft.com/office/officeart/2005/8/colors/accent1_2">
+  <dgm:title val=""/>
+  <dgm:desc val=""/>
+  <dgm:catLst>
+    <dgm:cat type="accent1" pri="11200"/>
+  </dgm:catLst>
+  <dgm:styleLbl name="node0">
+    <dgm:fillClrLst meth="repeat">
+      <a:schemeClr val="accent1"/>
+    </dgm:fillClrLst>
+    <dgm:linClrLst meth="repeat">
+      <a:schemeClr val="lt1"/>
+    </dgm:linClrLst>
+    <dgm:effectClrLst/>
+    <dgm:txLinClrLst/>
+    <dgm:txFillClrLst/>
+    <dgm:txEffectClrLst/>
+  </dgm:styleLbl>
+  <dgm:styleLbl name="alignNode1">
+    <dgm:fillClrLst meth="repeat">
+      <a:schemeClr val="accent1"/>
+    </dgm:fillClrLst>
+    <dgm:linClrLst meth="repeat">
+      <a:schemeClr val="accent1"/>
+    </dgm:linClrLst>
+    <dgm:effectClrLst/>
+    <dgm:txLinClrLst/>
+    <dgm:txFillClrLst/>
+    <dgm:txEffectClrLst/>
+  </dgm:styleLbl>
+  <dgm:styleLbl name="node1">
+    <dgm:fillClrLst meth="repeat">
+      <a:schemeClr val="accent1"/>
+    </dgm:fillClrLst>
+    <dgm:linClrLst meth="repeat">
+      <a:schemeClr val="lt1"/>
+    </dgm:linClrLst>
+    <dgm:effectClrLst/>
+    <dgm:txLinClrLst/>
+    <dgm:txFillClrLst/>
+    <dgm:txEffectClrLst/>
+  </dgm:styleLbl>
+  <dgm:styleLbl name="lnNode1">
+    <dgm:fillClrLst meth="repeat">
+      <a:schemeClr val="accent1"/>
+    </dgm:fillClrLst>
+    <dgm:linClrLst meth="repeat">
+      <a:schemeClr val="lt1"/>
+    </dgm:linClrLst>
+    <dgm:effectClrLst/>
+    <dgm:txLinClrLst/>
+    <dgm:txFillClrLst/>
+    <dgm:txEffectClrLst/>
+  </dgm:styleLbl>
+  <dgm:styleLbl name="vennNode1">
+    <dgm:fillClrLst meth="repeat">
+      <a:schemeClr val="accent1">
+        <a:alpha val="50000"/>
+      </a:schemeClr>
+    </dgm:fillClrLst>
+    <dgm:linClrLst meth="repeat">
+      <a:schemeClr val="lt1"/>
+    </dgm:linClrLst>
+    <dgm:effectClrLst/>
+    <dgm:txLinClrLst/>
+    <dgm:txFillClrLst/>
+    <dgm:txEffectClrLst/>
+  </dgm:styleLbl>
+  <dgm:styleLbl name="node2">
+    <dgm:fillClrLst meth="repeat">
+      <a:schemeClr val="accent1"/>
+    </dgm:fillClrLst>
+    <dgm:linClrLst meth="repeat">
+      <a:schemeClr val="lt1"/>
+    </dgm:linClrLst>
+    <dgm:effectClrLst/>
+    <dgm:txLinClrLst/>
+    <dgm:txFillClrLst/>
+    <dgm:txEffectClrLst/>
+  </dgm:styleLbl>
+  <dgm:styleLbl name="node3">
+    <dgm:fillClrLst meth="repeat">
+      <a:schemeClr val="accent1"/>
+    </dgm:fillClrLst>
+    <dgm:linClrLst meth="repeat">
+      <a:schemeClr val="lt1"/>
+    </dgm:linClrLst>
+    <dgm:effectClrLst/>
+    <dgm:txLinClrLst/>
+    <dgm:txFillClrLst/>
+    <dgm:txEffectClrLst/>
+  </dgm:styleLbl>
+  <dgm:styleLbl name="node4">
+    <dgm:fillClrLst meth="repeat">
+      <a:schemeClr val="accent1"/>
+    </dgm:fillClrLst>
+    <dgm:linClrLst meth="repeat">
+      <a:schemeClr val="lt1"/>
+    </dgm:linClrLst>
+    <dgm:effectClrLst/>
+    <dgm:txLinClrLst/>
+    <dgm:txFillClrLst/>
+    <dgm:txEffectClrLst/>
+  </dgm:styleLbl>
+  <dgm:styleLbl name="fgImgPlace1">
+    <dgm:fillClrLst meth="repeat">
+      <a:schemeClr val="accent1">
+        <a:tint val="50000"/>
+      </a:schemeClr>
+    </dgm:fillClrLst>
+    <dgm:linClrLst meth="repeat">
+      <a:schemeClr val="lt1"/>
+    </dgm:linClrLst>
+    <dgm:effectClrLst/>
+    <dgm:txLinClrLst/>
+    <dgm:txFillClrLst meth="repeat">
+      <a:schemeClr val="lt1"/>
+    </dgm:txFillClrLst>
+    <dgm:txEffectClrLst/>
+  </dgm:styleLbl>
+  <dgm:styleLbl name="alignImgPlace1">
+    <dgm:fillClrLst meth="repeat">
+      <a:schemeClr val="accent1">
+        <a:tint val="50000"/>
+      </a:schemeClr>
+    </dgm:fillClrLst>
+    <dgm:linClrLst meth="repeat">
+      <a:schemeClr val="lt1"/>
+    </dgm:linClrLst>
+    <dgm:effectClrLst/>
+    <dgm:txLinClrLst/>
+    <dgm:txFillClrLst meth="repeat">
+      <a:schemeClr val="lt1"/>
+    </dgm:txFillClrLst>
+    <dgm:txEffectClrLst/>
+  </dgm:styleLbl>
+  <dgm:styleLbl name="bgImgPlace1">
+    <dgm:fillClrLst meth="repeat">
+      <a:schemeClr val="accent1">
+        <a:tint val="50000"/>
+      </a:schemeClr>
+    </dgm:fillClrLst>
+    <dgm:linClrLst meth="repeat">
+      <a:schemeClr val="lt1"/>
+    </dgm:linClrLst>
+    <dgm:effectClrLst/>
+    <dgm:txLinClrLst/>
+    <dgm:txFillClrLst meth="repeat">
+      <a:schemeClr val="lt1"/>
+    </dgm:txFillClrLst>
+    <dgm:txEffectClrLst/>
+  </dgm:styleLbl>
+  <dgm:styleLbl name="sibTrans2D1">
+    <dgm:fillClrLst meth="repeat">
+      <a:schemeClr val="accent1">
+        <a:tint val="60000"/>
+      </a:schemeClr>
+    </dgm:fillClrLst>
+    <dgm:linClrLst meth="repeat">
+      <a:schemeClr val="accent1">
+        <a:tint val="60000"/>
+      </a:schemeClr>
+    </dgm:linClrLst>
+    <dgm:effectClrLst/>
+    <dgm:txLinClrLst/>
+    <dgm:txFillClrLst/>
+    <dgm:txEffectClrLst/>
+  </dgm:styleLbl>
+  <dgm:styleLbl name="fgSibTrans2D1">
+    <dgm:fillClrLst meth="repeat">
+      <a:schemeClr val="accent1">
+        <a:tint val="60000"/>
+      </a:schemeClr>
+    </dgm:fillClrLst>
+    <dgm:linClrLst meth="repeat">
+      <a:schemeClr val="accent1">
+        <a:tint val="60000"/>
+      </a:schemeClr>
+    </dgm:linClrLst>
+    <dgm:effectClrLst/>
+    <dgm:txLinClrLst/>
+    <dgm:txFillClrLst/>
+    <dgm:txEffectClrLst/>
+  </dgm:styleLbl>
+  <dgm:styleLbl name="bgSibTrans2D1">
+    <dgm:fillClrLst meth="repeat">
+      <a:schemeClr val="accent1">
+        <a:tint val="60000"/>
+      </a:schemeClr>
+    </dgm:fillClrLst>
+    <dgm:linClrLst meth="repeat">
+      <a:schemeClr val="accent1">
+        <a:tint val="60000"/>
+      </a:schemeClr>
+    </dgm:linClrLst>
+    <dgm:effectClrLst/>
+    <dgm:txLinClrLst/>
+    <dgm:txFillClrLst/>
+    <dgm:txEffectClrLst/>
+  </dgm:styleLbl>
+  <dgm:styleLbl name="sibTrans1D1">
+    <dgm:fillClrLst meth="repeat">
+      <a:schemeClr val="accent1"/>
+    </dgm:fillClrLst>
+    <dgm:linClrLst meth="repeat">
+      <a:schemeClr val="accent1"/>
+    </dgm:linClrLst>
+    <dgm:effectClrLst/>
+    <dgm:txLinClrLst/>
+    <dgm:txFillClrLst meth="repeat">
+      <a:schemeClr val="tx1"/>
+    </dgm:txFillClrLst>
+    <dgm:txEffectClrLst/>
+  </dgm:styleLbl>
+  <dgm:styleLbl name="callout">
+    <dgm:fillClrLst meth="repeat">
+      <a:schemeClr val="accent1"/>
+    </dgm:fillClrLst>
+    <dgm:linClrLst meth="repeat">
+      <a:schemeClr val="accent1">
+        <a:tint val="50000"/>
+      </a:schemeClr>
+    </dgm:linClrLst>
+    <dgm:effectClrLst/>
+    <dgm:txLinClrLst/>
+    <dgm:txFillClrLst meth="repeat">
+      <a:schemeClr val="tx1"/>
+    </dgm:txFillClrLst>
+    <dgm:txEffectClrLst/>
+  </dgm:styleLbl>
+  <dgm:styleLbl name="asst0">
+    <dgm:fillClrLst meth="repeat">
+      <a:schemeClr val="accent1"/>
+    </dgm:fillClrLst>
+    <dgm:linClrLst meth="repeat">
+      <a:schemeClr val="lt1"/>
+    </dgm:linClrLst>
+    <dgm:effectClrLst/>
+    <dgm:txLinClrLst/>
+    <dgm:txFillClrLst/>
+    <dgm:txEffectClrLst/>
+  </dgm:styleLbl>
+  <dgm:styleLbl name="asst1">
+    <dgm:fillClrLst meth="repeat">
+      <a:schemeClr val="accent1"/>
+    </dgm:fillClrLst>
+    <dgm:linClrLst meth="repeat">
+      <a:schemeClr val="lt1"/>
+    </dgm:linClrLst>
+    <dgm:effectClrLst/>
+    <dgm:txLinClrLst/>
+    <dgm:txFillClrLst/>
+    <dgm:txEffectClrLst/>
+  </dgm:styleLbl>
+  <dgm:styleLbl name="asst2">
+    <dgm:fillClrLst meth="repeat">
+      <a:schemeClr val="accent1"/>
+    </dgm:fillClrLst>
+    <dgm:linClrLst meth="repeat">
+      <a:schemeClr val="lt1"/>
+    </dgm:linClrLst>
+    <dgm:effectClrLst/>
+    <dgm:txLinClrLst/>
+    <dgm:txFillClrLst/>
+    <dgm:txEffectClrLst/>
+  </dgm:styleLbl>
+  <dgm:styleLbl name="asst3">
+    <dgm:fillClrLst meth="repeat">
+      <a:schemeClr val="accent1"/>
+    </dgm:fillClrLst>
+    <dgm:linClrLst meth="repeat">
+      <a:schemeClr val="lt1"/>
+    </dgm:linClrLst>
+    <dgm:effectClrLst/>
+    <dgm:txLinClrLst/>
+    <dgm:txFillClrLst/>
+    <dgm:txEffectClrLst/>
+  </dgm:styleLbl>
+  <dgm:styleLbl name="asst4">
+    <dgm:fillClrLst meth="repeat">
+      <a:schemeClr val="accent1"/>
+    </dgm:fillClrLst>
+    <dgm:linClrLst meth="repeat">
+      <a:schemeClr val="lt1"/>
+    </dgm:linClrLst>
+    <dgm:effectClrLst/>
+    <dgm:txLinClrLst/>
+    <dgm:txFillClrLst/>
+    <dgm:txEffectClrLst/>
+  </dgm:styleLbl>
+  <dgm:styleLbl name="parChTrans2D1">
+    <dgm:fillClrLst meth="repeat">
+      <a:schemeClr val="accent1">
+        <a:tint val="60000"/>
+      </a:schemeClr>
+    </dgm:fillClrLst>
+    <dgm:linClrLst meth="repeat">
+      <a:schemeClr val="accent1">
+        <a:tint val="60000"/>
+      </a:schemeClr>
+    </dgm:linClrLst>
+    <dgm:effectClrLst/>
+    <dgm:txLinClrLst/>
+    <dgm:txFillClrLst meth="repeat">
+      <a:schemeClr val="lt1"/>
+    </dgm:txFillClrLst>
+    <dgm:txEffectClrLst/>
+  </dgm:styleLbl>
+  <dgm:styleLbl name="parChTrans2D2">
+    <dgm:fillClrLst meth="repeat">
+      <a:schemeClr val="accent1"/>
+    </dgm:fillClrLst>
+    <dgm:linClrLst meth="repeat">
+      <a:schemeClr val="accent1"/>
+    </dgm:linClrLst>
+    <dgm:effectClrLst/>
+    <dgm:txLinClrLst/>
+    <dgm:txFillClrLst meth="repeat">
+      <a:schemeClr val="lt1"/>
+    </dgm:txFillClrLst>
+    <dgm:txEffectClrLst/>
+  </dgm:styleLbl>
+  <dgm:styleLbl name="parChTrans2D3">
+    <dgm:fillClrLst meth="repeat">
+      <a:schemeClr val="accent1"/>
+    </dgm:fillClrLst>
+    <dgm:linClrLst meth="repeat">
+      <a:schemeClr val="accent1"/>
+    </dgm:linClrLst>
+    <dgm:effectClrLst/>
+    <dgm:txLinClrLst/>
+    <dgm:txFillClrLst meth="repeat">
+      <a:schemeClr val="lt1"/>
+    </dgm:txFillClrLst>
+    <dgm:txEffectClrLst/>
+  </dgm:styleLbl>
+  <dgm:styleLbl name="parChTrans2D4">
+    <dgm:fillClrLst meth="repeat">
+      <a:schemeClr val="accent1"/>
+    </dgm:fillClrLst>
+    <dgm:linClrLst meth="repeat">
+      <a:schemeClr val="accent1"/>
+    </dgm:linClrLst>
+    <dgm:effectClrLst/>
+    <dgm:txLinClrLst/>
+    <dgm:txFillClrLst meth="repeat">
+      <a:schemeClr val="lt1"/>
+    </dgm:txFillClrLst>
+    <dgm:txEffectClrLst/>
+  </dgm:styleLbl>
+  <dgm:styleLbl name="parChTrans1D1">
+    <dgm:fillClrLst meth="repeat">
+      <a:schemeClr val="accent1"/>
+    </dgm:fillClrLst>
+    <dgm:linClrLst meth="repeat">
+      <a:schemeClr val="accent1">
+        <a:shade val="60000"/>
+      </a:schemeClr>
+    </dgm:linClrLst>
+    <dgm:effectClrLst/>
+    <dgm:txLinClrLst/>
+    <dgm:txFillClrLst meth="repeat">
+      <a:schemeClr val="tx1"/>
+    </dgm:txFillClrLst>
+    <dgm:txEffectClrLst/>
+  </dgm:styleLbl>
+  <dgm:styleLbl name="parChTrans1D2">
+    <dgm:fillClrLst meth="repeat">
+      <a:schemeClr val="accent1"/>
+    </dgm:fillClrLst>
+    <dgm:linClrLst meth="repeat">
+      <a:schemeClr val="accent1">
+        <a:shade val="60000"/>
+      </a:schemeClr>
+    </dgm:linClrLst>
+    <dgm:effectClrLst/>
+    <dgm:txLinClrLst/>
+    <dgm:txFillClrLst meth="repeat">
+      <a:schemeClr val="tx1"/>
+    </dgm:txFillClrLst>
+    <dgm:txEffectClrLst/>
+  </dgm:styleLbl>
+  <dgm:styleLbl name="parChTrans1D3">
+    <dgm:fillClrLst meth="repeat">
+      <a:schemeClr val="accent1"/>
+    </dgm:fillClrLst>
+    <dgm:linClrLst meth="repeat">
+      <a:schemeClr val="accent1">
+        <a:shade val="80000"/>
+      </a:schemeClr>
+    </dgm:linClrLst>
+    <dgm:effectClrLst/>
+    <dgm:txLinClrLst/>
+    <dgm:txFillClrLst meth="repeat">
+      <a:schemeClr val="tx1"/>
+    </dgm:txFillClrLst>
+    <dgm:txEffectClrLst/>
+  </dgm:styleLbl>
+  <dgm:styleLbl name="parChTrans1D4">
+    <dgm:fillClrLst meth="repeat">
+      <a:schemeClr val="accent1"/>
+    </dgm:fillClrLst>
+    <dgm:linClrLst meth="repeat">
+      <a:schemeClr val="accent1">
+        <a:shade val="80000"/>
+      </a:schemeClr>
+    </dgm:linClrLst>
+    <dgm:effectClrLst/>
+    <dgm:txLinClrLst/>
+    <dgm:txFillClrLst meth="repeat">
+      <a:schemeClr val="tx1"/>
+    </dgm:txFillClrLst>
+    <dgm:txEffectClrLst/>
+  </dgm:styleLbl>
+  <dgm:styleLbl name="fgAcc1">
+    <dgm:fillClrLst meth="repeat">
+      <a:schemeClr val="lt1">
+        <a:alpha val="90000"/>
+      </a:schemeClr>
+    </dgm:fillClrLst>
+    <dgm:linClrLst meth="repeat">
+      <a:schemeClr val="accent1"/>
+    </dgm:linClrLst>
+    <dgm:effectClrLst/>
+    <dgm:txLinClrLst/>
+    <dgm:txFillClrLst meth="repeat">
+      <a:schemeClr val="dk1"/>
+    </dgm:txFillClrLst>
+    <dgm:txEffectClrLst/>
+  </dgm:styleLbl>
+  <dgm:styleLbl name="conFgAcc1">
+    <dgm:fillClrLst meth="repeat">
+      <a:schemeClr val="lt1">
+        <a:alpha val="90000"/>
+      </a:schemeClr>
+    </dgm:fillClrLst>
+    <dgm:linClrLst meth="repeat">
+      <a:schemeClr val="accent1"/>
+    </dgm:linClrLst>
+    <dgm:effectClrLst/>
+    <dgm:txLinClrLst/>
+    <dgm:txFillClrLst meth="repeat">
+      <a:schemeClr val="dk1"/>
+    </dgm:txFillClrLst>
+    <dgm:txEffectClrLst/>
+  </dgm:styleLbl>
+  <dgm:styleLbl name="alignAcc1">
+    <dgm:fillClrLst meth="repeat">
+      <a:schemeClr val="lt1">
+        <a:alpha val="90000"/>
+      </a:schemeClr>
+    </dgm:fillClrLst>
+    <dgm:linClrLst meth="repeat">
+      <a:schemeClr val="accent1"/>
+    </dgm:linClrLst>
+    <dgm:effectClrLst/>
+    <dgm:txLinClrLst/>
+    <dgm:txFillClrLst meth="repeat">
+      <a:schemeClr val="dk1"/>
+    </dgm:txFillClrLst>
+    <dgm:txEffectClrLst/>
+  </dgm:styleLbl>
+  <dgm:styleLbl name="trAlignAcc1">
+    <dgm:fillClrLst meth="repeat">
+      <a:schemeClr val="lt1">
+        <a:alpha val="40000"/>
+      </a:schemeClr>
+    </dgm:fillClrLst>
+    <dgm:linClrLst meth="repeat">
+      <a:schemeClr val="accent1"/>
+    </dgm:linClrLst>
+    <dgm:effectClrLst/>
+    <dgm:txLinClrLst/>
+    <dgm:txFillClrLst meth="repeat">
+      <a:schemeClr val="dk1"/>
+    </dgm:txFillClrLst>
+    <dgm:txEffectClrLst/>
+  </dgm:styleLbl>
+  <dgm:styleLbl name="bgAcc1">
+    <dgm:fillClrLst meth="repeat">
+      <a:schemeClr val="lt1">
+        <a:alpha val="90000"/>
+      </a:schemeClr>
+    </dgm:fillClrLst>
+    <dgm:linClrLst meth="repeat">
+      <a:schemeClr val="accent1"/>
+    </dgm:linClrLst>
+    <dgm:effectClrLst/>
+    <dgm:txLinClrLst/>
+    <dgm:txFillClrLst meth="repeat">
+      <a:schemeClr val="dk1"/>
+    </dgm:txFillClrLst>
+    <dgm:txEffectClrLst/>
+  </dgm:styleLbl>
+  <dgm:styleLbl name="solidFgAcc1">
+    <dgm:fillClrLst meth="repeat">
+      <a:schemeClr val="lt1"/>
+    </dgm:fillClrLst>
+    <dgm:linClrLst meth="repeat">
+      <a:schemeClr val="accent1"/>
+    </dgm:linClrLst>
+    <dgm:effectClrLst/>
+    <dgm:txLinClrLst/>
+    <dgm:txFillClrLst meth="repeat">
+      <a:schemeClr val="dk1"/>
+    </dgm:txFillClrLst>
+    <dgm:txEffectClrLst/>
+  </dgm:styleLbl>
+  <dgm:styleLbl name="solidAlignAcc1">
+    <dgm:fillClrLst meth="repeat">
+      <a:schemeClr val="lt1"/>
+    </dgm:fillClrLst>
+    <dgm:linClrLst meth="repeat">
+      <a:schemeClr val="accent1"/>
+    </dgm:linClrLst>
+    <dgm:effectClrLst/>
+    <dgm:txLinClrLst/>
+    <dgm:txFillClrLst meth="repeat">
+      <a:schemeClr val="dk1"/>
+    </dgm:txFillClrLst>
+    <dgm:txEffectClrLst/>
+  </dgm:styleLbl>
+  <dgm:styleLbl name="solidBgAcc1">
+    <dgm:fillClrLst meth="repeat">
+      <a:schemeClr val="lt1"/>
+    </dgm:fillClrLst>
+    <dgm:linClrLst meth="repeat">
+      <a:schemeClr val="accent1"/>
+    </dgm:linClrLst>
+    <dgm:effectClrLst/>
+    <dgm:txLinClrLst/>
+    <dgm:txFillClrLst meth="repeat">
+      <a:schemeClr val="dk1"/>
+    </dgm:txFillClrLst>
+    <dgm:txEffectClrLst/>
+  </dgm:styleLbl>
+  <dgm:styleLbl name="fgAccFollowNode1">
+    <dgm:fillClrLst meth="repeat">
+      <a:schemeClr val="accent1">
+        <a:alpha val="90000"/>
+        <a:tint val="40000"/>
+      </a:schemeClr>
+    </dgm:fillClrLst>
+    <dgm:linClrLst meth="repeat">
+      <a:schemeClr val="accent1">
+        <a:alpha val="90000"/>
+        <a:tint val="40000"/>
+      </a:schemeClr>
+    </dgm:linClrLst>
+    <dgm:effectClrLst/>
+    <dgm:txLinClrLst/>
+    <dgm:txFillClrLst meth="repeat">
+      <a:schemeClr val="dk1"/>
+    </dgm:txFillClrLst>
+    <dgm:txEffectClrLst/>
+  </dgm:styleLbl>
+  <dgm:styleLbl name="alignAccFollowNode1">
+    <dgm:fillClrLst meth="repeat">
+      <a:schemeClr val="accent1">
+        <a:alpha val="90000"/>
+        <a:tint val="40000"/>
+      </a:schemeClr>
+    </dgm:fillClrLst>
+    <dgm:linClrLst meth="repeat">
+      <a:schemeClr val="accent1">
+        <a:alpha val="90000"/>
+        <a:tint val="40000"/>
+      </a:schemeClr>
+    </dgm:linClrLst>
+    <dgm:effectClrLst/>
+    <dgm:txLinClrLst/>
+    <dgm:txFillClrLst meth="repeat">
+      <a:schemeClr val="dk1"/>
+    </dgm:txFillClrLst>
+    <dgm:txEffectClrLst/>
+  </dgm:styleLbl>
+  <dgm:styleLbl name="bgAccFollowNode1">
+    <dgm:fillClrLst meth="repeat">
+      <a:schemeClr val="accent1">
+        <a:alpha val="90000"/>
+        <a:tint val="40000"/>
+      </a:schemeClr>
+    </dgm:fillClrLst>
+    <dgm:linClrLst meth="repeat">
+      <a:schemeClr val="accent1">
+        <a:alpha val="90000"/>
+        <a:tint val="40000"/>
+      </a:schemeClr>
+    </dgm:linClrLst>
+    <dgm:effectClrLst/>
+    <dgm:txLinClrLst/>
+    <dgm:txFillClrLst meth="repeat">
+      <a:schemeClr val="dk1"/>
+    </dgm:txFillClrLst>
+    <dgm:txEffectClrLst/>
+  </dgm:styleLbl>
+  <dgm:styleLbl name="fgAcc0">
+    <dgm:fillClrLst meth="repeat">
+      <a:schemeClr val="lt1">
+        <a:alpha val="90000"/>
+      </a:schemeClr>
+    </dgm:fillClrLst>
+    <dgm:linClrLst meth="repeat">
+      <a:schemeClr val="accent1"/>
+    </dgm:linClrLst>
+    <dgm:effectClrLst/>
+    <dgm:txLinClrLst/>
+    <dgm:txFillClrLst meth="repeat">
+      <a:schemeClr val="dk1"/>
+    </dgm:txFillClrLst>
+    <dgm:txEffectClrLst/>
+  </dgm:styleLbl>
+  <dgm:styleLbl name="fgAcc2">
+    <dgm:fillClrLst meth="repeat">
+      <a:schemeClr val="lt1">
+        <a:alpha val="90000"/>
+      </a:schemeClr>
+    </dgm:fillClrLst>
+    <dgm:linClrLst meth="repeat">
+      <a:schemeClr val="accent1"/>
+    </dgm:linClrLst>
+    <dgm:effectClrLst/>
+    <dgm:txLinClrLst/>
+    <dgm:txFillClrLst meth="repeat">
+      <a:schemeClr val="dk1"/>
+    </dgm:txFillClrLst>
+    <dgm:txEffectClrLst/>
+  </dgm:styleLbl>
+  <dgm:styleLbl name="fgAcc3">
+    <dgm:fillClrLst meth="repeat">
+      <a:schemeClr val="lt1">
+        <a:alpha val="90000"/>
+      </a:schemeClr>
+    </dgm:fillClrLst>
+    <dgm:linClrLst meth="repeat">
+      <a:schemeClr val="accent1"/>
+    </dgm:linClrLst>
+    <dgm:effectClrLst/>
+    <dgm:txLinClrLst/>
+    <dgm:txFillClrLst meth="repeat">
+      <a:schemeClr val="dk1"/>
+    </dgm:txFillClrLst>
+    <dgm:txEffectClrLst/>
+  </dgm:styleLbl>
+  <dgm:styleLbl name="fgAcc4">
+    <dgm:fillClrLst meth="repeat">
+      <a:schemeClr val="lt1">
+        <a:alpha val="90000"/>
+      </a:schemeClr>
+    </dgm:fillClrLst>
+    <dgm:linClrLst meth="repeat">
+      <a:schemeClr val="accent1"/>
+    </dgm:linClrLst>
+    <dgm:effectClrLst/>
+    <dgm:txLinClrLst/>
+    <dgm:txFillClrLst meth="repeat">
+      <a:schemeClr val="dk1"/>
+    </dgm:txFillClrLst>
+    <dgm:txEffectClrLst/>
+  </dgm:styleLbl>
+  <dgm:styleLbl name="bgShp">
+    <dgm:fillClrLst meth="repeat">
+      <a:schemeClr val="accent1">
+        <a:tint val="40000"/>
+      </a:schemeClr>
+    </dgm:fillClrLst>
+    <dgm:linClrLst meth="repeat">
+      <a:schemeClr val="accent1"/>
+    </dgm:linClrLst>
+    <dgm:effectClrLst/>
+    <dgm:txLinClrLst/>
+    <dgm:txFillClrLst meth="repeat">
+      <a:schemeClr val="dk1"/>
+    </dgm:txFillClrLst>
+    <dgm:txEffectClrLst/>
+  </dgm:styleLbl>
+  <dgm:styleLbl name="dkBgShp">
+    <dgm:fillClrLst meth="repeat">
+      <a:schemeClr val="accent1">
+        <a:shade val="80000"/>
+      </a:schemeClr>
+    </dgm:fillClrLst>
+    <dgm:linClrLst meth="repeat">
+      <a:schemeClr val="accent1"/>
+    </dgm:linClrLst>
+    <dgm:effectClrLst/>
+    <dgm:txLinClrLst/>
+    <dgm:txFillClrLst meth="repeat">
+      <a:schemeClr val="lt1"/>
+    </dgm:txFillClrLst>
+    <dgm:txEffectClrLst/>
+  </dgm:styleLbl>
+  <dgm:styleLbl name="trBgShp">
+    <dgm:fillClrLst meth="repeat">
+      <a:schemeClr val="accent1">
+        <a:tint val="50000"/>
+        <a:alpha val="40000"/>
+      </a:schemeClr>
+    </dgm:fillClrLst>
+    <dgm:linClrLst meth="repeat">
+      <a:schemeClr val="accent1"/>
+    </dgm:linClrLst>
+    <dgm:effectClrLst/>
+    <dgm:txLinClrLst/>
+    <dgm:txFillClrLst meth="repeat">
+      <a:schemeClr val="lt1"/>
+    </dgm:txFillClrLst>
+    <dgm:txEffectClrLst/>
+  </dgm:styleLbl>
+  <dgm:styleLbl name="fgShp">
+    <dgm:fillClrLst meth="repeat">
+      <a:schemeClr val="accent1">
+        <a:tint val="60000"/>
+      </a:schemeClr>
+    </dgm:fillClrLst>
+    <dgm:linClrLst meth="repeat">
+      <a:schemeClr val="lt1"/>
+    </dgm:linClrLst>
+    <dgm:effectClrLst/>
+    <dgm:txLinClrLst/>
+    <dgm:txFillClrLst meth="repeat">
+      <a:schemeClr val="dk1"/>
+    </dgm:txFillClrLst>
+    <dgm:txEffectClrLst/>
+  </dgm:styleLbl>
+  <dgm:styleLbl name="revTx">
+    <dgm:fillClrLst meth="repeat">
+      <a:schemeClr val="lt1">
+        <a:alpha val="0"/>
+      </a:schemeClr>
+    </dgm:fillClrLst>
+    <dgm:linClrLst meth="repeat">
+      <a:schemeClr val="dk1">
+        <a:alpha val="0"/>
+      </a:schemeClr>
+    </dgm:linClrLst>
+    <dgm:effectClrLst/>
+    <dgm:txLinClrLst/>
+    <dgm:txFillClrLst meth="repeat">
+      <a:schemeClr val="tx1"/>
+    </dgm:txFillClrLst>
+    <dgm:txEffectClrLst/>
+  </dgm:styleLbl>
+</dgm:colorsDef>
+</file>
+
+<file path=ppt/diagrams/data1.xml><?xml version="1.0" encoding="utf-8"?>
+<dgm:dataModel xmlns:dgm="http://schemas.openxmlformats.org/drawingml/2006/diagram" xmlns:a="http://schemas.openxmlformats.org/drawingml/2006/main">
+  <dgm:ptLst>
+    <dgm:pt modelId="{73D2B3E9-6934-BB44-BB7E-9C914BA70ED8}" type="doc">
+      <dgm:prSet loTypeId="urn:microsoft.com/office/officeart/2005/8/layout/chart3" loCatId="" qsTypeId="urn:microsoft.com/office/officeart/2005/8/quickstyle/simple1" qsCatId="simple" csTypeId="urn:microsoft.com/office/officeart/2005/8/colors/accent1_2" csCatId="accent1" phldr="1"/>
+      <dgm:spPr/>
+    </dgm:pt>
+    <dgm:pt modelId="{2FFF9D8C-6EBC-4F41-97A1-67AB986B26CE}">
+      <dgm:prSet phldrT="[Text]"/>
+      <dgm:spPr/>
+      <dgm:t>
+        <a:bodyPr/>
+        <a:lstStyle/>
+        <a:p>
+          <a:r>
+            <a:rPr lang="en-GB" dirty="0"/>
+            <a:t>Irrelevant data</a:t>
+          </a:r>
+        </a:p>
+      </dgm:t>
+    </dgm:pt>
+    <dgm:pt modelId="{1A07FFE5-7107-A145-865D-FCFB52275276}" type="parTrans" cxnId="{2C320213-B23D-4248-BDB4-C3EF842A52E5}">
+      <dgm:prSet/>
+      <dgm:spPr/>
+      <dgm:t>
+        <a:bodyPr/>
+        <a:lstStyle/>
+        <a:p>
+          <a:endParaRPr lang="en-GB"/>
+        </a:p>
+      </dgm:t>
+    </dgm:pt>
+    <dgm:pt modelId="{8BB79D6E-62B7-F442-B621-5E7CC67BB6F6}" type="sibTrans" cxnId="{2C320213-B23D-4248-BDB4-C3EF842A52E5}">
+      <dgm:prSet/>
+      <dgm:spPr/>
+      <dgm:t>
+        <a:bodyPr/>
+        <a:lstStyle/>
+        <a:p>
+          <a:endParaRPr lang="en-GB"/>
+        </a:p>
+      </dgm:t>
+    </dgm:pt>
+    <dgm:pt modelId="{9BC0FDCA-7DED-F245-94D5-C379FC48F485}">
+      <dgm:prSet phldrT="[Text]"/>
+      <dgm:spPr/>
+      <dgm:t>
+        <a:bodyPr/>
+        <a:lstStyle/>
+        <a:p>
+          <a:r>
+            <a:rPr lang="en-GB" dirty="0"/>
+            <a:t>De-duplication</a:t>
+          </a:r>
+        </a:p>
+      </dgm:t>
+    </dgm:pt>
+    <dgm:pt modelId="{E5DD778C-FE11-AD42-BBD8-29D1F85A2BD9}" type="parTrans" cxnId="{D76CE798-6372-164E-8FD4-95678ED0941E}">
+      <dgm:prSet/>
+      <dgm:spPr/>
+      <dgm:t>
+        <a:bodyPr/>
+        <a:lstStyle/>
+        <a:p>
+          <a:endParaRPr lang="en-GB"/>
+        </a:p>
+      </dgm:t>
+    </dgm:pt>
+    <dgm:pt modelId="{844F4D4A-CD30-9D44-8822-D308D9978D1C}" type="sibTrans" cxnId="{D76CE798-6372-164E-8FD4-95678ED0941E}">
+      <dgm:prSet/>
+      <dgm:spPr/>
+      <dgm:t>
+        <a:bodyPr/>
+        <a:lstStyle/>
+        <a:p>
+          <a:endParaRPr lang="en-GB"/>
+        </a:p>
+      </dgm:t>
+    </dgm:pt>
+    <dgm:pt modelId="{10480C64-52ED-2842-BE5B-68D77B7EC325}">
+      <dgm:prSet phldrT="[Text]"/>
+      <dgm:spPr/>
+      <dgm:t>
+        <a:bodyPr/>
+        <a:lstStyle/>
+        <a:p>
+          <a:r>
+            <a:rPr lang="en-GB" dirty="0"/>
+            <a:t>Data Formatting</a:t>
+          </a:r>
+        </a:p>
+      </dgm:t>
+    </dgm:pt>
+    <dgm:pt modelId="{1F72F29C-180D-9F4B-B7B4-2E4E92B1C2BC}" type="parTrans" cxnId="{37B98A88-217A-F442-9AFC-FA67684950BE}">
+      <dgm:prSet/>
+      <dgm:spPr/>
+      <dgm:t>
+        <a:bodyPr/>
+        <a:lstStyle/>
+        <a:p>
+          <a:endParaRPr lang="en-GB"/>
+        </a:p>
+      </dgm:t>
+    </dgm:pt>
+    <dgm:pt modelId="{E380F6C2-597D-C747-8C8A-C4556470D142}" type="sibTrans" cxnId="{37B98A88-217A-F442-9AFC-FA67684950BE}">
+      <dgm:prSet/>
+      <dgm:spPr/>
+      <dgm:t>
+        <a:bodyPr/>
+        <a:lstStyle/>
+        <a:p>
+          <a:endParaRPr lang="en-GB"/>
+        </a:p>
+      </dgm:t>
+    </dgm:pt>
+    <dgm:pt modelId="{2050036D-07BC-004D-B056-ECBF992D59E0}">
+      <dgm:prSet phldrT="[Text]"/>
+      <dgm:spPr/>
+      <dgm:t>
+        <a:bodyPr/>
+        <a:lstStyle/>
+        <a:p>
+          <a:r>
+            <a:rPr lang="en-GB" dirty="0"/>
+            <a:t>Missing data</a:t>
+          </a:r>
+        </a:p>
+      </dgm:t>
+    </dgm:pt>
+    <dgm:pt modelId="{6BB47292-4E31-274F-B6A6-EC74BB4AC9D5}" type="parTrans" cxnId="{596C415C-2D4E-144D-A3E3-67042D9038A1}">
+      <dgm:prSet/>
+      <dgm:spPr/>
+      <dgm:t>
+        <a:bodyPr/>
+        <a:lstStyle/>
+        <a:p>
+          <a:endParaRPr lang="en-GB"/>
+        </a:p>
+      </dgm:t>
+    </dgm:pt>
+    <dgm:pt modelId="{7E2B47AE-A0E0-0040-BB34-8DE36F5DB13B}" type="sibTrans" cxnId="{596C415C-2D4E-144D-A3E3-67042D9038A1}">
+      <dgm:prSet/>
+      <dgm:spPr/>
+      <dgm:t>
+        <a:bodyPr/>
+        <a:lstStyle/>
+        <a:p>
+          <a:endParaRPr lang="en-GB"/>
+        </a:p>
+      </dgm:t>
+    </dgm:pt>
+    <dgm:pt modelId="{2CC755D9-324B-0F4C-91B6-84B840AB0A8D}">
+      <dgm:prSet phldrT="[Text]"/>
+      <dgm:spPr/>
+      <dgm:t>
+        <a:bodyPr/>
+        <a:lstStyle/>
+        <a:p>
+          <a:r>
+            <a:rPr lang="en-GB" dirty="0"/>
+            <a:t>Data </a:t>
+          </a:r>
+          <a:r>
+            <a:rPr lang="en-GB" dirty="0" err="1"/>
+            <a:t>normalozation</a:t>
+          </a:r>
+          <a:endParaRPr lang="en-GB" dirty="0"/>
+        </a:p>
+      </dgm:t>
+    </dgm:pt>
+    <dgm:pt modelId="{B503B42A-B164-8D45-8B23-02F0F314A3BA}" type="parTrans" cxnId="{BCB1E2B2-AB8E-DD48-82CC-31452E4BE95E}">
+      <dgm:prSet/>
+      <dgm:spPr/>
+      <dgm:t>
+        <a:bodyPr/>
+        <a:lstStyle/>
+        <a:p>
+          <a:endParaRPr lang="en-GB"/>
+        </a:p>
+      </dgm:t>
+    </dgm:pt>
+    <dgm:pt modelId="{47CAE3E2-E4C1-1240-84CF-F5CB95B2A8D4}" type="sibTrans" cxnId="{BCB1E2B2-AB8E-DD48-82CC-31452E4BE95E}">
+      <dgm:prSet/>
+      <dgm:spPr/>
+      <dgm:t>
+        <a:bodyPr/>
+        <a:lstStyle/>
+        <a:p>
+          <a:endParaRPr lang="en-GB"/>
+        </a:p>
+      </dgm:t>
+    </dgm:pt>
+    <dgm:pt modelId="{B10683EF-D372-EA4F-96C9-3120494BAD55}">
+      <dgm:prSet phldrT="[Text]"/>
+      <dgm:spPr/>
+      <dgm:t>
+        <a:bodyPr/>
+        <a:lstStyle/>
+        <a:p>
+          <a:r>
+            <a:rPr lang="en-GB" dirty="0"/>
+            <a:t>Data standardization</a:t>
+          </a:r>
+        </a:p>
+      </dgm:t>
+    </dgm:pt>
+    <dgm:pt modelId="{7EF3CEA0-72BB-F64C-85AB-C7EB006DE649}" type="parTrans" cxnId="{7B8B97CE-C6FB-3D42-B3F5-36C45EDC21C9}">
+      <dgm:prSet/>
+      <dgm:spPr/>
+      <dgm:t>
+        <a:bodyPr/>
+        <a:lstStyle/>
+        <a:p>
+          <a:endParaRPr lang="en-GB"/>
+        </a:p>
+      </dgm:t>
+    </dgm:pt>
+    <dgm:pt modelId="{BAC65E58-0C17-9D4D-9FCF-9D4C3E2D46C5}" type="sibTrans" cxnId="{7B8B97CE-C6FB-3D42-B3F5-36C45EDC21C9}">
+      <dgm:prSet/>
+      <dgm:spPr/>
+      <dgm:t>
+        <a:bodyPr/>
+        <a:lstStyle/>
+        <a:p>
+          <a:endParaRPr lang="en-GB"/>
+        </a:p>
+      </dgm:t>
+    </dgm:pt>
+    <dgm:pt modelId="{7E450FD4-0C63-3B4A-BA19-CE025B3D023A}">
+      <dgm:prSet phldrT="[Text]"/>
+      <dgm:spPr/>
+      <dgm:t>
+        <a:bodyPr/>
+        <a:lstStyle/>
+        <a:p>
+          <a:r>
+            <a:rPr lang="en-GB" dirty="0"/>
+            <a:t>Outliers removal</a:t>
+          </a:r>
+        </a:p>
+      </dgm:t>
+    </dgm:pt>
+    <dgm:pt modelId="{AA8963E4-BAD9-CF40-B4A0-161B07D61221}" type="parTrans" cxnId="{C7221BB4-E29F-E749-87E3-00A406BA889E}">
+      <dgm:prSet/>
+      <dgm:spPr/>
+      <dgm:t>
+        <a:bodyPr/>
+        <a:lstStyle/>
+        <a:p>
+          <a:endParaRPr lang="en-GB"/>
+        </a:p>
+      </dgm:t>
+    </dgm:pt>
+    <dgm:pt modelId="{AE7635D6-8C49-9043-809E-588E454C6C0E}" type="sibTrans" cxnId="{C7221BB4-E29F-E749-87E3-00A406BA889E}">
+      <dgm:prSet/>
+      <dgm:spPr/>
+      <dgm:t>
+        <a:bodyPr/>
+        <a:lstStyle/>
+        <a:p>
+          <a:endParaRPr lang="en-GB"/>
+        </a:p>
+      </dgm:t>
+    </dgm:pt>
+    <dgm:pt modelId="{70413ECA-F9CD-394C-BC8B-DEDB12124549}">
+      <dgm:prSet phldrT="[Text]"/>
+      <dgm:spPr/>
+    </dgm:pt>
+    <dgm:pt modelId="{D2625246-BC42-1B45-9280-0AEE1FD72797}" type="parTrans" cxnId="{92FC219C-8C41-F24C-AA6C-59E06B67BC43}">
+      <dgm:prSet/>
+      <dgm:spPr/>
+      <dgm:t>
+        <a:bodyPr/>
+        <a:lstStyle/>
+        <a:p>
+          <a:endParaRPr lang="en-GB"/>
+        </a:p>
+      </dgm:t>
+    </dgm:pt>
+    <dgm:pt modelId="{76ECA10B-C201-D648-8275-20F872BD7DB0}" type="sibTrans" cxnId="{92FC219C-8C41-F24C-AA6C-59E06B67BC43}">
+      <dgm:prSet/>
+      <dgm:spPr/>
+      <dgm:t>
+        <a:bodyPr/>
+        <a:lstStyle/>
+        <a:p>
+          <a:endParaRPr lang="en-GB"/>
+        </a:p>
+      </dgm:t>
+    </dgm:pt>
+    <dgm:pt modelId="{6CB0866A-E6FA-5941-9262-AD3D63E13A67}">
+      <dgm:prSet phldrT="[Text]"/>
+      <dgm:spPr/>
+      <dgm:t>
+        <a:bodyPr/>
+        <a:lstStyle/>
+        <a:p>
+          <a:endParaRPr lang="en-GB" dirty="0"/>
+        </a:p>
+      </dgm:t>
+    </dgm:pt>
+    <dgm:pt modelId="{B77E5CEE-B3B5-414B-AEF6-82D847830C52}" type="parTrans" cxnId="{473EC7DC-9282-3B46-AF6F-E746992E5B4F}">
+      <dgm:prSet/>
+      <dgm:spPr/>
+      <dgm:t>
+        <a:bodyPr/>
+        <a:lstStyle/>
+        <a:p>
+          <a:endParaRPr lang="en-GB"/>
+        </a:p>
+      </dgm:t>
+    </dgm:pt>
+    <dgm:pt modelId="{8B159063-A716-1546-9758-54F0337B5727}" type="sibTrans" cxnId="{473EC7DC-9282-3B46-AF6F-E746992E5B4F}">
+      <dgm:prSet/>
+      <dgm:spPr/>
+      <dgm:t>
+        <a:bodyPr/>
+        <a:lstStyle/>
+        <a:p>
+          <a:endParaRPr lang="en-GB"/>
+        </a:p>
+      </dgm:t>
+    </dgm:pt>
+    <dgm:pt modelId="{608C50C1-D864-9949-8CC0-6DC9DF95350F}" type="pres">
+      <dgm:prSet presAssocID="{73D2B3E9-6934-BB44-BB7E-9C914BA70ED8}" presName="compositeShape" presStyleCnt="0">
+        <dgm:presLayoutVars>
+          <dgm:chMax val="7"/>
+          <dgm:dir/>
+          <dgm:resizeHandles val="exact"/>
+        </dgm:presLayoutVars>
+      </dgm:prSet>
+      <dgm:spPr/>
+    </dgm:pt>
+    <dgm:pt modelId="{D2CCFBC6-C625-CC44-B980-A43C67E97C1C}" type="pres">
+      <dgm:prSet presAssocID="{73D2B3E9-6934-BB44-BB7E-9C914BA70ED8}" presName="wedge1" presStyleLbl="node1" presStyleIdx="0" presStyleCnt="7" custLinFactNeighborX="-3259" custLinFactNeighborY="5578"/>
+      <dgm:spPr/>
+    </dgm:pt>
+    <dgm:pt modelId="{C43B7667-B7FD-634C-A3C9-DE5F86BF1264}" type="pres">
+      <dgm:prSet presAssocID="{73D2B3E9-6934-BB44-BB7E-9C914BA70ED8}" presName="wedge1Tx" presStyleLbl="node1" presStyleIdx="0" presStyleCnt="7">
+        <dgm:presLayoutVars>
+          <dgm:chMax val="0"/>
+          <dgm:chPref val="0"/>
+          <dgm:bulletEnabled val="1"/>
+        </dgm:presLayoutVars>
+      </dgm:prSet>
+      <dgm:spPr/>
+    </dgm:pt>
+    <dgm:pt modelId="{6A0414EB-2931-754D-9CA1-F8DDC873D355}" type="pres">
+      <dgm:prSet presAssocID="{73D2B3E9-6934-BB44-BB7E-9C914BA70ED8}" presName="wedge2" presStyleLbl="node1" presStyleIdx="1" presStyleCnt="7"/>
+      <dgm:spPr/>
+    </dgm:pt>
+    <dgm:pt modelId="{03331A7A-0E37-1E44-B4E6-63C2B183D1DE}" type="pres">
+      <dgm:prSet presAssocID="{73D2B3E9-6934-BB44-BB7E-9C914BA70ED8}" presName="wedge2Tx" presStyleLbl="node1" presStyleIdx="1" presStyleCnt="7">
+        <dgm:presLayoutVars>
+          <dgm:chMax val="0"/>
+          <dgm:chPref val="0"/>
+          <dgm:bulletEnabled val="1"/>
+        </dgm:presLayoutVars>
+      </dgm:prSet>
+      <dgm:spPr/>
+    </dgm:pt>
+    <dgm:pt modelId="{8AC0CB20-899F-CE4D-A96C-A01784724A3B}" type="pres">
+      <dgm:prSet presAssocID="{73D2B3E9-6934-BB44-BB7E-9C914BA70ED8}" presName="wedge3" presStyleLbl="node1" presStyleIdx="2" presStyleCnt="7"/>
+      <dgm:spPr/>
+    </dgm:pt>
+    <dgm:pt modelId="{B6BC1F2C-FAFC-6B43-B5AE-2E4B259C0261}" type="pres">
+      <dgm:prSet presAssocID="{73D2B3E9-6934-BB44-BB7E-9C914BA70ED8}" presName="wedge3Tx" presStyleLbl="node1" presStyleIdx="2" presStyleCnt="7">
+        <dgm:presLayoutVars>
+          <dgm:chMax val="0"/>
+          <dgm:chPref val="0"/>
+          <dgm:bulletEnabled val="1"/>
+        </dgm:presLayoutVars>
+      </dgm:prSet>
+      <dgm:spPr/>
+    </dgm:pt>
+    <dgm:pt modelId="{E4DDCFD8-13DA-854F-8A7E-FB12A4A5A80A}" type="pres">
+      <dgm:prSet presAssocID="{73D2B3E9-6934-BB44-BB7E-9C914BA70ED8}" presName="wedge4" presStyleLbl="node1" presStyleIdx="3" presStyleCnt="7"/>
+      <dgm:spPr/>
+    </dgm:pt>
+    <dgm:pt modelId="{779709A4-4E6B-914C-857F-8E47B89CA6B0}" type="pres">
+      <dgm:prSet presAssocID="{73D2B3E9-6934-BB44-BB7E-9C914BA70ED8}" presName="wedge4Tx" presStyleLbl="node1" presStyleIdx="3" presStyleCnt="7">
+        <dgm:presLayoutVars>
+          <dgm:chMax val="0"/>
+          <dgm:chPref val="0"/>
+          <dgm:bulletEnabled val="1"/>
+        </dgm:presLayoutVars>
+      </dgm:prSet>
+      <dgm:spPr/>
+    </dgm:pt>
+    <dgm:pt modelId="{E04BE9D6-867C-1945-B5D5-5B21239ED434}" type="pres">
+      <dgm:prSet presAssocID="{73D2B3E9-6934-BB44-BB7E-9C914BA70ED8}" presName="wedge5" presStyleLbl="node1" presStyleIdx="4" presStyleCnt="7"/>
+      <dgm:spPr/>
+    </dgm:pt>
+    <dgm:pt modelId="{3B681CD5-263A-A840-926B-E81AC8DB208D}" type="pres">
+      <dgm:prSet presAssocID="{73D2B3E9-6934-BB44-BB7E-9C914BA70ED8}" presName="wedge5Tx" presStyleLbl="node1" presStyleIdx="4" presStyleCnt="7">
+        <dgm:presLayoutVars>
+          <dgm:chMax val="0"/>
+          <dgm:chPref val="0"/>
+          <dgm:bulletEnabled val="1"/>
+        </dgm:presLayoutVars>
+      </dgm:prSet>
+      <dgm:spPr/>
+    </dgm:pt>
+    <dgm:pt modelId="{D31BAE12-DC00-2A4F-93E4-E1A6688E945F}" type="pres">
+      <dgm:prSet presAssocID="{73D2B3E9-6934-BB44-BB7E-9C914BA70ED8}" presName="wedge6" presStyleLbl="node1" presStyleIdx="5" presStyleCnt="7"/>
+      <dgm:spPr/>
+    </dgm:pt>
+    <dgm:pt modelId="{6F664341-6FF4-3C42-B724-1C835C0A5A47}" type="pres">
+      <dgm:prSet presAssocID="{73D2B3E9-6934-BB44-BB7E-9C914BA70ED8}" presName="wedge6Tx" presStyleLbl="node1" presStyleIdx="5" presStyleCnt="7">
+        <dgm:presLayoutVars>
+          <dgm:chMax val="0"/>
+          <dgm:chPref val="0"/>
+          <dgm:bulletEnabled val="1"/>
+        </dgm:presLayoutVars>
+      </dgm:prSet>
+      <dgm:spPr/>
+    </dgm:pt>
+    <dgm:pt modelId="{57082491-EEEF-4147-85FC-7683C3BF0138}" type="pres">
+      <dgm:prSet presAssocID="{73D2B3E9-6934-BB44-BB7E-9C914BA70ED8}" presName="wedge7" presStyleLbl="node1" presStyleIdx="6" presStyleCnt="7"/>
+      <dgm:spPr/>
+    </dgm:pt>
+    <dgm:pt modelId="{BADD1EB4-139C-AF46-A6FB-D8AE234F51F5}" type="pres">
+      <dgm:prSet presAssocID="{73D2B3E9-6934-BB44-BB7E-9C914BA70ED8}" presName="wedge7Tx" presStyleLbl="node1" presStyleIdx="6" presStyleCnt="7">
+        <dgm:presLayoutVars>
+          <dgm:chMax val="0"/>
+          <dgm:chPref val="0"/>
+          <dgm:bulletEnabled val="1"/>
+        </dgm:presLayoutVars>
+      </dgm:prSet>
+      <dgm:spPr/>
+    </dgm:pt>
+  </dgm:ptLst>
+  <dgm:cxnLst>
+    <dgm:cxn modelId="{B1D28F02-5EEB-CE4A-A02D-96806121B40D}" type="presOf" srcId="{7E450FD4-0C63-3B4A-BA19-CE025B3D023A}" destId="{57082491-EEEF-4147-85FC-7683C3BF0138}" srcOrd="0" destOrd="0" presId="urn:microsoft.com/office/officeart/2005/8/layout/chart3"/>
+    <dgm:cxn modelId="{CE460F06-0BCF-AB4D-92F1-CE53CFE6F5C3}" type="presOf" srcId="{7E450FD4-0C63-3B4A-BA19-CE025B3D023A}" destId="{BADD1EB4-139C-AF46-A6FB-D8AE234F51F5}" srcOrd="1" destOrd="0" presId="urn:microsoft.com/office/officeart/2005/8/layout/chart3"/>
+    <dgm:cxn modelId="{2C320213-B23D-4248-BDB4-C3EF842A52E5}" srcId="{73D2B3E9-6934-BB44-BB7E-9C914BA70ED8}" destId="{2FFF9D8C-6EBC-4F41-97A1-67AB986B26CE}" srcOrd="0" destOrd="0" parTransId="{1A07FFE5-7107-A145-865D-FCFB52275276}" sibTransId="{8BB79D6E-62B7-F442-B621-5E7CC67BB6F6}"/>
+    <dgm:cxn modelId="{C3BD4B54-9CF7-2B41-8120-49D004B402A4}" type="presOf" srcId="{2050036D-07BC-004D-B056-ECBF992D59E0}" destId="{779709A4-4E6B-914C-857F-8E47B89CA6B0}" srcOrd="1" destOrd="0" presId="urn:microsoft.com/office/officeart/2005/8/layout/chart3"/>
+    <dgm:cxn modelId="{04896356-00ED-2045-AAB9-BE88ED99DF2D}" type="presOf" srcId="{2050036D-07BC-004D-B056-ECBF992D59E0}" destId="{E4DDCFD8-13DA-854F-8A7E-FB12A4A5A80A}" srcOrd="0" destOrd="0" presId="urn:microsoft.com/office/officeart/2005/8/layout/chart3"/>
+    <dgm:cxn modelId="{596C415C-2D4E-144D-A3E3-67042D9038A1}" srcId="{73D2B3E9-6934-BB44-BB7E-9C914BA70ED8}" destId="{2050036D-07BC-004D-B056-ECBF992D59E0}" srcOrd="3" destOrd="0" parTransId="{6BB47292-4E31-274F-B6A6-EC74BB4AC9D5}" sibTransId="{7E2B47AE-A0E0-0040-BB34-8DE36F5DB13B}"/>
+    <dgm:cxn modelId="{C9AD0A5E-9627-7041-8F3F-7B2AE98F0D2C}" type="presOf" srcId="{B10683EF-D372-EA4F-96C9-3120494BAD55}" destId="{D31BAE12-DC00-2A4F-93E4-E1A6688E945F}" srcOrd="0" destOrd="0" presId="urn:microsoft.com/office/officeart/2005/8/layout/chart3"/>
+    <dgm:cxn modelId="{3988D668-694A-5943-84FF-145E613A778D}" type="presOf" srcId="{2FFF9D8C-6EBC-4F41-97A1-67AB986B26CE}" destId="{C43B7667-B7FD-634C-A3C9-DE5F86BF1264}" srcOrd="1" destOrd="0" presId="urn:microsoft.com/office/officeart/2005/8/layout/chart3"/>
+    <dgm:cxn modelId="{C3D82984-AF80-D144-B10D-094696CF40AF}" type="presOf" srcId="{2CC755D9-324B-0F4C-91B6-84B840AB0A8D}" destId="{E04BE9D6-867C-1945-B5D5-5B21239ED434}" srcOrd="0" destOrd="0" presId="urn:microsoft.com/office/officeart/2005/8/layout/chart3"/>
+    <dgm:cxn modelId="{37B98A88-217A-F442-9AFC-FA67684950BE}" srcId="{73D2B3E9-6934-BB44-BB7E-9C914BA70ED8}" destId="{10480C64-52ED-2842-BE5B-68D77B7EC325}" srcOrd="2" destOrd="0" parTransId="{1F72F29C-180D-9F4B-B7B4-2E4E92B1C2BC}" sibTransId="{E380F6C2-597D-C747-8C8A-C4556470D142}"/>
+    <dgm:cxn modelId="{E4051192-4105-0844-BCA7-1ADD70B4C536}" type="presOf" srcId="{2FFF9D8C-6EBC-4F41-97A1-67AB986B26CE}" destId="{D2CCFBC6-C625-CC44-B980-A43C67E97C1C}" srcOrd="0" destOrd="0" presId="urn:microsoft.com/office/officeart/2005/8/layout/chart3"/>
+    <dgm:cxn modelId="{D76CE798-6372-164E-8FD4-95678ED0941E}" srcId="{73D2B3E9-6934-BB44-BB7E-9C914BA70ED8}" destId="{9BC0FDCA-7DED-F245-94D5-C379FC48F485}" srcOrd="1" destOrd="0" parTransId="{E5DD778C-FE11-AD42-BBD8-29D1F85A2BD9}" sibTransId="{844F4D4A-CD30-9D44-8822-D308D9978D1C}"/>
+    <dgm:cxn modelId="{92FC219C-8C41-F24C-AA6C-59E06B67BC43}" srcId="{73D2B3E9-6934-BB44-BB7E-9C914BA70ED8}" destId="{70413ECA-F9CD-394C-BC8B-DEDB12124549}" srcOrd="7" destOrd="0" parTransId="{D2625246-BC42-1B45-9280-0AEE1FD72797}" sibTransId="{76ECA10B-C201-D648-8275-20F872BD7DB0}"/>
+    <dgm:cxn modelId="{2935A1A8-4303-7A44-863D-A368A1979464}" type="presOf" srcId="{9BC0FDCA-7DED-F245-94D5-C379FC48F485}" destId="{6A0414EB-2931-754D-9CA1-F8DDC873D355}" srcOrd="0" destOrd="0" presId="urn:microsoft.com/office/officeart/2005/8/layout/chart3"/>
+    <dgm:cxn modelId="{F8CF22AE-FC7F-704C-9DF6-42A72B53C705}" type="presOf" srcId="{2CC755D9-324B-0F4C-91B6-84B840AB0A8D}" destId="{3B681CD5-263A-A840-926B-E81AC8DB208D}" srcOrd="1" destOrd="0" presId="urn:microsoft.com/office/officeart/2005/8/layout/chart3"/>
+    <dgm:cxn modelId="{3519C6B1-C479-0741-9828-C549A56FF78D}" type="presOf" srcId="{10480C64-52ED-2842-BE5B-68D77B7EC325}" destId="{8AC0CB20-899F-CE4D-A96C-A01784724A3B}" srcOrd="0" destOrd="0" presId="urn:microsoft.com/office/officeart/2005/8/layout/chart3"/>
+    <dgm:cxn modelId="{BCB1E2B2-AB8E-DD48-82CC-31452E4BE95E}" srcId="{73D2B3E9-6934-BB44-BB7E-9C914BA70ED8}" destId="{2CC755D9-324B-0F4C-91B6-84B840AB0A8D}" srcOrd="4" destOrd="0" parTransId="{B503B42A-B164-8D45-8B23-02F0F314A3BA}" sibTransId="{47CAE3E2-E4C1-1240-84CF-F5CB95B2A8D4}"/>
+    <dgm:cxn modelId="{93B5CAB3-6DF1-7546-B5B5-D68797B2EE9B}" type="presOf" srcId="{B10683EF-D372-EA4F-96C9-3120494BAD55}" destId="{6F664341-6FF4-3C42-B724-1C835C0A5A47}" srcOrd="1" destOrd="0" presId="urn:microsoft.com/office/officeart/2005/8/layout/chart3"/>
+    <dgm:cxn modelId="{C7221BB4-E29F-E749-87E3-00A406BA889E}" srcId="{73D2B3E9-6934-BB44-BB7E-9C914BA70ED8}" destId="{7E450FD4-0C63-3B4A-BA19-CE025B3D023A}" srcOrd="6" destOrd="0" parTransId="{AA8963E4-BAD9-CF40-B4A0-161B07D61221}" sibTransId="{AE7635D6-8C49-9043-809E-588E454C6C0E}"/>
+    <dgm:cxn modelId="{7B8B97CE-C6FB-3D42-B3F5-36C45EDC21C9}" srcId="{73D2B3E9-6934-BB44-BB7E-9C914BA70ED8}" destId="{B10683EF-D372-EA4F-96C9-3120494BAD55}" srcOrd="5" destOrd="0" parTransId="{7EF3CEA0-72BB-F64C-85AB-C7EB006DE649}" sibTransId="{BAC65E58-0C17-9D4D-9FCF-9D4C3E2D46C5}"/>
+    <dgm:cxn modelId="{3AE549D4-D4F7-6046-9614-1C25CF1A30BC}" type="presOf" srcId="{73D2B3E9-6934-BB44-BB7E-9C914BA70ED8}" destId="{608C50C1-D864-9949-8CC0-6DC9DF95350F}" srcOrd="0" destOrd="0" presId="urn:microsoft.com/office/officeart/2005/8/layout/chart3"/>
+    <dgm:cxn modelId="{E01789D4-106D-944E-B420-56CFA6136B24}" type="presOf" srcId="{10480C64-52ED-2842-BE5B-68D77B7EC325}" destId="{B6BC1F2C-FAFC-6B43-B5AE-2E4B259C0261}" srcOrd="1" destOrd="0" presId="urn:microsoft.com/office/officeart/2005/8/layout/chart3"/>
+    <dgm:cxn modelId="{CC86DDDA-BBFF-E043-A5E1-2ED70DB44E84}" type="presOf" srcId="{9BC0FDCA-7DED-F245-94D5-C379FC48F485}" destId="{03331A7A-0E37-1E44-B4E6-63C2B183D1DE}" srcOrd="1" destOrd="0" presId="urn:microsoft.com/office/officeart/2005/8/layout/chart3"/>
+    <dgm:cxn modelId="{473EC7DC-9282-3B46-AF6F-E746992E5B4F}" srcId="{73D2B3E9-6934-BB44-BB7E-9C914BA70ED8}" destId="{6CB0866A-E6FA-5941-9262-AD3D63E13A67}" srcOrd="8" destOrd="0" parTransId="{B77E5CEE-B3B5-414B-AEF6-82D847830C52}" sibTransId="{8B159063-A716-1546-9758-54F0337B5727}"/>
+    <dgm:cxn modelId="{2FFF28D1-DE97-5A40-82CA-847BD2F648DB}" type="presParOf" srcId="{608C50C1-D864-9949-8CC0-6DC9DF95350F}" destId="{D2CCFBC6-C625-CC44-B980-A43C67E97C1C}" srcOrd="0" destOrd="0" presId="urn:microsoft.com/office/officeart/2005/8/layout/chart3"/>
+    <dgm:cxn modelId="{8453EE69-13B3-0F48-896A-890D42E8E238}" type="presParOf" srcId="{608C50C1-D864-9949-8CC0-6DC9DF95350F}" destId="{C43B7667-B7FD-634C-A3C9-DE5F86BF1264}" srcOrd="1" destOrd="0" presId="urn:microsoft.com/office/officeart/2005/8/layout/chart3"/>
+    <dgm:cxn modelId="{F2E330D8-BF7C-7B4D-87F0-31C8042D7B97}" type="presParOf" srcId="{608C50C1-D864-9949-8CC0-6DC9DF95350F}" destId="{6A0414EB-2931-754D-9CA1-F8DDC873D355}" srcOrd="2" destOrd="0" presId="urn:microsoft.com/office/officeart/2005/8/layout/chart3"/>
+    <dgm:cxn modelId="{BDEB2D1F-2141-6A4B-9992-10F2686336E2}" type="presParOf" srcId="{608C50C1-D864-9949-8CC0-6DC9DF95350F}" destId="{03331A7A-0E37-1E44-B4E6-63C2B183D1DE}" srcOrd="3" destOrd="0" presId="urn:microsoft.com/office/officeart/2005/8/layout/chart3"/>
+    <dgm:cxn modelId="{DC54E7DB-F888-6840-9DD0-73F5D5218675}" type="presParOf" srcId="{608C50C1-D864-9949-8CC0-6DC9DF95350F}" destId="{8AC0CB20-899F-CE4D-A96C-A01784724A3B}" srcOrd="4" destOrd="0" presId="urn:microsoft.com/office/officeart/2005/8/layout/chart3"/>
+    <dgm:cxn modelId="{1AF0F509-515E-DF4B-9859-9D97401A26C4}" type="presParOf" srcId="{608C50C1-D864-9949-8CC0-6DC9DF95350F}" destId="{B6BC1F2C-FAFC-6B43-B5AE-2E4B259C0261}" srcOrd="5" destOrd="0" presId="urn:microsoft.com/office/officeart/2005/8/layout/chart3"/>
+    <dgm:cxn modelId="{B9332E2D-0A95-6F4E-B06E-6CB3D6AB238F}" type="presParOf" srcId="{608C50C1-D864-9949-8CC0-6DC9DF95350F}" destId="{E4DDCFD8-13DA-854F-8A7E-FB12A4A5A80A}" srcOrd="6" destOrd="0" presId="urn:microsoft.com/office/officeart/2005/8/layout/chart3"/>
+    <dgm:cxn modelId="{736DBFDE-5CDD-CB4F-ABF2-6FD90BE9F876}" type="presParOf" srcId="{608C50C1-D864-9949-8CC0-6DC9DF95350F}" destId="{779709A4-4E6B-914C-857F-8E47B89CA6B0}" srcOrd="7" destOrd="0" presId="urn:microsoft.com/office/officeart/2005/8/layout/chart3"/>
+    <dgm:cxn modelId="{5E8D2067-DF4E-AC44-9E5E-AC988194DF6F}" type="presParOf" srcId="{608C50C1-D864-9949-8CC0-6DC9DF95350F}" destId="{E04BE9D6-867C-1945-B5D5-5B21239ED434}" srcOrd="8" destOrd="0" presId="urn:microsoft.com/office/officeart/2005/8/layout/chart3"/>
+    <dgm:cxn modelId="{2D37BD9E-0B5A-3F41-9EEF-8A1C7C027A4A}" type="presParOf" srcId="{608C50C1-D864-9949-8CC0-6DC9DF95350F}" destId="{3B681CD5-263A-A840-926B-E81AC8DB208D}" srcOrd="9" destOrd="0" presId="urn:microsoft.com/office/officeart/2005/8/layout/chart3"/>
+    <dgm:cxn modelId="{D309F8AB-4108-704E-881C-ABE57B56DDD7}" type="presParOf" srcId="{608C50C1-D864-9949-8CC0-6DC9DF95350F}" destId="{D31BAE12-DC00-2A4F-93E4-E1A6688E945F}" srcOrd="10" destOrd="0" presId="urn:microsoft.com/office/officeart/2005/8/layout/chart3"/>
+    <dgm:cxn modelId="{AC593BB4-7A6C-0D40-9070-25CD17ED881A}" type="presParOf" srcId="{608C50C1-D864-9949-8CC0-6DC9DF95350F}" destId="{6F664341-6FF4-3C42-B724-1C835C0A5A47}" srcOrd="11" destOrd="0" presId="urn:microsoft.com/office/officeart/2005/8/layout/chart3"/>
+    <dgm:cxn modelId="{2EA930FA-2C78-9F49-9252-C087C29A21EE}" type="presParOf" srcId="{608C50C1-D864-9949-8CC0-6DC9DF95350F}" destId="{57082491-EEEF-4147-85FC-7683C3BF0138}" srcOrd="12" destOrd="0" presId="urn:microsoft.com/office/officeart/2005/8/layout/chart3"/>
+    <dgm:cxn modelId="{DA22ADF3-D505-9042-9D2F-C81314DF4B41}" type="presParOf" srcId="{608C50C1-D864-9949-8CC0-6DC9DF95350F}" destId="{BADD1EB4-139C-AF46-A6FB-D8AE234F51F5}" srcOrd="13" destOrd="0" presId="urn:microsoft.com/office/officeart/2005/8/layout/chart3"/>
+  </dgm:cxnLst>
+  <dgm:bg/>
+  <dgm:whole/>
+  <dgm:extLst>
+    <a:ext uri="http://schemas.microsoft.com/office/drawing/2008/diagram">
+      <dsp:dataModelExt xmlns:dsp="http://schemas.microsoft.com/office/drawing/2008/diagram" relId="rId6" minVer="http://schemas.openxmlformats.org/drawingml/2006/diagram"/>
+    </a:ext>
+  </dgm:extLst>
+</dgm:dataModel>
+</file>
+
+<file path=ppt/diagrams/drawing1.xml><?xml version="1.0" encoding="utf-8"?>
+<dsp:drawing xmlns:dgm="http://schemas.openxmlformats.org/drawingml/2006/diagram" xmlns:dsp="http://schemas.microsoft.com/office/drawing/2008/diagram" xmlns:a="http://schemas.openxmlformats.org/drawingml/2006/main">
+  <dsp:spTree>
+    <dsp:nvGrpSpPr>
+      <dsp:cNvPr id="0" name=""/>
+      <dsp:cNvGrpSpPr/>
+    </dsp:nvGrpSpPr>
+    <dsp:grpSpPr/>
+    <dsp:sp modelId="{D2CCFBC6-C625-CC44-B980-A43C67E97C1C}">
+      <dsp:nvSpPr>
+        <dsp:cNvPr id="0" name=""/>
+        <dsp:cNvSpPr/>
+      </dsp:nvSpPr>
+      <dsp:spPr>
+        <a:xfrm>
+          <a:off x="1698613" y="565466"/>
+          <a:ext cx="4551680" cy="4551680"/>
+        </a:xfrm>
+        <a:prstGeom prst="pie">
+          <a:avLst>
+            <a:gd name="adj1" fmla="val 16200000"/>
+            <a:gd name="adj2" fmla="val 19285716"/>
+          </a:avLst>
+        </a:prstGeom>
+        <a:solidFill>
+          <a:schemeClr val="accent1">
+            <a:hueOff val="0"/>
+            <a:satOff val="0"/>
+            <a:lumOff val="0"/>
+            <a:alphaOff val="0"/>
+          </a:schemeClr>
+        </a:solidFill>
+        <a:ln w="12700" cap="flat" cmpd="sng" algn="ctr">
+          <a:solidFill>
+            <a:schemeClr val="lt1">
+              <a:hueOff val="0"/>
+              <a:satOff val="0"/>
+              <a:lumOff val="0"/>
+              <a:alphaOff val="0"/>
+            </a:schemeClr>
+          </a:solidFill>
+          <a:prstDash val="solid"/>
+          <a:miter lim="800000"/>
+        </a:ln>
+        <a:effectLst/>
+      </dsp:spPr>
+      <dsp:style>
+        <a:lnRef idx="2">
+          <a:scrgbClr r="0" g="0" b="0"/>
+        </a:lnRef>
+        <a:fillRef idx="1">
+          <a:scrgbClr r="0" g="0" b="0"/>
+        </a:fillRef>
+        <a:effectRef idx="0">
+          <a:scrgbClr r="0" g="0" b="0"/>
+        </a:effectRef>
+        <a:fontRef idx="minor">
+          <a:schemeClr val="lt1"/>
+        </a:fontRef>
+      </dsp:style>
+      <dsp:txBody>
+        <a:bodyPr spcFirstLastPara="0" vert="horz" wrap="square" lIns="19050" tIns="19050" rIns="19050" bIns="19050" numCol="1" spcCol="1270" anchor="ctr" anchorCtr="0">
+          <a:noAutofit/>
+        </a:bodyPr>
+        <a:lstStyle/>
+        <a:p>
+          <a:pPr marL="0" lvl="0" indent="0" algn="ctr" defTabSz="666750">
+            <a:lnSpc>
+              <a:spcPct val="90000"/>
+            </a:lnSpc>
+            <a:spcBef>
+              <a:spcPct val="0"/>
+            </a:spcBef>
+            <a:spcAft>
+              <a:spcPct val="35000"/>
+            </a:spcAft>
+            <a:buNone/>
+          </a:pPr>
+          <a:r>
+            <a:rPr lang="en-GB" sz="1500" kern="1200" dirty="0"/>
+            <a:t>Irrelevant data</a:t>
+          </a:r>
+        </a:p>
+      </dsp:txBody>
+      <dsp:txXfrm>
+        <a:off x="4019428" y="998959"/>
+        <a:ext cx="1246293" cy="785706"/>
+      </dsp:txXfrm>
+    </dsp:sp>
+    <dsp:sp modelId="{6A0414EB-2931-754D-9CA1-F8DDC873D355}">
+      <dsp:nvSpPr>
+        <dsp:cNvPr id="0" name=""/>
+        <dsp:cNvSpPr/>
+      </dsp:nvSpPr>
+      <dsp:spPr>
+        <a:xfrm>
+          <a:off x="1729367" y="555413"/>
+          <a:ext cx="4551680" cy="4551680"/>
+        </a:xfrm>
+        <a:prstGeom prst="pie">
+          <a:avLst>
+            <a:gd name="adj1" fmla="val 19285716"/>
+            <a:gd name="adj2" fmla="val 771428"/>
+          </a:avLst>
+        </a:prstGeom>
+        <a:solidFill>
+          <a:schemeClr val="accent1">
+            <a:hueOff val="0"/>
+            <a:satOff val="0"/>
+            <a:lumOff val="0"/>
+            <a:alphaOff val="0"/>
+          </a:schemeClr>
+        </a:solidFill>
+        <a:ln w="12700" cap="flat" cmpd="sng" algn="ctr">
+          <a:solidFill>
+            <a:schemeClr val="lt1">
+              <a:hueOff val="0"/>
+              <a:satOff val="0"/>
+              <a:lumOff val="0"/>
+              <a:alphaOff val="0"/>
+            </a:schemeClr>
+          </a:solidFill>
+          <a:prstDash val="solid"/>
+          <a:miter lim="800000"/>
+        </a:ln>
+        <a:effectLst/>
+      </dsp:spPr>
+      <dsp:style>
+        <a:lnRef idx="2">
+          <a:scrgbClr r="0" g="0" b="0"/>
+        </a:lnRef>
+        <a:fillRef idx="1">
+          <a:scrgbClr r="0" g="0" b="0"/>
+        </a:fillRef>
+        <a:effectRef idx="0">
+          <a:scrgbClr r="0" g="0" b="0"/>
+        </a:effectRef>
+        <a:fontRef idx="minor">
+          <a:schemeClr val="lt1"/>
+        </a:fontRef>
+      </dsp:style>
+      <dsp:txBody>
+        <a:bodyPr spcFirstLastPara="0" vert="horz" wrap="square" lIns="19050" tIns="19050" rIns="19050" bIns="19050" numCol="1" spcCol="1270" anchor="ctr" anchorCtr="0">
+          <a:noAutofit/>
+        </a:bodyPr>
+        <a:lstStyle/>
+        <a:p>
+          <a:pPr marL="0" lvl="0" indent="0" algn="ctr" defTabSz="666750">
+            <a:lnSpc>
+              <a:spcPct val="90000"/>
+            </a:lnSpc>
+            <a:spcBef>
+              <a:spcPct val="0"/>
+            </a:spcBef>
+            <a:spcAft>
+              <a:spcPct val="35000"/>
+            </a:spcAft>
+            <a:buNone/>
+          </a:pPr>
+          <a:r>
+            <a:rPr lang="en-GB" sz="1500" kern="1200" dirty="0"/>
+            <a:t>De-duplication</a:t>
+          </a:r>
+        </a:p>
+      </dsp:txBody>
+      <dsp:txXfrm>
+        <a:off x="4845100" y="2181013"/>
+        <a:ext cx="1322154" cy="839893"/>
+      </dsp:txXfrm>
+    </dsp:sp>
+    <dsp:sp modelId="{8AC0CB20-899F-CE4D-A96C-A01784724A3B}">
+      <dsp:nvSpPr>
+        <dsp:cNvPr id="0" name=""/>
+        <dsp:cNvSpPr/>
+      </dsp:nvSpPr>
+      <dsp:spPr>
+        <a:xfrm>
+          <a:off x="1729367" y="555413"/>
+          <a:ext cx="4551680" cy="4551680"/>
+        </a:xfrm>
+        <a:prstGeom prst="pie">
+          <a:avLst>
+            <a:gd name="adj1" fmla="val 771428"/>
+            <a:gd name="adj2" fmla="val 3857143"/>
+          </a:avLst>
+        </a:prstGeom>
+        <a:solidFill>
+          <a:schemeClr val="accent1">
+            <a:hueOff val="0"/>
+            <a:satOff val="0"/>
+            <a:lumOff val="0"/>
+            <a:alphaOff val="0"/>
+          </a:schemeClr>
+        </a:solidFill>
+        <a:ln w="12700" cap="flat" cmpd="sng" algn="ctr">
+          <a:solidFill>
+            <a:schemeClr val="lt1">
+              <a:hueOff val="0"/>
+              <a:satOff val="0"/>
+              <a:lumOff val="0"/>
+              <a:alphaOff val="0"/>
+            </a:schemeClr>
+          </a:solidFill>
+          <a:prstDash val="solid"/>
+          <a:miter lim="800000"/>
+        </a:ln>
+        <a:effectLst/>
+      </dsp:spPr>
+      <dsp:style>
+        <a:lnRef idx="2">
+          <a:scrgbClr r="0" g="0" b="0"/>
+        </a:lnRef>
+        <a:fillRef idx="1">
+          <a:scrgbClr r="0" g="0" b="0"/>
+        </a:fillRef>
+        <a:effectRef idx="0">
+          <a:scrgbClr r="0" g="0" b="0"/>
+        </a:effectRef>
+        <a:fontRef idx="minor">
+          <a:schemeClr val="lt1"/>
+        </a:fontRef>
+      </dsp:style>
+      <dsp:txBody>
+        <a:bodyPr spcFirstLastPara="0" vert="horz" wrap="square" lIns="19050" tIns="19050" rIns="19050" bIns="19050" numCol="1" spcCol="1270" anchor="ctr" anchorCtr="0">
+          <a:noAutofit/>
+        </a:bodyPr>
+        <a:lstStyle/>
+        <a:p>
+          <a:pPr marL="0" lvl="0" indent="0" algn="ctr" defTabSz="666750">
+            <a:lnSpc>
+              <a:spcPct val="90000"/>
+            </a:lnSpc>
+            <a:spcBef>
+              <a:spcPct val="0"/>
+            </a:spcBef>
+            <a:spcAft>
+              <a:spcPct val="35000"/>
+            </a:spcAft>
+            <a:buNone/>
+          </a:pPr>
+          <a:r>
+            <a:rPr lang="en-GB" sz="1500" kern="1200" dirty="0"/>
+            <a:t>Data Formatting</a:t>
+          </a:r>
+        </a:p>
+      </dsp:txBody>
+      <dsp:txXfrm>
+        <a:off x="4655447" y="3264746"/>
+        <a:ext cx="1192106" cy="866986"/>
+      </dsp:txXfrm>
+    </dsp:sp>
+    <dsp:sp modelId="{E4DDCFD8-13DA-854F-8A7E-FB12A4A5A80A}">
+      <dsp:nvSpPr>
+        <dsp:cNvPr id="0" name=""/>
+        <dsp:cNvSpPr/>
+      </dsp:nvSpPr>
+      <dsp:spPr>
+        <a:xfrm>
+          <a:off x="1729367" y="555413"/>
+          <a:ext cx="4551680" cy="4551680"/>
+        </a:xfrm>
+        <a:prstGeom prst="pie">
+          <a:avLst>
+            <a:gd name="adj1" fmla="val 3857226"/>
+            <a:gd name="adj2" fmla="val 6942858"/>
+          </a:avLst>
+        </a:prstGeom>
+        <a:solidFill>
+          <a:schemeClr val="accent1">
+            <a:hueOff val="0"/>
+            <a:satOff val="0"/>
+            <a:lumOff val="0"/>
+            <a:alphaOff val="0"/>
+          </a:schemeClr>
+        </a:solidFill>
+        <a:ln w="12700" cap="flat" cmpd="sng" algn="ctr">
+          <a:solidFill>
+            <a:schemeClr val="lt1">
+              <a:hueOff val="0"/>
+              <a:satOff val="0"/>
+              <a:lumOff val="0"/>
+              <a:alphaOff val="0"/>
+            </a:schemeClr>
+          </a:solidFill>
+          <a:prstDash val="solid"/>
+          <a:miter lim="800000"/>
+        </a:ln>
+        <a:effectLst/>
+      </dsp:spPr>
+      <dsp:style>
+        <a:lnRef idx="2">
+          <a:scrgbClr r="0" g="0" b="0"/>
+        </a:lnRef>
+        <a:fillRef idx="1">
+          <a:scrgbClr r="0" g="0" b="0"/>
+        </a:fillRef>
+        <a:effectRef idx="0">
+          <a:scrgbClr r="0" g="0" b="0"/>
+        </a:effectRef>
+        <a:fontRef idx="minor">
+          <a:schemeClr val="lt1"/>
+        </a:fontRef>
+      </dsp:style>
+      <dsp:txBody>
+        <a:bodyPr spcFirstLastPara="0" vert="horz" wrap="square" lIns="19050" tIns="19050" rIns="19050" bIns="19050" numCol="1" spcCol="1270" anchor="ctr" anchorCtr="0">
+          <a:noAutofit/>
+        </a:bodyPr>
+        <a:lstStyle/>
+        <a:p>
+          <a:pPr marL="0" lvl="0" indent="0" algn="ctr" defTabSz="666750">
+            <a:lnSpc>
+              <a:spcPct val="90000"/>
+            </a:lnSpc>
+            <a:spcBef>
+              <a:spcPct val="0"/>
+            </a:spcBef>
+            <a:spcAft>
+              <a:spcPct val="35000"/>
+            </a:spcAft>
+            <a:buNone/>
+          </a:pPr>
+          <a:r>
+            <a:rPr lang="en-GB" sz="1500" kern="1200" dirty="0"/>
+            <a:t>Missing data</a:t>
+          </a:r>
+        </a:p>
+      </dsp:txBody>
+      <dsp:txXfrm>
+        <a:off x="3395607" y="4131733"/>
+        <a:ext cx="1219200" cy="866986"/>
+      </dsp:txXfrm>
+    </dsp:sp>
+    <dsp:sp modelId="{E04BE9D6-867C-1945-B5D5-5B21239ED434}">
+      <dsp:nvSpPr>
+        <dsp:cNvPr id="0" name=""/>
+        <dsp:cNvSpPr/>
+      </dsp:nvSpPr>
+      <dsp:spPr>
+        <a:xfrm>
+          <a:off x="1729367" y="555413"/>
+          <a:ext cx="4551680" cy="4551680"/>
+        </a:xfrm>
+        <a:prstGeom prst="pie">
+          <a:avLst>
+            <a:gd name="adj1" fmla="val 6942858"/>
+            <a:gd name="adj2" fmla="val 10028574"/>
+          </a:avLst>
+        </a:prstGeom>
+        <a:solidFill>
+          <a:schemeClr val="accent1">
+            <a:hueOff val="0"/>
+            <a:satOff val="0"/>
+            <a:lumOff val="0"/>
+            <a:alphaOff val="0"/>
+          </a:schemeClr>
+        </a:solidFill>
+        <a:ln w="12700" cap="flat" cmpd="sng" algn="ctr">
+          <a:solidFill>
+            <a:schemeClr val="lt1">
+              <a:hueOff val="0"/>
+              <a:satOff val="0"/>
+              <a:lumOff val="0"/>
+              <a:alphaOff val="0"/>
+            </a:schemeClr>
+          </a:solidFill>
+          <a:prstDash val="solid"/>
+          <a:miter lim="800000"/>
+        </a:ln>
+        <a:effectLst/>
+      </dsp:spPr>
+      <dsp:style>
+        <a:lnRef idx="2">
+          <a:scrgbClr r="0" g="0" b="0"/>
+        </a:lnRef>
+        <a:fillRef idx="1">
+          <a:scrgbClr r="0" g="0" b="0"/>
+        </a:fillRef>
+        <a:effectRef idx="0">
+          <a:scrgbClr r="0" g="0" b="0"/>
+        </a:effectRef>
+        <a:fontRef idx="minor">
+          <a:schemeClr val="lt1"/>
+        </a:fontRef>
+      </dsp:style>
+      <dsp:txBody>
+        <a:bodyPr spcFirstLastPara="0" vert="horz" wrap="square" lIns="19050" tIns="19050" rIns="19050" bIns="19050" numCol="1" spcCol="1270" anchor="ctr" anchorCtr="0">
+          <a:noAutofit/>
+        </a:bodyPr>
+        <a:lstStyle/>
+        <a:p>
+          <a:pPr marL="0" lvl="0" indent="0" algn="ctr" defTabSz="666750">
+            <a:lnSpc>
+              <a:spcPct val="90000"/>
+            </a:lnSpc>
+            <a:spcBef>
+              <a:spcPct val="0"/>
+            </a:spcBef>
+            <a:spcAft>
+              <a:spcPct val="35000"/>
+            </a:spcAft>
+            <a:buNone/>
+          </a:pPr>
+          <a:r>
+            <a:rPr lang="en-GB" sz="1500" kern="1200" dirty="0"/>
+            <a:t>Data </a:t>
+          </a:r>
+          <a:r>
+            <a:rPr lang="en-GB" sz="1500" kern="1200" dirty="0" err="1"/>
+            <a:t>normalozation</a:t>
+          </a:r>
+          <a:endParaRPr lang="en-GB" sz="1500" kern="1200" dirty="0"/>
+        </a:p>
+      </dsp:txBody>
+      <dsp:txXfrm>
+        <a:off x="2162860" y="3264746"/>
+        <a:ext cx="1192106" cy="866986"/>
+      </dsp:txXfrm>
+    </dsp:sp>
+    <dsp:sp modelId="{D31BAE12-DC00-2A4F-93E4-E1A6688E945F}">
+      <dsp:nvSpPr>
+        <dsp:cNvPr id="0" name=""/>
+        <dsp:cNvSpPr/>
+      </dsp:nvSpPr>
+      <dsp:spPr>
+        <a:xfrm>
+          <a:off x="1729367" y="555413"/>
+          <a:ext cx="4551680" cy="4551680"/>
+        </a:xfrm>
+        <a:prstGeom prst="pie">
+          <a:avLst>
+            <a:gd name="adj1" fmla="val 10028574"/>
+            <a:gd name="adj2" fmla="val 13114284"/>
+          </a:avLst>
+        </a:prstGeom>
+        <a:solidFill>
+          <a:schemeClr val="accent1">
+            <a:hueOff val="0"/>
+            <a:satOff val="0"/>
+            <a:lumOff val="0"/>
+            <a:alphaOff val="0"/>
+          </a:schemeClr>
+        </a:solidFill>
+        <a:ln w="12700" cap="flat" cmpd="sng" algn="ctr">
+          <a:solidFill>
+            <a:schemeClr val="lt1">
+              <a:hueOff val="0"/>
+              <a:satOff val="0"/>
+              <a:lumOff val="0"/>
+              <a:alphaOff val="0"/>
+            </a:schemeClr>
+          </a:solidFill>
+          <a:prstDash val="solid"/>
+          <a:miter lim="800000"/>
+        </a:ln>
+        <a:effectLst/>
+      </dsp:spPr>
+      <dsp:style>
+        <a:lnRef idx="2">
+          <a:scrgbClr r="0" g="0" b="0"/>
+        </a:lnRef>
+        <a:fillRef idx="1">
+          <a:scrgbClr r="0" g="0" b="0"/>
+        </a:fillRef>
+        <a:effectRef idx="0">
+          <a:scrgbClr r="0" g="0" b="0"/>
+        </a:effectRef>
+        <a:fontRef idx="minor">
+          <a:schemeClr val="lt1"/>
+        </a:fontRef>
+      </dsp:style>
+      <dsp:txBody>
+        <a:bodyPr spcFirstLastPara="0" vert="horz" wrap="square" lIns="19050" tIns="19050" rIns="19050" bIns="19050" numCol="1" spcCol="1270" anchor="ctr" anchorCtr="0">
+          <a:noAutofit/>
+        </a:bodyPr>
+        <a:lstStyle/>
+        <a:p>
+          <a:pPr marL="0" lvl="0" indent="0" algn="ctr" defTabSz="666750">
+            <a:lnSpc>
+              <a:spcPct val="90000"/>
+            </a:lnSpc>
+            <a:spcBef>
+              <a:spcPct val="0"/>
+            </a:spcBef>
+            <a:spcAft>
+              <a:spcPct val="35000"/>
+            </a:spcAft>
+            <a:buNone/>
+          </a:pPr>
+          <a:r>
+            <a:rPr lang="en-GB" sz="1500" kern="1200" dirty="0"/>
+            <a:t>Data standardization</a:t>
+          </a:r>
+        </a:p>
+      </dsp:txBody>
+      <dsp:txXfrm>
+        <a:off x="1843159" y="2181013"/>
+        <a:ext cx="1322154" cy="839893"/>
+      </dsp:txXfrm>
+    </dsp:sp>
+    <dsp:sp modelId="{57082491-EEEF-4147-85FC-7683C3BF0138}">
+      <dsp:nvSpPr>
+        <dsp:cNvPr id="0" name=""/>
+        <dsp:cNvSpPr/>
+      </dsp:nvSpPr>
+      <dsp:spPr>
+        <a:xfrm>
+          <a:off x="1729367" y="555413"/>
+          <a:ext cx="4551680" cy="4551680"/>
+        </a:xfrm>
+        <a:prstGeom prst="pie">
+          <a:avLst>
+            <a:gd name="adj1" fmla="val 13114284"/>
+            <a:gd name="adj2" fmla="val 16200000"/>
+          </a:avLst>
+        </a:prstGeom>
+        <a:solidFill>
+          <a:schemeClr val="accent1">
+            <a:hueOff val="0"/>
+            <a:satOff val="0"/>
+            <a:lumOff val="0"/>
+            <a:alphaOff val="0"/>
+          </a:schemeClr>
+        </a:solidFill>
+        <a:ln w="12700" cap="flat" cmpd="sng" algn="ctr">
+          <a:solidFill>
+            <a:schemeClr val="lt1">
+              <a:hueOff val="0"/>
+              <a:satOff val="0"/>
+              <a:lumOff val="0"/>
+              <a:alphaOff val="0"/>
+            </a:schemeClr>
+          </a:solidFill>
+          <a:prstDash val="solid"/>
+          <a:miter lim="800000"/>
+        </a:ln>
+        <a:effectLst/>
+      </dsp:spPr>
+      <dsp:style>
+        <a:lnRef idx="2">
+          <a:scrgbClr r="0" g="0" b="0"/>
+        </a:lnRef>
+        <a:fillRef idx="1">
+          <a:scrgbClr r="0" g="0" b="0"/>
+        </a:fillRef>
+        <a:effectRef idx="0">
+          <a:scrgbClr r="0" g="0" b="0"/>
+        </a:effectRef>
+        <a:fontRef idx="minor">
+          <a:schemeClr val="lt1"/>
+        </a:fontRef>
+      </dsp:style>
+      <dsp:txBody>
+        <a:bodyPr spcFirstLastPara="0" vert="horz" wrap="square" lIns="19050" tIns="19050" rIns="19050" bIns="19050" numCol="1" spcCol="1270" anchor="ctr" anchorCtr="0">
+          <a:noAutofit/>
+        </a:bodyPr>
+        <a:lstStyle/>
+        <a:p>
+          <a:pPr marL="0" lvl="0" indent="0" algn="ctr" defTabSz="666750">
+            <a:lnSpc>
+              <a:spcPct val="90000"/>
+            </a:lnSpc>
+            <a:spcBef>
+              <a:spcPct val="0"/>
+            </a:spcBef>
+            <a:spcAft>
+              <a:spcPct val="35000"/>
+            </a:spcAft>
+            <a:buNone/>
+          </a:pPr>
+          <a:r>
+            <a:rPr lang="en-GB" sz="1500" kern="1200" dirty="0"/>
+            <a:t>Outliers removal</a:t>
+          </a:r>
+        </a:p>
+      </dsp:txBody>
+      <dsp:txXfrm>
+        <a:off x="2715564" y="988906"/>
+        <a:ext cx="1246293" cy="785706"/>
+      </dsp:txXfrm>
+    </dsp:sp>
+  </dsp:spTree>
+</dsp:drawing>
+</file>
+
+<file path=ppt/diagrams/layout1.xml><?xml version="1.0" encoding="utf-8"?>
+<dgm:layoutDef xmlns:dgm="http://schemas.openxmlformats.org/drawingml/2006/diagram" xmlns:a="http://schemas.openxmlformats.org/drawingml/2006/main" uniqueId="urn:microsoft.com/office/officeart/2005/8/layout/chart3">
+  <dgm:title val=""/>
+  <dgm:desc val=""/>
+  <dgm:catLst>
+    <dgm:cat type="relationship" pri="27000"/>
+    <dgm:cat type="cycle" pri="8000"/>
+  </dgm:catLst>
+  <dgm:sampData useDef="1">
+    <dgm:dataModel>
+      <dgm:ptLst/>
+      <dgm:bg/>
+      <dgm:whole/>
+    </dgm:dataModel>
+  </dgm:sampData>
+  <dgm:styleData useDef="1">
+    <dgm:dataModel>
+      <dgm:ptLst/>
+      <dgm:bg/>
+      <dgm:whole/>
+    </dgm:dataModel>
+  </dgm:styleData>
+  <dgm:clrData>
+    <dgm:dataModel>
+      <dgm:ptLst>
+        <dgm:pt modelId="0" type="doc"/>
+        <dgm:pt modelId="1"/>
+        <dgm:pt modelId="2"/>
+        <dgm:pt modelId="3"/>
+        <dgm:pt modelId="4"/>
+        <dgm:pt modelId="5"/>
+        <dgm:pt modelId="6"/>
+      </dgm:ptLst>
+      <dgm:cxnLst>
+        <dgm:cxn modelId="7" srcId="0" destId="1" srcOrd="0" destOrd="0"/>
+        <dgm:cxn modelId="8" srcId="0" destId="2" srcOrd="1" destOrd="0"/>
+        <dgm:cxn modelId="9" srcId="0" destId="3" srcOrd="2" destOrd="0"/>
+        <dgm:cxn modelId="10" srcId="0" destId="4" srcOrd="3" destOrd="0"/>
+        <dgm:cxn modelId="11" srcId="0" destId="5" srcOrd="4" destOrd="0"/>
+        <dgm:cxn modelId="12" srcId="0" destId="6" srcOrd="5" destOrd="0"/>
+      </dgm:cxnLst>
+      <dgm:bg/>
+      <dgm:whole/>
+    </dgm:dataModel>
+  </dgm:clrData>
+  <dgm:layoutNode name="compositeShape">
+    <dgm:varLst>
+      <dgm:chMax val="7"/>
+      <dgm:dir/>
+      <dgm:resizeHandles val="exact"/>
+    </dgm:varLst>
+    <dgm:alg type="composite">
+      <dgm:param type="horzAlign" val="ctr"/>
+      <dgm:param type="vertAlign" val="mid"/>
+      <dgm:param type="ar" val="1"/>
+    </dgm:alg>
+    <dgm:presOf/>
+    <dgm:shape xmlns:r="http://schemas.openxmlformats.org/officeDocument/2006/relationships" r:blip="">
+      <dgm:adjLst/>
+    </dgm:shape>
+    <dgm:choose name="Name0">
+      <dgm:if name="Name1" axis="ch" ptType="node" func="cnt" op="equ" val="1">
+        <dgm:constrLst>
+          <dgm:constr type="l" for="ch" forName="wedge1" refType="w" fact="0.08"/>
+          <dgm:constr type="t" for="ch" forName="wedge1" refType="w" fact="0.08"/>
+          <dgm:constr type="w" for="ch" forName="wedge1" refType="w" fact="0.84"/>
+          <dgm:constr type="h" for="ch" forName="wedge1" refType="h" fact="0.84"/>
+          <dgm:constr type="l" for="ch" forName="wedge1Tx" refType="w" fact="0.205"/>
+          <dgm:constr type="t" for="ch" forName="wedge1Tx" refType="h" fact="0.205"/>
+          <dgm:constr type="w" for="ch" forName="wedge1Tx" refType="w" fact="0.59"/>
+          <dgm:constr type="h" for="ch" forName="wedge1Tx" refType="h" fact="0.59"/>
+          <dgm:constr type="primFontSz" for="ch" ptType="node" op="equ"/>
+        </dgm:constrLst>
+      </dgm:if>
+      <dgm:if name="Name2" axis="ch" ptType="node" func="cnt" op="equ" val="2">
+        <dgm:constrLst>
+          <dgm:constr type="l" for="ch" forName="wedge1" refType="w" fact="0.1"/>
+          <dgm:constr type="t" for="ch" forName="wedge1" refType="w" fact="0.08"/>
+          <dgm:constr type="w" for="ch" forName="wedge1" refType="w" fact="0.84"/>
+          <dgm:constr type="h" for="ch" forName="wedge1" refType="h" fact="0.84"/>
+          <dgm:constr type="l" for="ch" forName="wedge1Tx" refType="w" fact="0.52"/>
+          <dgm:constr type="t" for="ch" forName="wedge1Tx" refType="h" fact="0.205"/>
+          <dgm:constr type="w" for="ch" forName="wedge1Tx" refType="w" fact="0.295"/>
+          <dgm:constr type="h" for="ch" forName="wedge1Tx" refType="h" fact="0.59"/>
+          <dgm:constr type="l" for="ch" forName="wedge2" refType="w" fact="0.08"/>
+          <dgm:constr type="t" for="ch" forName="wedge2" refType="w" fact="0.08"/>
+          <dgm:constr type="w" for="ch" forName="wedge2" refType="w" fact="0.84"/>
+          <dgm:constr type="h" for="ch" forName="wedge2" refType="h" fact="0.84"/>
+          <dgm:constr type="l" for="ch" forName="wedge2Tx" refType="w" fact="0.2"/>
+          <dgm:constr type="t" for="ch" forName="wedge2Tx" refType="h" fact="0.205"/>
+          <dgm:constr type="w" for="ch" forName="wedge2Tx" refType="w" fact="0.295"/>
+          <dgm:constr type="h" for="ch" forName="wedge2Tx" refType="h" fact="0.59"/>
+          <dgm:constr type="primFontSz" for="ch" ptType="node" op="equ"/>
+        </dgm:constrLst>
+      </dgm:if>
+      <dgm:if name="Name3" axis="ch" ptType="node" func="cnt" op="equ" val="3">
+        <dgm:choose name="Name4">
+          <dgm:if name="Name5" func="var" arg="dir" op="equ" val="norm">
+            <dgm:constrLst>
+              <dgm:constr type="l" for="ch" forName="wedge1" refType="w" fact="0.1233"/>
+              <dgm:constr type="t" for="ch" forName="wedge1" refType="w" fact="0.055"/>
+              <dgm:constr type="w" for="ch" forName="wedge1" refType="w" fact="0.84"/>
+              <dgm:constr type="h" for="ch" forName="wedge1" refType="h" fact="0.84"/>
+              <dgm:constr type="l" for="ch" forName="wedge1Tx" refType="w" fact="0.58"/>
+              <dgm:constr type="t" for="ch" forName="wedge1Tx" refType="h" fact="0.21"/>
+              <dgm:constr type="w" for="ch" forName="wedge1Tx" refType="w" fact="0.285"/>
+              <dgm:constr type="h" for="ch" forName="wedge1Tx" refType="h" fact="0.28"/>
+              <dgm:constr type="l" for="ch" forName="wedge2" refType="w" fact="0.08"/>
+              <dgm:constr type="t" for="ch" forName="wedge2" refType="w" fact="0.08"/>
+              <dgm:constr type="w" for="ch" forName="wedge2" refType="w" fact="0.84"/>
+              <dgm:constr type="h" for="ch" forName="wedge2" refType="h" fact="0.84"/>
+              <dgm:constr type="l" for="ch" forName="wedge2Tx" refType="w" fact="0.31"/>
+              <dgm:constr type="t" for="ch" forName="wedge2Tx" refType="h" fact="0.61"/>
+              <dgm:constr type="w" for="ch" forName="wedge2Tx" refType="w" fact="0.38"/>
+              <dgm:constr type="h" for="ch" forName="wedge2Tx" refType="h" fact="0.26"/>
+              <dgm:constr type="l" for="ch" forName="wedge3" refType="w" fact="0.08"/>
+              <dgm:constr type="t" for="ch" forName="wedge3" refType="w" fact="0.08"/>
+              <dgm:constr type="w" for="ch" forName="wedge3" refType="w" fact="0.84"/>
+              <dgm:constr type="h" for="ch" forName="wedge3" refType="h" fact="0.84"/>
+              <dgm:constr type="l" for="ch" forName="wedge3Tx" refType="w" fact="0.17"/>
+              <dgm:constr type="t" for="ch" forName="wedge3Tx" refType="h" fact="0.245"/>
+              <dgm:constr type="w" for="ch" forName="wedge3Tx" refType="w" fact="0.285"/>
+              <dgm:constr type="h" for="ch" forName="wedge3Tx" refType="h" fact="0.28"/>
+              <dgm:constr type="primFontSz" for="ch" ptType="node" op="equ"/>
+            </dgm:constrLst>
+          </dgm:if>
+          <dgm:else name="Name6">
+            <dgm:constrLst>
+              <dgm:constr type="l" for="ch" forName="wedge1" refType="w" fact="0.08"/>
+              <dgm:constr type="t" for="ch" forName="wedge1" refType="w" fact="0.08"/>
+              <dgm:constr type="w" for="ch" forName="wedge1" refType="w" fact="0.84"/>
+              <dgm:constr type="h" for="ch" forName="wedge1" refType="h" fact="0.84"/>
+              <dgm:constr type="l" for="ch" forName="wedge1Tx" refType="w" fact="0.545"/>
+              <dgm:constr type="t" for="ch" forName="wedge1Tx" refType="h" fact="0.245"/>
+              <dgm:constr type="w" for="ch" forName="wedge1Tx" refType="w" fact="0.285"/>
+              <dgm:constr type="h" for="ch" forName="wedge1Tx" refType="h" fact="0.28"/>
+              <dgm:constr type="l" for="ch" forName="wedge2" refType="w" fact="0.08"/>
+              <dgm:constr type="t" for="ch" forName="wedge2" refType="w" fact="0.08"/>
+              <dgm:constr type="w" for="ch" forName="wedge2" refType="w" fact="0.84"/>
+              <dgm:constr type="h" for="ch" forName="wedge2" refType="h" fact="0.84"/>
+              <dgm:constr type="l" for="ch" forName="wedge2Tx" refType="w" fact="0.31"/>
+              <dgm:constr type="t" for="ch" forName="wedge2Tx" refType="h" fact="0.61"/>
+              <dgm:constr type="w" for="ch" forName="wedge2Tx" refType="w" fact="0.38"/>
+              <dgm:constr type="h" for="ch" forName="wedge2Tx" refType="h" fact="0.26"/>
+              <dgm:constr type="l" for="ch" forName="wedge3" refType="w" fact="0.0367"/>
+              <dgm:constr type="t" for="ch" forName="wedge3" refType="w" fact="0.055"/>
+              <dgm:constr type="w" for="ch" forName="wedge3" refType="w" fact="0.84"/>
+              <dgm:constr type="h" for="ch" forName="wedge3" refType="h" fact="0.84"/>
+              <dgm:constr type="l" for="ch" forName="wedge3Tx" refType="w" fact="0.14"/>
+              <dgm:constr type="t" for="ch" forName="wedge3Tx" refType="h" fact="0.21"/>
+              <dgm:constr type="w" for="ch" forName="wedge3Tx" refType="w" fact="0.285"/>
+              <dgm:constr type="h" for="ch" forName="wedge3Tx" refType="h" fact="0.28"/>
+              <dgm:constr type="primFontSz" for="ch" ptType="node" op="equ"/>
+            </dgm:constrLst>
+          </dgm:else>
+        </dgm:choose>
+      </dgm:if>
+      <dgm:if name="Name7" axis="ch" ptType="node" func="cnt" op="equ" val="4">
+        <dgm:choose name="Name8">
+          <dgm:if name="Name9" func="var" arg="dir" op="equ" val="norm">
+            <dgm:constrLst>
+              <dgm:constr type="l" for="ch" forName="wedge1" refType="w" fact="0.1154"/>
+              <dgm:constr type="t" for="ch" forName="wedge1" refType="w" fact="0.0446"/>
+              <dgm:constr type="w" for="ch" forName="wedge1" refType="w" fact="0.84"/>
+              <dgm:constr type="h" for="ch" forName="wedge1" refType="h" fact="0.84"/>
+              <dgm:constr type="l" for="ch" forName="wedge1Tx" refType="w" fact="0.545"/>
+              <dgm:constr type="t" for="ch" forName="wedge1Tx" refType="h" fact="0.2"/>
+              <dgm:constr type="w" for="ch" forName="wedge1Tx" refType="w" fact="0.31"/>
+              <dgm:constr type="h" for="ch" forName="wedge1Tx" refType="h" fact="0.25"/>
+              <dgm:constr type="l" for="ch" forName="wedge2" refType="w" fact="0.08"/>
+              <dgm:constr type="t" for="ch" forName="wedge2" refType="w" fact="0.08"/>
+              <dgm:constr type="w" for="ch" forName="wedge2" refType="w" fact="0.84"/>
+              <dgm:constr type="h" for="ch" forName="wedge2" refType="h" fact="0.84"/>
+              <dgm:constr type="l" for="ch" forName="wedge2Tx" refType="w" fact="0.515"/>
+              <dgm:constr type="t" for="ch" forName="wedge2Tx" refType="h" fact="0.515"/>
+              <dgm:constr type="w" for="ch" forName="wedge2Tx" refType="w" fact="0.31"/>
+              <dgm:constr type="h" for="ch" forName="wedge2Tx" refType="h" fact="0.25"/>
+              <dgm:constr type="l" for="ch" forName="wedge3" refType="w" fact="0.08"/>
+              <dgm:constr type="t" for="ch" forName="wedge3" refType="w" fact="0.08"/>
+              <dgm:constr type="w" for="ch" forName="wedge3" refType="w" fact="0.84"/>
+              <dgm:constr type="h" for="ch" forName="wedge3" refType="h" fact="0.84"/>
+              <dgm:constr type="l" for="ch" forName="wedge3Tx" refType="w" fact="0.175"/>
+              <dgm:constr type="t" for="ch" forName="wedge3Tx" refType="h" fact="0.515"/>
+              <dgm:constr type="w" for="ch" forName="wedge3Tx" refType="w" fact="0.31"/>
+              <dgm:constr type="h" for="ch" forName="wedge3Tx" refType="h" fact="0.25"/>
+              <dgm:constr type="l" for="ch" forName="wedge4" refType="w" fact="0.08"/>
+              <dgm:constr type="t" for="ch" forName="wedge4" refType="h" fact="0.08"/>
+              <dgm:constr type="w" for="ch" forName="wedge4" refType="w" fact="0.84"/>
+              <dgm:constr type="h" for="ch" forName="wedge4" refType="h" fact="0.84"/>
+              <dgm:constr type="l" for="ch" forName="wedge4Tx" refType="w" fact="0.175"/>
+              <dgm:constr type="t" for="ch" forName="wedge4Tx" refType="h" fact="0.235"/>
+              <dgm:constr type="w" for="ch" forName="wedge4Tx" refType="w" fact="0.31"/>
+              <dgm:constr type="h" for="ch" forName="wedge4Tx" refType="h" fact="0.25"/>
+              <dgm:constr type="primFontSz" for="ch" ptType="node" op="equ"/>
+            </dgm:constrLst>
+          </dgm:if>
+          <dgm:else name="Name10">
+            <dgm:constrLst>
+              <dgm:constr type="l" for="ch" forName="wedge1" refType="w" fact="0.08"/>
+              <dgm:constr type="t" for="ch" forName="wedge1" refType="w" fact="0.08"/>
+              <dgm:constr type="w" for="ch" forName="wedge1" refType="w" fact="0.84"/>
+              <dgm:constr type="h" for="ch" forName="wedge1" refType="h" fact="0.84"/>
+              <dgm:constr type="l" for="ch" forName="wedge1Tx" refType="w" fact="0.515"/>
+              <dgm:constr type="t" for="ch" forName="wedge1Tx" refType="h" fact="0.235"/>
+              <dgm:constr type="w" for="ch" forName="wedge1Tx" refType="w" fact="0.31"/>
+              <dgm:constr type="h" for="ch" forName="wedge1Tx" refType="h" fact="0.25"/>
+              <dgm:constr type="l" for="ch" forName="wedge2" refType="w" fact="0.08"/>
+              <dgm:constr type="t" for="ch" forName="wedge2" refType="w" fact="0.08"/>
+              <dgm:constr type="w" for="ch" forName="wedge2" refType="w" fact="0.84"/>
+              <dgm:constr type="h" for="ch" forName="wedge2" refType="h" fact="0.84"/>
+              <dgm:constr type="l" for="ch" forName="wedge2Tx" refType="w" fact="0.515"/>
+              <dgm:constr type="t" for="ch" forName="wedge2Tx" refType="h" fact="0.515"/>
+              <dgm:constr type="w" for="ch" forName="wedge2Tx" refType="w" fact="0.31"/>
+              <dgm:constr type="h" for="ch" forName="wedge2Tx" refType="h" fact="0.25"/>
+              <dgm:constr type="l" for="ch" forName="wedge3" refType="w" fact="0.08"/>
+              <dgm:constr type="t" for="ch" forName="wedge3" refType="w" fact="0.08"/>
+              <dgm:constr type="w" for="ch" forName="wedge3" refType="w" fact="0.84"/>
+              <dgm:constr type="h" for="ch" forName="wedge3" refType="h" fact="0.84"/>
+              <dgm:constr type="l" for="ch" forName="wedge3Tx" refType="w" fact="0.175"/>
+              <dgm:constr type="t" for="ch" forName="wedge3Tx" refType="h" fact="0.515"/>
+              <dgm:constr type="w" for="ch" forName="wedge3Tx" refType="w" fact="0.31"/>
+              <dgm:constr type="h" for="ch" forName="wedge3Tx" refType="h" fact="0.25"/>
+              <dgm:constr type="l" for="ch" forName="wedge4" refType="w" fact="0.0446"/>
+              <dgm:constr type="t" for="ch" forName="wedge4" refType="h" fact="0.0446"/>
+              <dgm:constr type="w" for="ch" forName="wedge4" refType="w" fact="0.84"/>
+              <dgm:constr type="h" for="ch" forName="wedge4" refType="h" fact="0.84"/>
+              <dgm:constr type="l" for="ch" forName="wedge4Tx" refType="w" fact="0.145"/>
+              <dgm:constr type="t" for="ch" forName="wedge4Tx" refType="h" fact="0.2"/>
+              <dgm:constr type="w" for="ch" forName="wedge4Tx" refType="w" fact="0.31"/>
+              <dgm:constr type="h" for="ch" forName="wedge4Tx" refType="h" fact="0.25"/>
+              <dgm:constr type="primFontSz" for="ch" ptType="node" op="equ"/>
+            </dgm:constrLst>
+          </dgm:else>
+        </dgm:choose>
+      </dgm:if>
+      <dgm:if name="Name11" axis="ch" ptType="node" func="cnt" op="equ" val="5">
+        <dgm:choose name="Name12">
+          <dgm:if name="Name13" func="var" arg="dir" op="equ" val="norm">
+            <dgm:constrLst>
+              <dgm:constr type="l" for="ch" forName="wedge1" refType="w" fact="0.1094"/>
+              <dgm:constr type="t" for="ch" forName="wedge1" refType="w" fact="0.0395"/>
+              <dgm:constr type="w" for="ch" forName="wedge1" refType="w" fact="0.84"/>
+              <dgm:constr type="h" for="ch" forName="wedge1" refType="h" fact="0.84"/>
+              <dgm:constr type="l" for="ch" forName="wedge1Tx" refType="w" fact="0.54"/>
+              <dgm:constr type="t" for="ch" forName="wedge1Tx" refType="h" fact="0.165"/>
+              <dgm:constr type="w" for="ch" forName="wedge1Tx" refType="w" fact="0.285"/>
+              <dgm:constr type="h" for="ch" forName="wedge1Tx" refType="h" fact="0.195"/>
+              <dgm:constr type="l" for="ch" forName="wedge2" refType="w" fact="0.08"/>
+              <dgm:constr type="t" for="ch" forName="wedge2" refType="w" fact="0.08"/>
+              <dgm:constr type="w" for="ch" forName="wedge2" refType="w" fact="0.84"/>
+              <dgm:constr type="h" for="ch" forName="wedge2" refType="h" fact="0.84"/>
+              <dgm:constr type="l" for="ch" forName="wedge2Tx" refType="w" fact="0.629"/>
+              <dgm:constr type="t" for="ch" forName="wedge2Tx" refType="h" fact="0.46"/>
+              <dgm:constr type="w" for="ch" forName="wedge2Tx" refType="w" fact="0.25"/>
+              <dgm:constr type="h" for="ch" forName="wedge2Tx" refType="h" fact="0.211"/>
+              <dgm:constr type="l" for="ch" forName="wedge3" refType="w" fact="0.08"/>
+              <dgm:constr type="t" for="ch" forName="wedge3" refType="w" fact="0.08"/>
+              <dgm:constr type="w" for="ch" forName="wedge3" refType="w" fact="0.84"/>
+              <dgm:constr type="h" for="ch" forName="wedge3" refType="h" fact="0.84"/>
+              <dgm:constr type="l" for="ch" forName="wedge3Tx" refType="w" fact="0.35"/>
+              <dgm:constr type="t" for="ch" forName="wedge3Tx" refType="h" fact="0.71"/>
+              <dgm:constr type="w" for="ch" forName="wedge3Tx" refType="w" fact="0.3"/>
+              <dgm:constr type="h" for="ch" forName="wedge3Tx" refType="h" fact="0.18"/>
+              <dgm:constr type="l" for="ch" forName="wedge4" refType="w" fact="0.08"/>
+              <dgm:constr type="t" for="ch" forName="wedge4" refType="h" fact="0.08"/>
+              <dgm:constr type="w" for="ch" forName="wedge4" refType="w" fact="0.84"/>
+              <dgm:constr type="h" for="ch" forName="wedge4" refType="h" fact="0.84"/>
+              <dgm:constr type="l" for="ch" forName="wedge4Tx" refType="w" fact="0.12"/>
+              <dgm:constr type="t" for="ch" forName="wedge4Tx" refType="h" fact="0.46"/>
+              <dgm:constr type="w" for="ch" forName="wedge4Tx" refType="w" fact="0.25"/>
+              <dgm:constr type="h" for="ch" forName="wedge4Tx" refType="h" fact="0.211"/>
+              <dgm:constr type="l" for="ch" forName="wedge5" refType="w" fact="0.08"/>
+              <dgm:constr type="t" for="ch" forName="wedge5" refType="h" fact="0.08"/>
+              <dgm:constr type="w" for="ch" forName="wedge5" refType="w" fact="0.84"/>
+              <dgm:constr type="h" for="ch" forName="wedge5" refType="h" fact="0.84"/>
+              <dgm:constr type="l" for="ch" forName="wedge5Tx" refType="w" fact="0.2025"/>
+              <dgm:constr type="t" for="ch" forName="wedge5Tx" refType="h" fact="0.208"/>
+              <dgm:constr type="w" for="ch" forName="wedge5Tx" refType="w" fact="0.285"/>
+              <dgm:constr type="h" for="ch" forName="wedge5Tx" refType="h" fact="0.195"/>
+              <dgm:constr type="primFontSz" for="ch" ptType="node" op="equ"/>
+            </dgm:constrLst>
+          </dgm:if>
+          <dgm:else name="Name14">
+            <dgm:constrLst>
+              <dgm:constr type="l" for="ch" forName="wedge1" refType="w" fact="0.08"/>
+              <dgm:constr type="t" for="ch" forName="wedge1" refType="w" fact="0.08"/>
+              <dgm:constr type="w" for="ch" forName="wedge1" refType="w" fact="0.84"/>
+              <dgm:constr type="h" for="ch" forName="wedge1" refType="h" fact="0.84"/>
+              <dgm:constr type="l" for="ch" forName="wedge1Tx" refType="w" fact="0.51"/>
+              <dgm:constr type="t" for="ch" forName="wedge1Tx" refType="h" fact="0.208"/>
+              <dgm:constr type="w" for="ch" forName="wedge1Tx" refType="w" fact="0.285"/>
+              <dgm:constr type="h" for="ch" forName="wedge1Tx" refType="h" fact="0.195"/>
+              <dgm:constr type="l" for="ch" forName="wedge2" refType="w" fact="0.08"/>
+              <dgm:constr type="t" for="ch" forName="wedge2" refType="w" fact="0.08"/>
+              <dgm:constr type="w" for="ch" forName="wedge2" refType="w" fact="0.84"/>
+              <dgm:constr type="h" for="ch" forName="wedge2" refType="h" fact="0.84"/>
+              <dgm:constr type="l" for="ch" forName="wedge2Tx" refType="w" fact="0.629"/>
+              <dgm:constr type="t" for="ch" forName="wedge2Tx" refType="h" fact="0.46"/>
+              <dgm:constr type="w" for="ch" forName="wedge2Tx" refType="w" fact="0.25"/>
+              <dgm:constr type="h" for="ch" forName="wedge2Tx" refType="h" fact="0.211"/>
+              <dgm:constr type="l" for="ch" forName="wedge3" refType="w" fact="0.08"/>
+              <dgm:constr type="t" for="ch" forName="wedge3" refType="w" fact="0.08"/>
+              <dgm:constr type="w" for="ch" forName="wedge3" refType="w" fact="0.84"/>
+              <dgm:constr type="h" for="ch" forName="wedge3" refType="h" fact="0.84"/>
+              <dgm:constr type="l" for="ch" forName="wedge3Tx" refType="w" fact="0.35"/>
+              <dgm:constr type="t" for="ch" forName="wedge3Tx" refType="h" fact="0.71"/>
+              <dgm:constr type="w" for="ch" forName="wedge3Tx" refType="w" fact="0.3"/>
+              <dgm:constr type="h" for="ch" forName="wedge3Tx" refType="h" fact="0.18"/>
+              <dgm:constr type="l" for="ch" forName="wedge4" refType="w" fact="0.08"/>
+              <dgm:constr type="t" for="ch" forName="wedge4" refType="h" fact="0.08"/>
+              <dgm:constr type="w" for="ch" forName="wedge4" refType="w" fact="0.84"/>
+              <dgm:constr type="h" for="ch" forName="wedge4" refType="h" fact="0.84"/>
+              <dgm:constr type="l" for="ch" forName="wedge4Tx" refType="w" fact="0.12"/>
+              <dgm:constr type="t" for="ch" forName="wedge4Tx" refType="h" fact="0.46"/>
+              <dgm:constr type="w" for="ch" forName="wedge4Tx" refType="w" fact="0.25"/>
+              <dgm:constr type="h" for="ch" forName="wedge4Tx" refType="h" fact="0.211"/>
+              <dgm:constr type="l" for="ch" forName="wedge5" refType="w" fact="0.0506"/>
+              <dgm:constr type="t" for="ch" forName="wedge5" refType="h" fact="0.0395"/>
+              <dgm:constr type="w" for="ch" forName="wedge5" refType="w" fact="0.84"/>
+              <dgm:constr type="h" for="ch" forName="wedge5" refType="h" fact="0.84"/>
+              <dgm:constr type="l" for="ch" forName="wedge5Tx" refType="w" fact="0.18"/>
+              <dgm:constr type="t" for="ch" forName="wedge5Tx" refType="h" fact="0.165"/>
+              <dgm:constr type="w" for="ch" forName="wedge5Tx" refType="w" fact="0.285"/>
+              <dgm:constr type="h" for="ch" forName="wedge5Tx" refType="h" fact="0.195"/>
+              <dgm:constr type="primFontSz" for="ch" ptType="node" op="equ"/>
+            </dgm:constrLst>
+          </dgm:else>
+        </dgm:choose>
+      </dgm:if>
+      <dgm:if name="Name15" axis="ch" ptType="node" func="cnt" op="equ" val="6">
+        <dgm:choose name="Name16">
+          <dgm:if name="Name17" func="var" arg="dir" op="equ" val="norm">
+            <dgm:constrLst>
+              <dgm:constr type="l" for="ch" forName="wedge1" refType="w" fact="0.105"/>
+              <dgm:constr type="t" for="ch" forName="wedge1" refType="w" fact="0.0367"/>
+              <dgm:constr type="w" for="ch" forName="wedge1" refType="w" fact="0.84"/>
+              <dgm:constr type="h" for="ch" forName="wedge1" refType="h" fact="0.84"/>
+              <dgm:constr type="l" for="ch" forName="wedge1Tx" refType="w" fact="0.534"/>
+              <dgm:constr type="t" for="ch" forName="wedge1Tx" refType="h" fact="0.1267"/>
+              <dgm:constr type="w" for="ch" forName="wedge1Tx" refType="w" fact="0.245"/>
+              <dgm:constr type="h" for="ch" forName="wedge1Tx" refType="h" fact="0.18"/>
+              <dgm:constr type="l" for="ch" forName="wedge2" refType="w" fact="0.08"/>
+              <dgm:constr type="t" for="ch" forName="wedge2" refType="w" fact="0.08"/>
+              <dgm:constr type="w" for="ch" forName="wedge2" refType="w" fact="0.84"/>
+              <dgm:constr type="h" for="ch" forName="wedge2" refType="h" fact="0.84"/>
+              <dgm:constr type="l" for="ch" forName="wedge2Tx" refType="w" fact="0.655"/>
+              <dgm:constr type="t" for="ch" forName="wedge2Tx" refType="h" fact="0.415"/>
+              <dgm:constr type="w" for="ch" forName="wedge2Tx" refType="w" fact="0.254"/>
+              <dgm:constr type="h" for="ch" forName="wedge2Tx" refType="h" fact="0.17"/>
+              <dgm:constr type="l" for="ch" forName="wedge3" refType="w" fact="0.08"/>
+              <dgm:constr type="t" for="ch" forName="wedge3" refType="w" fact="0.08"/>
+              <dgm:constr type="w" for="ch" forName="wedge3" refType="w" fact="0.84"/>
+              <dgm:constr type="h" for="ch" forName="wedge3" refType="h" fact="0.84"/>
+              <dgm:constr type="l" for="ch" forName="wedge3Tx" refType="w" fact="0.509"/>
+              <dgm:constr type="t" for="ch" forName="wedge3Tx" refType="h" fact="0.65"/>
+              <dgm:constr type="w" for="ch" forName="wedge3Tx" refType="w" fact="0.245"/>
+              <dgm:constr type="h" for="ch" forName="wedge3Tx" refType="h" fact="0.18"/>
+              <dgm:constr type="l" for="ch" forName="wedge4" refType="w" fact="0.08"/>
+              <dgm:constr type="t" for="ch" forName="wedge4" refType="h" fact="0.08"/>
+              <dgm:constr type="w" for="ch" forName="wedge4" refType="w" fact="0.84"/>
+              <dgm:constr type="h" for="ch" forName="wedge4" refType="h" fact="0.84"/>
+              <dgm:constr type="l" for="ch" forName="wedge4Tx" refType="w" fact="0.246"/>
+              <dgm:constr type="t" for="ch" forName="wedge4Tx" refType="h" fact="0.65"/>
+              <dgm:constr type="w" for="ch" forName="wedge4Tx" refType="w" fact="0.245"/>
+              <dgm:constr type="h" for="ch" forName="wedge4Tx" refType="h" fact="0.18"/>
+              <dgm:constr type="l" for="ch" forName="wedge5" refType="w" fact="0.08"/>
+              <dgm:constr type="t" for="ch" forName="wedge5" refType="h" fact="0.08"/>
+              <dgm:constr type="w" for="ch" forName="wedge5" refType="w" fact="0.84"/>
+              <dgm:constr type="h" for="ch" forName="wedge5" refType="h" fact="0.84"/>
+              <dgm:constr type="l" for="ch" forName="wedge5Tx" refType="w" fact="0.093"/>
+              <dgm:constr type="t" for="ch" forName="wedge5Tx" refType="h" fact="0.415"/>
+              <dgm:constr type="w" for="ch" forName="wedge5Tx" refType="w" fact="0.254"/>
+              <dgm:constr type="h" for="ch" forName="wedge5Tx" refType="h" fact="0.17"/>
+              <dgm:constr type="l" for="ch" forName="wedge6" refType="w" fact="0.08"/>
+              <dgm:constr type="t" for="ch" forName="wedge6" refType="h" fact="0.08"/>
+              <dgm:constr type="w" for="ch" forName="wedge6" refType="w" fact="0.84"/>
+              <dgm:constr type="h" for="ch" forName="wedge6" refType="h" fact="0.84"/>
+              <dgm:constr type="l" for="ch" forName="wedge6Tx" refType="w" fact="0.246"/>
+              <dgm:constr type="t" for="ch" forName="wedge6Tx" refType="h" fact="0.17"/>
+              <dgm:constr type="w" for="ch" forName="wedge6Tx" refType="w" fact="0.245"/>
+              <dgm:constr type="h" for="ch" forName="wedge6Tx" refType="h" fact="0.18"/>
+              <dgm:constr type="primFontSz" for="ch" ptType="node" op="equ"/>
+            </dgm:constrLst>
+          </dgm:if>
+          <dgm:else name="Name18">
+            <dgm:constrLst>
+              <dgm:constr type="l" for="ch" forName="wedge1" refType="w" fact="0.08"/>
+              <dgm:constr type="t" for="ch" forName="wedge1" refType="w" fact="0.08"/>
+              <dgm:constr type="w" for="ch" forName="wedge1" refType="w" fact="0.84"/>
+              <dgm:constr type="h" for="ch" forName="wedge1" refType="h" fact="0.84"/>
+              <dgm:constr type="l" for="ch" forName="wedge1Tx" refType="w" fact="0.509"/>
+              <dgm:constr type="t" for="ch" forName="wedge1Tx" refType="h" fact="0.17"/>
+              <dgm:constr type="w" for="ch" forName="wedge1Tx" refType="w" fact="0.245"/>
+              <dgm:constr type="h" for="ch" forName="wedge1Tx" refType="h" fact="0.18"/>
+              <dgm:constr type="l" for="ch" forName="wedge2" refType="w" fact="0.08"/>
+              <dgm:constr type="t" for="ch" forName="wedge2" refType="w" fact="0.08"/>
+              <dgm:constr type="w" for="ch" forName="wedge2" refType="w" fact="0.84"/>
+              <dgm:constr type="h" for="ch" forName="wedge2" refType="h" fact="0.84"/>
+              <dgm:constr type="l" for="ch" forName="wedge2Tx" refType="w" fact="0.655"/>
+              <dgm:constr type="t" for="ch" forName="wedge2Tx" refType="h" fact="0.415"/>
+              <dgm:constr type="w" for="ch" forName="wedge2Tx" refType="w" fact="0.254"/>
+              <dgm:constr type="h" for="ch" forName="wedge2Tx" refType="h" fact="0.17"/>
+              <dgm:constr type="l" for="ch" forName="wedge3" refType="w" fact="0.08"/>
+              <dgm:constr type="t" for="ch" forName="wedge3" refType="w" fact="0.08"/>
+              <dgm:constr type="w" for="ch" forName="wedge3" refType="w" fact="0.84"/>
+              <dgm:constr type="h" for="ch" forName="wedge3" refType="h" fact="0.84"/>
+              <dgm:constr type="l" for="ch" forName="wedge3Tx" refType="w" fact="0.509"/>
+              <dgm:constr type="t" for="ch" forName="wedge3Tx" refType="h" fact="0.65"/>
+              <dgm:constr type="w" for="ch" forName="wedge3Tx" refType="w" fact="0.245"/>
+              <dgm:constr type="h" for="ch" forName="wedge3Tx" refType="h" fact="0.18"/>
+              <dgm:constr type="l" for="ch" forName="wedge4" refType="w" fact="0.08"/>
+              <dgm:constr type="t" for="ch" forName="wedge4" refType="h" fact="0.08"/>
+              <dgm:constr type="w" for="ch" forName="wedge4" refType="w" fact="0.84"/>
+              <dgm:constr type="h" for="ch" forName="wedge4" refType="h" fact="0.84"/>
+              <dgm:constr type="l" for="ch" forName="wedge4Tx" refType="w" fact="0.246"/>
+              <dgm:constr type="t" for="ch" forName="wedge4Tx" refType="h" fact="0.65"/>
+              <dgm:constr type="w" for="ch" forName="wedge4Tx" refType="w" fact="0.245"/>
+              <dgm:constr type="h" for="ch" forName="wedge4Tx" refType="h" fact="0.18"/>
+              <dgm:constr type="l" for="ch" forName="wedge5" refType="w" fact="0.08"/>
+              <dgm:constr type="t" for="ch" forName="wedge5" refType="h" fact="0.08"/>
+              <dgm:constr type="w" for="ch" forName="wedge5" refType="w" fact="0.84"/>
+              <dgm:constr type="h" for="ch" forName="wedge5" refType="h" fact="0.84"/>
+              <dgm:constr type="l" for="ch" forName="wedge5Tx" refType="w" fact="0.093"/>
+              <dgm:constr type="t" for="ch" forName="wedge5Tx" refType="h" fact="0.415"/>
+              <dgm:constr type="w" for="ch" forName="wedge5Tx" refType="w" fact="0.254"/>
+              <dgm:constr type="h" for="ch" forName="wedge5Tx" refType="h" fact="0.17"/>
+              <dgm:constr type="l" for="ch" forName="wedge6" refType="w" fact="0.055"/>
+              <dgm:constr type="t" for="ch" forName="wedge6" refType="h" fact="0.0367"/>
+              <dgm:constr type="w" for="ch" forName="wedge6" refType="w" fact="0.84"/>
+              <dgm:constr type="h" for="ch" forName="wedge6" refType="h" fact="0.84"/>
+              <dgm:constr type="l" for="ch" forName="wedge6Tx" refType="w" fact="0.221"/>
+              <dgm:constr type="t" for="ch" forName="wedge6Tx" refType="h" fact="0.1267"/>
+              <dgm:constr type="w" for="ch" forName="wedge6Tx" refType="w" fact="0.245"/>
+              <dgm:constr type="h" for="ch" forName="wedge6Tx" refType="h" fact="0.18"/>
+              <dgm:constr type="primFontSz" for="ch" ptType="node" op="equ"/>
+            </dgm:constrLst>
+          </dgm:else>
+        </dgm:choose>
+      </dgm:if>
+      <dgm:else name="Name19">
+        <dgm:choose name="Name20">
+          <dgm:if name="Name21" func="var" arg="dir" op="equ" val="norm">
+            <dgm:constrLst>
+              <dgm:constr type="l" for="ch" forName="wedge1" refType="w" fact="0.1017"/>
+              <dgm:constr type="t" for="ch" forName="wedge1" refType="w" fact="0.035"/>
+              <dgm:constr type="w" for="ch" forName="wedge1" refType="w" fact="0.84"/>
+              <dgm:constr type="h" for="ch" forName="wedge1" refType="h" fact="0.84"/>
+              <dgm:constr type="l" for="ch" forName="wedge1Tx" refType="w" fact="0.53"/>
+              <dgm:constr type="t" for="ch" forName="wedge1Tx" refType="h" fact="0.115"/>
+              <dgm:constr type="w" for="ch" forName="wedge1Tx" refType="w" fact="0.23"/>
+              <dgm:constr type="h" for="ch" forName="wedge1Tx" refType="h" fact="0.145"/>
+              <dgm:constr type="l" for="ch" forName="wedge2" refType="w" fact="0.08"/>
+              <dgm:constr type="t" for="ch" forName="wedge2" refType="w" fact="0.08"/>
+              <dgm:constr type="w" for="ch" forName="wedge2" refType="w" fact="0.84"/>
+              <dgm:constr type="h" for="ch" forName="wedge2" refType="h" fact="0.84"/>
+              <dgm:constr type="l" for="ch" forName="wedge2Tx" refType="w" fact="0.655"/>
+              <dgm:constr type="t" for="ch" forName="wedge2Tx" refType="h" fact="0.38"/>
+              <dgm:constr type="w" for="ch" forName="wedge2Tx" refType="w" fact="0.244"/>
+              <dgm:constr type="h" for="ch" forName="wedge2Tx" refType="h" fact="0.155"/>
+              <dgm:constr type="l" for="ch" forName="wedge3" refType="w" fact="0.08"/>
+              <dgm:constr type="t" for="ch" forName="wedge3" refType="w" fact="0.08"/>
+              <dgm:constr type="w" for="ch" forName="wedge3" refType="w" fact="0.84"/>
+              <dgm:constr type="h" for="ch" forName="wedge3" refType="h" fact="0.84"/>
+              <dgm:constr type="l" for="ch" forName="wedge3Tx" refType="w" fact="0.62"/>
+              <dgm:constr type="t" for="ch" forName="wedge3Tx" refType="h" fact="0.58"/>
+              <dgm:constr type="w" for="ch" forName="wedge3Tx" refType="w" fact="0.22"/>
+              <dgm:constr type="h" for="ch" forName="wedge3Tx" refType="h" fact="0.16"/>
+              <dgm:constr type="l" for="ch" forName="wedge4" refType="w" fact="0.08"/>
+              <dgm:constr type="t" for="ch" forName="wedge4" refType="h" fact="0.08"/>
+              <dgm:constr type="w" for="ch" forName="wedge4" refType="w" fact="0.84"/>
+              <dgm:constr type="h" for="ch" forName="wedge4" refType="h" fact="0.84"/>
+              <dgm:constr type="l" for="ch" forName="wedge4Tx" refType="w" fact="0.3875"/>
+              <dgm:constr type="t" for="ch" forName="wedge4Tx" refType="h" fact="0.74"/>
+              <dgm:constr type="w" for="ch" forName="wedge4Tx" refType="w" fact="0.225"/>
+              <dgm:constr type="h" for="ch" forName="wedge4Tx" refType="h" fact="0.16"/>
+              <dgm:constr type="l" for="ch" forName="wedge5" refType="w" fact="0.08"/>
+              <dgm:constr type="t" for="ch" forName="wedge5" refType="h" fact="0.08"/>
+              <dgm:constr type="w" for="ch" forName="wedge5" refType="w" fact="0.84"/>
+              <dgm:constr type="h" for="ch" forName="wedge5" refType="h" fact="0.84"/>
+              <dgm:constr type="l" for="ch" forName="wedge5Tx" refType="w" fact="0.16"/>
+              <dgm:constr type="t" for="ch" forName="wedge5Tx" refType="h" fact="0.58"/>
+              <dgm:constr type="w" for="ch" forName="wedge5Tx" refType="w" fact="0.22"/>
+              <dgm:constr type="h" for="ch" forName="wedge5Tx" refType="h" fact="0.16"/>
+              <dgm:constr type="l" for="ch" forName="wedge6" refType="w" fact="0.08"/>
+              <dgm:constr type="t" for="ch" forName="wedge6" refType="h" fact="0.08"/>
+              <dgm:constr type="w" for="ch" forName="wedge6" refType="w" fact="0.84"/>
+              <dgm:constr type="h" for="ch" forName="wedge6" refType="h" fact="0.84"/>
+              <dgm:constr type="l" for="ch" forName="wedge6Tx" refType="w" fact="0.101"/>
+              <dgm:constr type="t" for="ch" forName="wedge6Tx" refType="h" fact="0.38"/>
+              <dgm:constr type="w" for="ch" forName="wedge6Tx" refType="w" fact="0.244"/>
+              <dgm:constr type="h" for="ch" forName="wedge6Tx" refType="h" fact="0.155"/>
+              <dgm:constr type="l" for="ch" forName="wedge7" refType="w" fact="0.08"/>
+              <dgm:constr type="t" for="ch" forName="wedge7" refType="h" fact="0.08"/>
+              <dgm:constr type="w" for="ch" forName="wedge7" refType="w" fact="0.84"/>
+              <dgm:constr type="h" for="ch" forName="wedge7" refType="h" fact="0.84"/>
+              <dgm:constr type="l" for="ch" forName="wedge7Tx" refType="w" fact="0.262"/>
+              <dgm:constr type="t" for="ch" forName="wedge7Tx" refType="h" fact="0.16"/>
+              <dgm:constr type="w" for="ch" forName="wedge7Tx" refType="w" fact="0.23"/>
+              <dgm:constr type="h" for="ch" forName="wedge7Tx" refType="h" fact="0.145"/>
+              <dgm:constr type="primFontSz" for="ch" ptType="node" op="equ"/>
+            </dgm:constrLst>
+          </dgm:if>
+          <dgm:else name="Name22">
+            <dgm:constrLst>
+              <dgm:constr type="l" for="ch" forName="wedge1" refType="w" fact="0.08"/>
+              <dgm:constr type="t" for="ch" forName="wedge1" refType="w" fact="0.08"/>
+              <dgm:constr type="w" for="ch" forName="wedge1" refType="w" fact="0.84"/>
+              <dgm:constr type="h" for="ch" forName="wedge1" refType="h" fact="0.84"/>
+              <dgm:constr type="l" for="ch" forName="wedge1Tx" refType="w" fact="0.508"/>
+              <dgm:constr type="t" for="ch" forName="wedge1Tx" refType="h" fact="0.16"/>
+              <dgm:constr type="w" for="ch" forName="wedge1Tx" refType="w" fact="0.23"/>
+              <dgm:constr type="h" for="ch" forName="wedge1Tx" refType="h" fact="0.145"/>
+              <dgm:constr type="l" for="ch" forName="wedge2" refType="w" fact="0.08"/>
+              <dgm:constr type="t" for="ch" forName="wedge2" refType="w" fact="0.08"/>
+              <dgm:constr type="w" for="ch" forName="wedge2" refType="w" fact="0.84"/>
+              <dgm:constr type="h" for="ch" forName="wedge2" refType="h" fact="0.84"/>
+              <dgm:constr type="l" for="ch" forName="wedge2Tx" refType="w" fact="0.655"/>
+              <dgm:constr type="t" for="ch" forName="wedge2Tx" refType="h" fact="0.38"/>
+              <dgm:constr type="w" for="ch" forName="wedge2Tx" refType="w" fact="0.244"/>
+              <dgm:constr type="h" for="ch" forName="wedge2Tx" refType="h" fact="0.155"/>
+              <dgm:constr type="l" for="ch" forName="wedge3" refType="w" fact="0.08"/>
+              <dgm:constr type="t" for="ch" forName="wedge3" refType="w" fact="0.08"/>
+              <dgm:constr type="w" for="ch" forName="wedge3" refType="w" fact="0.84"/>
+              <dgm:constr type="h" for="ch" forName="wedge3" refType="h" fact="0.84"/>
+              <dgm:constr type="l" for="ch" forName="wedge3Tx" refType="w" fact="0.62"/>
+              <dgm:constr type="t" for="ch" forName="wedge3Tx" refType="h" fact="0.58"/>
+              <dgm:constr type="w" for="ch" forName="wedge3Tx" refType="w" fact="0.22"/>
+              <dgm:constr type="h" for="ch" forName="wedge3Tx" refType="h" fact="0.16"/>
+              <dgm:constr type="l" for="ch" forName="wedge4" refType="w" fact="0.08"/>
+              <dgm:constr type="t" for="ch" forName="wedge4" refType="h" fact="0.08"/>
+              <dgm:constr type="w" for="ch" forName="wedge4" refType="w" fact="0.84"/>
+              <dgm:constr type="h" for="ch" forName="wedge4" refType="h" fact="0.84"/>
+              <dgm:constr type="l" for="ch" forName="wedge4Tx" refType="w" fact="0.3875"/>
+              <dgm:constr type="t" for="ch" forName="wedge4Tx" refType="h" fact="0.74"/>
+              <dgm:constr type="w" for="ch" forName="wedge4Tx" refType="w" fact="0.225"/>
+              <dgm:constr type="h" for="ch" forName="wedge4Tx" refType="h" fact="0.16"/>
+              <dgm:constr type="l" for="ch" forName="wedge5" refType="w" fact="0.08"/>
+              <dgm:constr type="t" for="ch" forName="wedge5" refType="h" fact="0.08"/>
+              <dgm:constr type="w" for="ch" forName="wedge5" refType="w" fact="0.84"/>
+              <dgm:constr type="h" for="ch" forName="wedge5" refType="h" fact="0.84"/>
+              <dgm:constr type="l" for="ch" forName="wedge5Tx" refType="w" fact="0.16"/>
+              <dgm:constr type="t" for="ch" forName="wedge5Tx" refType="h" fact="0.58"/>
+              <dgm:constr type="w" for="ch" forName="wedge5Tx" refType="w" fact="0.22"/>
+              <dgm:constr type="h" for="ch" forName="wedge5Tx" refType="h" fact="0.16"/>
+              <dgm:constr type="l" for="ch" forName="wedge6" refType="w" fact="0.08"/>
+              <dgm:constr type="t" for="ch" forName="wedge6" refType="h" fact="0.08"/>
+              <dgm:constr type="w" for="ch" forName="wedge6" refType="w" fact="0.84"/>
+              <dgm:constr type="h" for="ch" forName="wedge6" refType="h" fact="0.84"/>
+              <dgm:constr type="l" for="ch" forName="wedge6Tx" refType="w" fact="0.101"/>
+              <dgm:constr type="t" for="ch" forName="wedge6Tx" refType="h" fact="0.38"/>
+              <dgm:constr type="w" for="ch" forName="wedge6Tx" refType="w" fact="0.244"/>
+              <dgm:constr type="h" for="ch" forName="wedge6Tx" refType="h" fact="0.155"/>
+              <dgm:constr type="l" for="ch" forName="wedge7" refType="w" fact="0.0583"/>
+              <dgm:constr type="t" for="ch" forName="wedge7" refType="h" fact="0.035"/>
+              <dgm:constr type="w" for="ch" forName="wedge7" refType="w" fact="0.84"/>
+              <dgm:constr type="h" for="ch" forName="wedge7" refType="h" fact="0.84"/>
+              <dgm:constr type="l" for="ch" forName="wedge7Tx" refType="w" fact="0.2403"/>
+              <dgm:constr type="t" for="ch" forName="wedge7Tx" refType="h" fact="0.115"/>
+              <dgm:constr type="w" for="ch" forName="wedge7Tx" refType="w" fact="0.23"/>
+              <dgm:constr type="h" for="ch" forName="wedge7Tx" refType="h" fact="0.145"/>
+              <dgm:constr type="primFontSz" for="ch" ptType="node" op="equ"/>
+            </dgm:constrLst>
+          </dgm:else>
+        </dgm:choose>
+      </dgm:else>
+    </dgm:choose>
+    <dgm:ruleLst/>
+    <dgm:choose name="Name23">
+      <dgm:if name="Name24" axis="ch" ptType="node" func="cnt" op="gte" val="1">
+        <dgm:layoutNode name="wedge1">
+          <dgm:alg type="sp"/>
+          <dgm:choose name="Name25">
+            <dgm:if name="Name26" axis="ch" ptType="node" func="cnt" op="equ" val="1">
+              <dgm:shape xmlns:r="http://schemas.openxmlformats.org/officeDocument/2006/relationships" type="ellipse" r:blip="">
+                <dgm:adjLst/>
+              </dgm:shape>
+            </dgm:if>
+            <dgm:if name="Name27" axis="ch" ptType="node" func="cnt" op="equ" val="2">
+              <dgm:shape xmlns:r="http://schemas.openxmlformats.org/officeDocument/2006/relationships" type="pie" r:blip="">
+                <dgm:adjLst>
+                  <dgm:adj idx="1" val="270"/>
+                  <dgm:adj idx="2" val="90"/>
+                </dgm:adjLst>
+              </dgm:shape>
+            </dgm:if>
+            <dgm:if name="Name28" axis="ch" ptType="node" func="cnt" op="equ" val="3">
+              <dgm:shape xmlns:r="http://schemas.openxmlformats.org/officeDocument/2006/relationships" type="pie" r:blip="">
+                <dgm:adjLst>
+                  <dgm:adj idx="1" val="270"/>
+                  <dgm:adj idx="2" val="30"/>
+                </dgm:adjLst>
+              </dgm:shape>
+            </dgm:if>
+            <dgm:if name="Name29" axis="ch" ptType="node" func="cnt" op="equ" val="4">
+              <dgm:shape xmlns:r="http://schemas.openxmlformats.org/officeDocument/2006/relationships" type="pie" r:blip="">
+                <dgm:adjLst>
+                  <dgm:adj idx="1" val="270"/>
+                  <dgm:adj idx="2" val="0"/>
+                </dgm:adjLst>
+              </dgm:shape>
+            </dgm:if>
+            <dgm:if name="Name30" axis="ch" ptType="node" func="cnt" op="equ" val="5">
+              <dgm:shape xmlns:r="http://schemas.openxmlformats.org/officeDocument/2006/relationships" type="pie" r:blip="">
+                <dgm:adjLst>
+                  <dgm:adj idx="1" val="270"/>
+                  <dgm:adj idx="2" val="342"/>
+                </dgm:adjLst>
+              </dgm:shape>
+            </dgm:if>
+            <dgm:if name="Name31" axis="ch" ptType="node" func="cnt" op="equ" val="6">
+              <dgm:shape xmlns:r="http://schemas.openxmlformats.org/officeDocument/2006/relationships" type="pie" r:blip="">
+                <dgm:adjLst>
+                  <dgm:adj idx="1" val="270"/>
+                  <dgm:adj idx="2" val="330"/>
+                </dgm:adjLst>
+              </dgm:shape>
+            </dgm:if>
+            <dgm:else name="Name32">
+              <dgm:shape xmlns:r="http://schemas.openxmlformats.org/officeDocument/2006/relationships" type="pie" r:blip="">
+                <dgm:adjLst>
+                  <dgm:adj idx="1" val="270"/>
+                  <dgm:adj idx="2" val="321.4286"/>
+                </dgm:adjLst>
+              </dgm:shape>
+            </dgm:else>
+          </dgm:choose>
+          <dgm:choose name="Name33">
+            <dgm:if name="Name34" func="var" arg="dir" op="equ" val="norm">
+              <dgm:presOf axis="ch desOrSelf" ptType="node node" st="1 1" cnt="1 0"/>
+            </dgm:if>
+            <dgm:else name="Name35">
+              <dgm:choose name="Name36">
+                <dgm:if name="Name37" axis="ch" ptType="node" func="cnt" op="equ" val="1">
+                  <dgm:presOf axis="ch desOrSelf" ptType="node node" st="1 1" cnt="1 0"/>
+                </dgm:if>
+                <dgm:if name="Name38" axis="ch" ptType="node" func="cnt" op="equ" val="2">
+                  <dgm:presOf axis="ch desOrSelf" ptType="node node" st="2 1" cnt="1 0"/>
+                </dgm:if>
+                <dgm:if name="Name39" axis="ch" ptType="node" func="cnt" op="equ" val="3">
+                  <dgm:presOf axis="ch desOrSelf" ptType="node node" st="3 1" cnt="1 0"/>
+                </dgm:if>
+                <dgm:if name="Name40" axis="ch" ptType="node" func="cnt" op="equ" val="4">
+                  <dgm:presOf axis="ch desOrSelf" ptType="node node" st="4 1" cnt="1 0"/>
+                </dgm:if>
+                <dgm:if name="Name41" axis="ch" ptType="node" func="cnt" op="equ" val="5">
+                  <dgm:presOf axis="ch desOrSelf" ptType="node node" st="5 1" cnt="1 0"/>
+                </dgm:if>
+                <dgm:if name="Name42" axis="ch" ptType="node" func="cnt" op="equ" val="6">
+                  <dgm:presOf axis="ch desOrSelf" ptType="node node" st="6 1" cnt="1 0"/>
+                </dgm:if>
+                <dgm:else name="Name43">
+                  <dgm:presOf axis="ch desOrSelf" ptType="node node" st="7 1" cnt="1 0"/>
+                </dgm:else>
+              </dgm:choose>
+            </dgm:else>
+          </dgm:choose>
+          <dgm:constrLst/>
+          <dgm:ruleLst/>
+        </dgm:layoutNode>
+        <dgm:layoutNode name="wedge1Tx" moveWith="wedge1">
+          <dgm:varLst>
+            <dgm:chMax val="0"/>
+            <dgm:chPref val="0"/>
+            <dgm:bulletEnabled val="1"/>
+          </dgm:varLst>
+          <dgm:alg type="tx"/>
+          <dgm:shape xmlns:r="http://schemas.openxmlformats.org/officeDocument/2006/relationships" type="rect" r:blip="" hideGeom="1">
+            <dgm:adjLst/>
+          </dgm:shape>
+          <dgm:choose name="Name44">
+            <dgm:if name="Name45" func="var" arg="dir" op="equ" val="norm">
+              <dgm:presOf axis="ch desOrSelf" ptType="node node" st="1 1" cnt="1 0"/>
+            </dgm:if>
+            <dgm:else name="Name46">
+              <dgm:choose name="Name47">
+                <dgm:if name="Name48" axis="ch" ptType="node" func="cnt" op="equ" val="1">
+                  <dgm:presOf axis="ch desOrSelf" ptType="node node" st="1 1" cnt="1 0"/>
+                </dgm:if>
+                <dgm:if name="Name49" axis="ch" ptType="node" func="cnt" op="equ" val="2">
+                  <dgm:presOf axis="ch desOrSelf" ptType="node node" st="2 1" cnt="1 0"/>
+                </dgm:if>
+                <dgm:if name="Name50" axis="ch" ptType="node" func="cnt" op="equ" val="3">
+                  <dgm:presOf axis="ch desOrSelf" ptType="node node" st="3 1" cnt="1 0"/>
+                </dgm:if>
+                <dgm:if name="Name51" axis="ch" ptType="node" func="cnt" op="equ" val="4">
+                  <dgm:presOf axis="ch desOrSelf" ptType="node node" st="4 1" cnt="1 0"/>
+                </dgm:if>
+                <dgm:if name="Name52" axis="ch" ptType="node" func="cnt" op="equ" val="5">
+                  <dgm:presOf axis="ch desOrSelf" ptType="node node" st="5 1" cnt="1 0"/>
+                </dgm:if>
+                <dgm:if name="Name53" axis="ch" ptType="node" func="cnt" op="equ" val="6">
+                  <dgm:presOf axis="ch desOrSelf" ptType="node node" st="6 1" cnt="1 0"/>
+                </dgm:if>
+                <dgm:else name="Name54">
+                  <dgm:presOf axis="ch desOrSelf" ptType="node node" st="7 1" cnt="1 0"/>
+                </dgm:else>
+              </dgm:choose>
+            </dgm:else>
+          </dgm:choose>
+          <dgm:constrLst>
+            <dgm:constr type="tMarg" refType="primFontSz" fact="0.1"/>
+            <dgm:constr type="bMarg" refType="primFontSz" fact="0.1"/>
+            <dgm:constr type="lMarg" refType="primFontSz" fact="0.1"/>
+            <dgm:constr type="rMarg" refType="primFontSz" fact="0.1"/>
+            <dgm:constr type="primFontSz" val="65"/>
+          </dgm:constrLst>
+          <dgm:ruleLst>
+            <dgm:rule type="primFontSz" val="5" fact="NaN" max="NaN"/>
+          </dgm:ruleLst>
+        </dgm:layoutNode>
+      </dgm:if>
+      <dgm:else name="Name55"/>
+    </dgm:choose>
+    <dgm:choose name="Name56">
+      <dgm:if name="Name57" axis="ch" ptType="node" func="cnt" op="gte" val="2">
+        <dgm:layoutNode name="wedge2">
+          <dgm:alg type="sp"/>
+          <dgm:choose name="Name58">
+            <dgm:if name="Name59" axis="ch" ptType="node" func="cnt" op="equ" val="2">
+              <dgm:shape xmlns:r="http://schemas.openxmlformats.org/officeDocument/2006/relationships" type="pie" r:blip="">
+                <dgm:adjLst>
+                  <dgm:adj idx="1" val="90"/>
+                  <dgm:adj idx="2" val="270"/>
+                </dgm:adjLst>
+              </dgm:shape>
+            </dgm:if>
+            <dgm:if name="Name60" axis="ch" ptType="node" func="cnt" op="equ" val="3">
+              <dgm:shape xmlns:r="http://schemas.openxmlformats.org/officeDocument/2006/relationships" type="pie" r:blip="">
+                <dgm:adjLst>
+                  <dgm:adj idx="1" val="30"/>
+                  <dgm:adj idx="2" val="150"/>
+                </dgm:adjLst>
+              </dgm:shape>
+            </dgm:if>
+            <dgm:if name="Name61" axis="ch" ptType="node" func="cnt" op="equ" val="4">
+              <dgm:shape xmlns:r="http://schemas.openxmlformats.org/officeDocument/2006/relationships" type="pie" r:blip="">
+                <dgm:adjLst>
+                  <dgm:adj idx="1" val="0"/>
+                  <dgm:adj idx="2" val="90"/>
+                </dgm:adjLst>
+              </dgm:shape>
+            </dgm:if>
+            <dgm:if name="Name62" axis="ch" ptType="node" func="cnt" op="equ" val="5">
+              <dgm:shape xmlns:r="http://schemas.openxmlformats.org/officeDocument/2006/relationships" type="pie" r:blip="">
+                <dgm:adjLst>
+                  <dgm:adj idx="1" val="342"/>
+                  <dgm:adj idx="2" val="54"/>
+                </dgm:adjLst>
+              </dgm:shape>
+            </dgm:if>
+            <dgm:if name="Name63" axis="ch" ptType="node" func="cnt" op="equ" val="6">
+              <dgm:shape xmlns:r="http://schemas.openxmlformats.org/officeDocument/2006/relationships" type="pie" r:blip="">
+                <dgm:adjLst>
+                  <dgm:adj idx="1" val="330"/>
+                  <dgm:adj idx="2" val="30"/>
+                </dgm:adjLst>
+              </dgm:shape>
+            </dgm:if>
+            <dgm:else name="Name64">
+              <dgm:shape xmlns:r="http://schemas.openxmlformats.org/officeDocument/2006/relationships" type="pie" r:blip="">
+                <dgm:adjLst>
+                  <dgm:adj idx="1" val="321.4286"/>
+                  <dgm:adj idx="2" val="12.85714"/>
+                </dgm:adjLst>
+              </dgm:shape>
+            </dgm:else>
+          </dgm:choose>
+          <dgm:choose name="Name65">
+            <dgm:if name="Name66" func="var" arg="dir" op="equ" val="norm">
+              <dgm:presOf axis="ch desOrSelf" ptType="node node" st="2 1" cnt="1 0"/>
+            </dgm:if>
+            <dgm:else name="Name67">
+              <dgm:choose name="Name68">
+                <dgm:if name="Name69" axis="ch" ptType="node" func="cnt" op="equ" val="2">
+                  <dgm:presOf axis="ch desOrSelf" ptType="node node" st="1 1" cnt="1 0"/>
+                </dgm:if>
+                <dgm:if name="Name70" axis="ch" ptType="node" func="cnt" op="equ" val="3">
+                  <dgm:presOf axis="ch desOrSelf" ptType="node node" st="2 1" cnt="1 0"/>
+                </dgm:if>
+                <dgm:if name="Name71" axis="ch" ptType="node" func="cnt" op="equ" val="4">
+                  <dgm:presOf axis="ch desOrSelf" ptType="node node" st="3 1" cnt="1 0"/>
+                </dgm:if>
+                <dgm:if name="Name72" axis="ch" ptType="node" func="cnt" op="equ" val="5">
+                  <dgm:presOf axis="ch desOrSelf" ptType="node node" st="4 1" cnt="1 0"/>
+                </dgm:if>
+                <dgm:if name="Name73" axis="ch" ptType="node" func="cnt" op="equ" val="6">
+                  <dgm:presOf axis="ch desOrSelf" ptType="node node" st="5 1" cnt="1 0"/>
+                </dgm:if>
+                <dgm:else name="Name74">
+                  <dgm:presOf axis="ch desOrSelf" ptType="node node" st="6 1" cnt="1 0"/>
+                </dgm:else>
+              </dgm:choose>
+            </dgm:else>
+          </dgm:choose>
+          <dgm:constrLst/>
+          <dgm:ruleLst/>
+        </dgm:layoutNode>
+        <dgm:layoutNode name="wedge2Tx" moveWith="wedge2">
+          <dgm:varLst>
+            <dgm:chMax val="0"/>
+            <dgm:chPref val="0"/>
+            <dgm:bulletEnabled val="1"/>
+          </dgm:varLst>
+          <dgm:alg type="tx"/>
+          <dgm:shape xmlns:r="http://schemas.openxmlformats.org/officeDocument/2006/relationships" type="rect" r:blip="" hideGeom="1">
+            <dgm:adjLst/>
+          </dgm:shape>
+          <dgm:choose name="Name75">
+            <dgm:if name="Name76" func="var" arg="dir" op="equ" val="norm">
+              <dgm:presOf axis="ch desOrSelf" ptType="node node" st="2 1" cnt="1 0"/>
+            </dgm:if>
+            <dgm:else name="Name77">
+              <dgm:choose name="Name78">
+                <dgm:if name="Name79" axis="ch" ptType="node" func="cnt" op="equ" val="2">
+                  <dgm:presOf axis="ch desOrSelf" ptType="node node" st="1 1" cnt="1 0"/>
+                </dgm:if>
+                <dgm:if name="Name80" axis="ch" ptType="node" func="cnt" op="equ" val="3">
+                  <dgm:presOf axis="ch desOrSelf" ptType="node node" st="2 1" cnt="1 0"/>
+                </dgm:if>
+                <dgm:if name="Name81" axis="ch" ptType="node" func="cnt" op="equ" val="4">
+                  <dgm:presOf axis="ch desOrSelf" ptType="node node" st="3 1" cnt="1 0"/>
+                </dgm:if>
+                <dgm:if name="Name82" axis="ch" ptType="node" func="cnt" op="equ" val="5">
+                  <dgm:presOf axis="ch desOrSelf" ptType="node node" st="4 1" cnt="1 0"/>
+                </dgm:if>
+                <dgm:if name="Name83" axis="ch" ptType="node" func="cnt" op="equ" val="6">
+                  <dgm:presOf axis="ch desOrSelf" ptType="node node" st="5 1" cnt="1 0"/>
+                </dgm:if>
+                <dgm:else name="Name84">
+                  <dgm:presOf axis="ch desOrSelf" ptType="node node" st="6 1" cnt="1 0"/>
+                </dgm:else>
+              </dgm:choose>
+            </dgm:else>
+          </dgm:choose>
+          <dgm:constrLst>
+            <dgm:constr type="tMarg" refType="primFontSz" fact="0.1"/>
+            <dgm:constr type="bMarg" refType="primFontSz" fact="0.1"/>
+            <dgm:constr type="lMarg" refType="primFontSz" fact="0.1"/>
+            <dgm:constr type="rMarg" refType="primFontSz" fact="0.1"/>
+            <dgm:constr type="primFontSz" val="65"/>
+          </dgm:constrLst>
+          <dgm:ruleLst>
+            <dgm:rule type="primFontSz" val="5" fact="NaN" max="NaN"/>
+          </dgm:ruleLst>
+        </dgm:layoutNode>
+      </dgm:if>
+      <dgm:else name="Name85"/>
+    </dgm:choose>
+    <dgm:choose name="Name86">
+      <dgm:if name="Name87" axis="ch" ptType="node" func="cnt" op="gte" val="3">
+        <dgm:layoutNode name="wedge3">
+          <dgm:alg type="sp"/>
+          <dgm:choose name="Name88">
+            <dgm:if name="Name89" axis="ch" ptType="node" func="cnt" op="equ" val="3">
+              <dgm:shape xmlns:r="http://schemas.openxmlformats.org/officeDocument/2006/relationships" type="pie" r:blip="">
+                <dgm:adjLst>
+                  <dgm:adj idx="1" val="150"/>
+                  <dgm:adj idx="2" val="270"/>
+                </dgm:adjLst>
+              </dgm:shape>
+            </dgm:if>
+            <dgm:if name="Name90" axis="ch" ptType="node" func="cnt" op="equ" val="4">
+              <dgm:shape xmlns:r="http://schemas.openxmlformats.org/officeDocument/2006/relationships" type="pie" r:blip="">
+                <dgm:adjLst>
+                  <dgm:adj idx="1" val="90"/>
+                  <dgm:adj idx="2" val="180"/>
+                </dgm:adjLst>
+              </dgm:shape>
+            </dgm:if>
+            <dgm:if name="Name91" axis="ch" ptType="node" func="cnt" op="equ" val="5">
+              <dgm:shape xmlns:r="http://schemas.openxmlformats.org/officeDocument/2006/relationships" type="pie" r:blip="">
+                <dgm:adjLst>
+                  <dgm:adj idx="1" val="54"/>
+                  <dgm:adj idx="2" val="126"/>
+                </dgm:adjLst>
+              </dgm:shape>
+            </dgm:if>
+            <dgm:if name="Name92" axis="ch" ptType="node" func="cnt" op="equ" val="6">
+              <dgm:shape xmlns:r="http://schemas.openxmlformats.org/officeDocument/2006/relationships" type="pie" r:blip="">
+                <dgm:adjLst>
+                  <dgm:adj idx="1" val="30"/>
+                  <dgm:adj idx="2" val="90"/>
+                </dgm:adjLst>
+              </dgm:shape>
+            </dgm:if>
+            <dgm:else name="Name93">
+              <dgm:shape xmlns:r="http://schemas.openxmlformats.org/officeDocument/2006/relationships" type="pie" r:blip="">
+                <dgm:adjLst>
+                  <dgm:adj idx="1" val="12.85714"/>
+                  <dgm:adj idx="2" val="64.28571"/>
+                </dgm:adjLst>
+              </dgm:shape>
+            </dgm:else>
+          </dgm:choose>
+          <dgm:choose name="Name94">
+            <dgm:if name="Name95" func="var" arg="dir" op="equ" val="norm">
+              <dgm:presOf axis="ch desOrSelf" ptType="node node" st="3 1" cnt="1 0"/>
+            </dgm:if>
+            <dgm:else name="Name96">
+              <dgm:choose name="Name97">
+                <dgm:if name="Name98" axis="ch" ptType="node" func="cnt" op="equ" val="3">
+                  <dgm:presOf axis="ch desOrSelf" ptType="node node" st="1 1" cnt="1 0"/>
+                </dgm:if>
+                <dgm:if name="Name99" axis="ch" ptType="node" func="cnt" op="equ" val="4">
+                  <dgm:presOf axis="ch desOrSelf" ptType="node node" st="2 1" cnt="1 0"/>
+                </dgm:if>
+                <dgm:if name="Name100" axis="ch" ptType="node" func="cnt" op="equ" val="5">
+                  <dgm:presOf axis="ch desOrSelf" ptType="node node" st="3 1" cnt="1 0"/>
+                </dgm:if>
+                <dgm:if name="Name101" axis="ch" ptType="node" func="cnt" op="equ" val="6">
+                  <dgm:presOf axis="ch desOrSelf" ptType="node node" st="4 1" cnt="1 0"/>
+                </dgm:if>
+                <dgm:else name="Name102">
+                  <dgm:presOf axis="ch desOrSelf" ptType="node node" st="5 1" cnt="1 0"/>
+                </dgm:else>
+              </dgm:choose>
+            </dgm:else>
+          </dgm:choose>
+          <dgm:constrLst/>
+          <dgm:ruleLst/>
+        </dgm:layoutNode>
+        <dgm:layoutNode name="wedge3Tx" moveWith="wedge3">
+          <dgm:varLst>
+            <dgm:chMax val="0"/>
+            <dgm:chPref val="0"/>
+            <dgm:bulletEnabled val="1"/>
+          </dgm:varLst>
+          <dgm:alg type="tx"/>
+          <dgm:shape xmlns:r="http://schemas.openxmlformats.org/officeDocument/2006/relationships" type="rect" r:blip="" hideGeom="1">
+            <dgm:adjLst/>
+          </dgm:shape>
+          <dgm:choose name="Name103">
+            <dgm:if name="Name104" func="var" arg="dir" op="equ" val="norm">
+              <dgm:presOf axis="ch desOrSelf" ptType="node node" st="3 1" cnt="1 0"/>
+            </dgm:if>
+            <dgm:else name="Name105">
+              <dgm:choose name="Name106">
+                <dgm:if name="Name107" axis="ch" ptType="node" func="cnt" op="equ" val="3">
+                  <dgm:presOf axis="ch desOrSelf" ptType="node node" st="1 1" cnt="1 0"/>
+                </dgm:if>
+                <dgm:if name="Name108" axis="ch" ptType="node" func="cnt" op="equ" val="4">
+                  <dgm:presOf axis="ch desOrSelf" ptType="node node" st="2 1" cnt="1 0"/>
+                </dgm:if>
+                <dgm:if name="Name109" axis="ch" ptType="node" func="cnt" op="equ" val="5">
+                  <dgm:presOf axis="ch desOrSelf" ptType="node node" st="3 1" cnt="1 0"/>
+                </dgm:if>
+                <dgm:if name="Name110" axis="ch" ptType="node" func="cnt" op="equ" val="6">
+                  <dgm:presOf axis="ch desOrSelf" ptType="node node" st="4 1" cnt="1 0"/>
+                </dgm:if>
+                <dgm:else name="Name111">
+                  <dgm:presOf axis="ch desOrSelf" ptType="node node" st="5 1" cnt="1 0"/>
+                </dgm:else>
+              </dgm:choose>
+            </dgm:else>
+          </dgm:choose>
+          <dgm:constrLst>
+            <dgm:constr type="tMarg" refType="primFontSz" fact="0.1"/>
+            <dgm:constr type="bMarg" refType="primFontSz" fact="0.1"/>
+            <dgm:constr type="lMarg" refType="primFontSz" fact="0.1"/>
+            <dgm:constr type="rMarg" refType="primFontSz" fact="0.1"/>
+            <dgm:constr type="primFontSz" val="65"/>
+          </dgm:constrLst>
+          <dgm:ruleLst>
+            <dgm:rule type="primFontSz" val="5" fact="NaN" max="NaN"/>
+          </dgm:ruleLst>
+        </dgm:layoutNode>
+      </dgm:if>
+      <dgm:else name="Name112"/>
+    </dgm:choose>
+    <dgm:choose name="Name113">
+      <dgm:if name="Name114" axis="ch" ptType="node" func="cnt" op="gte" val="4">
+        <dgm:layoutNode name="wedge4">
+          <dgm:alg type="sp"/>
+          <dgm:choose name="Name115">
+            <dgm:if name="Name116" axis="ch" ptType="node" func="cnt" op="equ" val="4">
+              <dgm:shape xmlns:r="http://schemas.openxmlformats.org/officeDocument/2006/relationships" type="pie" r:blip="">
+                <dgm:adjLst>
+                  <dgm:adj idx="1" val="180"/>
+                  <dgm:adj idx="2" val="270"/>
+                </dgm:adjLst>
+              </dgm:shape>
+            </dgm:if>
+            <dgm:if name="Name117" axis="ch" ptType="node" func="cnt" op="equ" val="5">
+              <dgm:shape xmlns:r="http://schemas.openxmlformats.org/officeDocument/2006/relationships" type="pie" r:blip="">
+                <dgm:adjLst>
+                  <dgm:adj idx="1" val="126"/>
+                  <dgm:adj idx="2" val="198"/>
+                </dgm:adjLst>
+              </dgm:shape>
+            </dgm:if>
+            <dgm:if name="Name118" axis="ch" ptType="node" func="cnt" op="equ" val="6">
+              <dgm:shape xmlns:r="http://schemas.openxmlformats.org/officeDocument/2006/relationships" type="pie" r:blip="">
+                <dgm:adjLst>
+                  <dgm:adj idx="1" val="90"/>
+                  <dgm:adj idx="2" val="150"/>
+                </dgm:adjLst>
+              </dgm:shape>
+            </dgm:if>
+            <dgm:else name="Name119">
+              <dgm:shape xmlns:r="http://schemas.openxmlformats.org/officeDocument/2006/relationships" type="pie" r:blip="">
+                <dgm:adjLst>
+                  <dgm:adj idx="1" val="64.2871"/>
+                  <dgm:adj idx="2" val="115.7143"/>
+                </dgm:adjLst>
+              </dgm:shape>
+            </dgm:else>
+          </dgm:choose>
+          <dgm:choose name="Name120">
+            <dgm:if name="Name121" func="var" arg="dir" op="equ" val="norm">
+              <dgm:presOf axis="ch desOrSelf" ptType="node node" st="4 1" cnt="1 0"/>
+            </dgm:if>
+            <dgm:else name="Name122">
+              <dgm:choose name="Name123">
+                <dgm:if name="Name124" axis="ch" ptType="node" func="cnt" op="equ" val="4">
+                  <dgm:presOf axis="ch desOrSelf" ptType="node node" st="1 1" cnt="1 0"/>
+                </dgm:if>
+                <dgm:if name="Name125" axis="ch" ptType="node" func="cnt" op="equ" val="5">
+                  <dgm:presOf axis="ch desOrSelf" ptType="node node" st="2 1" cnt="1 0"/>
+                </dgm:if>
+                <dgm:if name="Name126" axis="ch" ptType="node" func="cnt" op="equ" val="6">
+                  <dgm:presOf axis="ch desOrSelf" ptType="node node" st="3 1" cnt="1 0"/>
+                </dgm:if>
+                <dgm:else name="Name127">
+                  <dgm:presOf axis="ch desOrSelf" ptType="node node" st="4 1" cnt="1 0"/>
+                </dgm:else>
+              </dgm:choose>
+            </dgm:else>
+          </dgm:choose>
+          <dgm:constrLst/>
+          <dgm:ruleLst/>
+        </dgm:layoutNode>
+        <dgm:layoutNode name="wedge4Tx" moveWith="wedge4">
+          <dgm:varLst>
+            <dgm:chMax val="0"/>
+            <dgm:chPref val="0"/>
+            <dgm:bulletEnabled val="1"/>
+          </dgm:varLst>
+          <dgm:alg type="tx"/>
+          <dgm:shape xmlns:r="http://schemas.openxmlformats.org/officeDocument/2006/relationships" type="rect" r:blip="" hideGeom="1">
+            <dgm:adjLst/>
+          </dgm:shape>
+          <dgm:choose name="Name128">
+            <dgm:if name="Name129" func="var" arg="dir" op="equ" val="norm">
+              <dgm:presOf axis="ch desOrSelf" ptType="node node" st="4 1" cnt="1 0"/>
+            </dgm:if>
+            <dgm:else name="Name130">
+              <dgm:choose name="Name131">
+                <dgm:if name="Name132" axis="ch" ptType="node" func="cnt" op="equ" val="4">
+                  <dgm:presOf axis="ch desOrSelf" ptType="node node" st="1 1" cnt="1 0"/>
+                </dgm:if>
+                <dgm:if name="Name133" axis="ch" ptType="node" func="cnt" op="equ" val="5">
+                  <dgm:presOf axis="ch desOrSelf" ptType="node node" st="2 1" cnt="1 0"/>
+                </dgm:if>
+                <dgm:if name="Name134" axis="ch" ptType="node" func="cnt" op="equ" val="6">
+                  <dgm:presOf axis="ch desOrSelf" ptType="node node" st="3 1" cnt="1 0"/>
+                </dgm:if>
+                <dgm:else name="Name135">
+                  <dgm:presOf axis="ch desOrSelf" ptType="node node" st="4 1" cnt="1 0"/>
+                </dgm:else>
+              </dgm:choose>
+            </dgm:else>
+          </dgm:choose>
+          <dgm:constrLst>
+            <dgm:constr type="tMarg" refType="primFontSz" fact="0.1"/>
+            <dgm:constr type="bMarg" refType="primFontSz" fact="0.1"/>
+            <dgm:constr type="lMarg" refType="primFontSz" fact="0.1"/>
+            <dgm:constr type="rMarg" refType="primFontSz" fact="0.1"/>
+            <dgm:constr type="primFontSz" val="65"/>
+          </dgm:constrLst>
+          <dgm:ruleLst>
+            <dgm:rule type="primFontSz" val="5" fact="NaN" max="NaN"/>
+          </dgm:ruleLst>
+        </dgm:layoutNode>
+      </dgm:if>
+      <dgm:else name="Name136"/>
+    </dgm:choose>
+    <dgm:choose name="Name137">
+      <dgm:if name="Name138" axis="ch" ptType="node" func="cnt" op="gte" val="5">
+        <dgm:layoutNode name="wedge5">
+          <dgm:alg type="sp"/>
+          <dgm:choose name="Name139">
+            <dgm:if name="Name140" axis="ch" ptType="node" func="cnt" op="equ" val="5">
+              <dgm:shape xmlns:r="http://schemas.openxmlformats.org/officeDocument/2006/relationships" type="pie" r:blip="">
+                <dgm:adjLst>
+                  <dgm:adj idx="1" val="198"/>
+                  <dgm:adj idx="2" val="270"/>
+                </dgm:adjLst>
+              </dgm:shape>
+            </dgm:if>
+            <dgm:if name="Name141" axis="ch" ptType="node" func="cnt" op="equ" val="6">
+              <dgm:shape xmlns:r="http://schemas.openxmlformats.org/officeDocument/2006/relationships" type="pie" r:blip="">
+                <dgm:adjLst>
+                  <dgm:adj idx="1" val="150"/>
+                  <dgm:adj idx="2" val="210"/>
+                </dgm:adjLst>
+              </dgm:shape>
+            </dgm:if>
+            <dgm:else name="Name142">
+              <dgm:shape xmlns:r="http://schemas.openxmlformats.org/officeDocument/2006/relationships" type="pie" r:blip="">
+                <dgm:adjLst>
+                  <dgm:adj idx="1" val="115.7143"/>
+                  <dgm:adj idx="2" val="167.1429"/>
+                </dgm:adjLst>
+              </dgm:shape>
+            </dgm:else>
+          </dgm:choose>
+          <dgm:choose name="Name143">
+            <dgm:if name="Name144" func="var" arg="dir" op="equ" val="norm">
+              <dgm:presOf axis="ch desOrSelf" ptType="node node" st="5 1" cnt="1 0"/>
+            </dgm:if>
+            <dgm:else name="Name145">
+              <dgm:choose name="Name146">
+                <dgm:if name="Name147" axis="ch" ptType="node" func="cnt" op="equ" val="5">
+                  <dgm:presOf axis="ch desOrSelf" ptType="node node" st="1 1" cnt="1 0"/>
+                </dgm:if>
+                <dgm:if name="Name148" axis="ch" ptType="node" func="cnt" op="equ" val="6">
+                  <dgm:presOf axis="ch desOrSelf" ptType="node node" st="2 1" cnt="1 0"/>
+                </dgm:if>
+                <dgm:else name="Name149">
+                  <dgm:presOf axis="ch desOrSelf" ptType="node node" st="3 1" cnt="1 0"/>
+                </dgm:else>
+              </dgm:choose>
+            </dgm:else>
+          </dgm:choose>
+          <dgm:constrLst/>
+          <dgm:ruleLst/>
+        </dgm:layoutNode>
+        <dgm:layoutNode name="wedge5Tx" moveWith="wedge5">
+          <dgm:varLst>
+            <dgm:chMax val="0"/>
+            <dgm:chPref val="0"/>
+            <dgm:bulletEnabled val="1"/>
+          </dgm:varLst>
+          <dgm:alg type="tx"/>
+          <dgm:shape xmlns:r="http://schemas.openxmlformats.org/officeDocument/2006/relationships" type="rect" r:blip="" hideGeom="1">
+            <dgm:adjLst/>
+          </dgm:shape>
+          <dgm:choose name="Name150">
+            <dgm:if name="Name151" func="var" arg="dir" op="equ" val="norm">
+              <dgm:presOf axis="ch desOrSelf" ptType="node node" st="5 1" cnt="1 0"/>
+            </dgm:if>
+            <dgm:else name="Name152">
+              <dgm:choose name="Name153">
+                <dgm:if name="Name154" axis="ch" ptType="node" func="cnt" op="equ" val="5">
+                  <dgm:presOf axis="ch desOrSelf" ptType="node node" st="1 1" cnt="1 0"/>
+                </dgm:if>
+                <dgm:if name="Name155" axis="ch" ptType="node" func="cnt" op="equ" val="6">
+                  <dgm:presOf axis="ch desOrSelf" ptType="node node" st="2 1" cnt="1 0"/>
+                </dgm:if>
+                <dgm:else name="Name156">
+                  <dgm:presOf axis="ch desOrSelf" ptType="node node" st="3 1" cnt="1 0"/>
+                </dgm:else>
+              </dgm:choose>
+            </dgm:else>
+          </dgm:choose>
+          <dgm:constrLst>
+            <dgm:constr type="tMarg" refType="primFontSz" fact="0.1"/>
+            <dgm:constr type="bMarg" refType="primFontSz" fact="0.1"/>
+            <dgm:constr type="lMarg" refType="primFontSz" fact="0.1"/>
+            <dgm:constr type="rMarg" refType="primFontSz" fact="0.1"/>
+            <dgm:constr type="primFontSz" val="65"/>
+          </dgm:constrLst>
+          <dgm:ruleLst>
+            <dgm:rule type="primFontSz" val="5" fact="NaN" max="NaN"/>
+          </dgm:ruleLst>
+        </dgm:layoutNode>
+      </dgm:if>
+      <dgm:else name="Name157"/>
+    </dgm:choose>
+    <dgm:choose name="Name158">
+      <dgm:if name="Name159" axis="ch" ptType="node" func="cnt" op="gte" val="6">
+        <dgm:layoutNode name="wedge6">
+          <dgm:alg type="sp"/>
+          <dgm:choose name="Name160">
+            <dgm:if name="Name161" axis="ch" ptType="node" func="cnt" op="equ" val="6">
+              <dgm:shape xmlns:r="http://schemas.openxmlformats.org/officeDocument/2006/relationships" type="pie" r:blip="">
+                <dgm:adjLst>
+                  <dgm:adj idx="1" val="210"/>
+                  <dgm:adj idx="2" val="270"/>
+                </dgm:adjLst>
+              </dgm:shape>
+            </dgm:if>
+            <dgm:else name="Name162">
+              <dgm:shape xmlns:r="http://schemas.openxmlformats.org/officeDocument/2006/relationships" type="pie" r:blip="">
+                <dgm:adjLst>
+                  <dgm:adj idx="1" val="167.1429"/>
+                  <dgm:adj idx="2" val="218.5714"/>
+                </dgm:adjLst>
+              </dgm:shape>
+            </dgm:else>
+          </dgm:choose>
+          <dgm:choose name="Name163">
+            <dgm:if name="Name164" func="var" arg="dir" op="equ" val="norm">
+              <dgm:presOf axis="ch desOrSelf" ptType="node node" st="6 1" cnt="1 0"/>
+            </dgm:if>
+            <dgm:else name="Name165">
+              <dgm:choose name="Name166">
+                <dgm:if name="Name167" axis="ch" ptType="node" func="cnt" op="equ" val="6">
+                  <dgm:presOf axis="ch desOrSelf" ptType="node node" st="1 1" cnt="1 0"/>
+                </dgm:if>
+                <dgm:else name="Name168">
+                  <dgm:presOf axis="ch desOrSelf" ptType="node node" st="2 1" cnt="1 0"/>
+                </dgm:else>
+              </dgm:choose>
+            </dgm:else>
+          </dgm:choose>
+          <dgm:constrLst/>
+          <dgm:ruleLst/>
+        </dgm:layoutNode>
+        <dgm:layoutNode name="wedge6Tx" moveWith="wedge6">
+          <dgm:varLst>
+            <dgm:chMax val="0"/>
+            <dgm:chPref val="0"/>
+            <dgm:bulletEnabled val="1"/>
+          </dgm:varLst>
+          <dgm:alg type="tx"/>
+          <dgm:shape xmlns:r="http://schemas.openxmlformats.org/officeDocument/2006/relationships" type="rect" r:blip="" hideGeom="1">
+            <dgm:adjLst/>
+          </dgm:shape>
+          <dgm:choose name="Name169">
+            <dgm:if name="Name170" func="var" arg="dir" op="equ" val="norm">
+              <dgm:presOf axis="ch desOrSelf" ptType="node node" st="6 1" cnt="1 0"/>
+            </dgm:if>
+            <dgm:else name="Name171">
+              <dgm:choose name="Name172">
+                <dgm:if name="Name173" axis="ch" ptType="node" func="cnt" op="equ" val="6">
+                  <dgm:presOf axis="ch desOrSelf" ptType="node node" st="1 1" cnt="1 0"/>
+                </dgm:if>
+                <dgm:else name="Name174">
+                  <dgm:presOf axis="ch desOrSelf" ptType="node node" st="2 1" cnt="1 0"/>
+                </dgm:else>
+              </dgm:choose>
+            </dgm:else>
+          </dgm:choose>
+          <dgm:constrLst>
+            <dgm:constr type="tMarg" refType="primFontSz" fact="0.1"/>
+            <dgm:constr type="bMarg" refType="primFontSz" fact="0.1"/>
+            <dgm:constr type="lMarg" refType="primFontSz" fact="0.1"/>
+            <dgm:constr type="rMarg" refType="primFontSz" fact="0.1"/>
+            <dgm:constr type="primFontSz" val="65"/>
+          </dgm:constrLst>
+          <dgm:ruleLst>
+            <dgm:rule type="primFontSz" val="5" fact="NaN" max="NaN"/>
+          </dgm:ruleLst>
+        </dgm:layoutNode>
+      </dgm:if>
+      <dgm:else name="Name175"/>
+    </dgm:choose>
+    <dgm:choose name="Name176">
+      <dgm:if name="Name177" axis="ch" ptType="node" func="cnt" op="gte" val="7">
+        <dgm:layoutNode name="wedge7">
+          <dgm:alg type="sp"/>
+          <dgm:shape xmlns:r="http://schemas.openxmlformats.org/officeDocument/2006/relationships" type="pie" r:blip="">
+            <dgm:adjLst>
+              <dgm:adj idx="1" val="218.5714"/>
+              <dgm:adj idx="2" val="270"/>
+            </dgm:adjLst>
+          </dgm:shape>
+          <dgm:choose name="Name178">
+            <dgm:if name="Name179" func="var" arg="dir" op="equ" val="norm">
+              <dgm:presOf axis="ch desOrSelf" ptType="node node" st="7 1" cnt="1 0"/>
+            </dgm:if>
+            <dgm:else name="Name180">
+              <dgm:presOf axis="ch desOrSelf" ptType="node node" st="1 1" cnt="1 0"/>
+            </dgm:else>
+          </dgm:choose>
+          <dgm:constrLst/>
+          <dgm:ruleLst/>
+        </dgm:layoutNode>
+        <dgm:layoutNode name="wedge7Tx" moveWith="wedge7">
+          <dgm:varLst>
+            <dgm:chMax val="0"/>
+            <dgm:chPref val="0"/>
+            <dgm:bulletEnabled val="1"/>
+          </dgm:varLst>
+          <dgm:alg type="tx"/>
+          <dgm:shape xmlns:r="http://schemas.openxmlformats.org/officeDocument/2006/relationships" type="rect" r:blip="" hideGeom="1">
+            <dgm:adjLst/>
+          </dgm:shape>
+          <dgm:choose name="Name181">
+            <dgm:if name="Name182" func="var" arg="dir" op="equ" val="norm">
+              <dgm:presOf axis="ch desOrSelf" ptType="node node" st="7 1" cnt="1 0"/>
+            </dgm:if>
+            <dgm:else name="Name183">
+              <dgm:presOf axis="ch desOrSelf" ptType="node node" st="1 1" cnt="1 0"/>
+            </dgm:else>
+          </dgm:choose>
+          <dgm:constrLst>
+            <dgm:constr type="tMarg" refType="primFontSz" fact="0.1"/>
+            <dgm:constr type="bMarg" refType="primFontSz" fact="0.1"/>
+            <dgm:constr type="lMarg" refType="primFontSz" fact="0.1"/>
+            <dgm:constr type="rMarg" refType="primFontSz" fact="0.1"/>
+            <dgm:constr type="primFontSz" val="65"/>
+          </dgm:constrLst>
+          <dgm:ruleLst>
+            <dgm:rule type="primFontSz" val="5" fact="NaN" max="NaN"/>
+          </dgm:ruleLst>
+        </dgm:layoutNode>
+      </dgm:if>
+      <dgm:else name="Name184"/>
+    </dgm:choose>
+  </dgm:layoutNode>
+</dgm:layoutDef>
+</file>
+
+<file path=ppt/diagrams/quickStyle1.xml><?xml version="1.0" encoding="utf-8"?>
+<dgm:styleDef xmlns:dgm="http://schemas.openxmlformats.org/drawingml/2006/diagram" xmlns:a="http://schemas.openxmlformats.org/drawingml/2006/main" uniqueId="urn:microsoft.com/office/officeart/2005/8/quickstyle/simple1">
+  <dgm:title val=""/>
+  <dgm:desc val=""/>
+  <dgm:catLst>
+    <dgm:cat type="simple" pri="10100"/>
+  </dgm:catLst>
+  <dgm:scene3d>
+    <a:camera prst="orthographicFront"/>
+    <a:lightRig rig="threePt" dir="t"/>
+  </dgm:scene3d>
+  <dgm:styleLbl name="node0">
+    <dgm:scene3d>
+      <a:camera prst="orthographicFront"/>
+      <a:lightRig rig="threePt" dir="t"/>
+    </dgm:scene3d>
+    <dgm:sp3d/>
+    <dgm:txPr/>
+    <dgm:style>
+      <a:lnRef idx="2">
+        <a:scrgbClr r="0" g="0" b="0"/>
+      </a:lnRef>
+      <a:fillRef idx="1">
+        <a:scrgbClr r="0" g="0" b="0"/>
+      </a:fillRef>
+      <a:effectRef idx="0">
+        <a:scrgbClr r="0" g="0" b="0"/>
+      </a:effectRef>
+      <a:fontRef idx="minor">
+        <a:schemeClr val="lt1"/>
+      </a:fontRef>
+    </dgm:style>
+  </dgm:styleLbl>
+  <dgm:styleLbl name="lnNode1">
+    <dgm:scene3d>
+      <a:camera prst="orthographicFront"/>
+      <a:lightRig rig="threePt" dir="t"/>
+    </dgm:scene3d>
+    <dgm:sp3d/>
+    <dgm:txPr/>
+    <dgm:style>
+      <a:lnRef idx="2">
+        <a:scrgbClr r="0" g="0" b="0"/>
+      </a:lnRef>
+      <a:fillRef idx="1">
+        <a:scrgbClr r="0" g="0" b="0"/>
+      </a:fillRef>
+      <a:effectRef idx="0">
+        <a:scrgbClr r="0" g="0" b="0"/>
+      </a:effectRef>
+      <a:fontRef idx="minor">
+        <a:schemeClr val="lt1"/>
+      </a:fontRef>
+    </dgm:style>
+  </dgm:styleLbl>
+  <dgm:styleLbl name="vennNode1">
+    <dgm:scene3d>
+      <a:camera prst="orthographicFront"/>
+      <a:lightRig rig="threePt" dir="t"/>
+    </dgm:scene3d>
+    <dgm:sp3d/>
+    <dgm:txPr/>
+    <dgm:style>
+      <a:lnRef idx="2">
+        <a:scrgbClr r="0" g="0" b="0"/>
+      </a:lnRef>
+      <a:fillRef idx="1">
+        <a:scrgbClr r="0" g="0" b="0"/>
+      </a:fillRef>
+      <a:effectRef idx="0">
+        <a:scrgbClr r="0" g="0" b="0"/>
+      </a:effectRef>
+      <a:fontRef idx="minor">
+        <a:schemeClr val="tx1"/>
+      </a:fontRef>
+    </dgm:style>
+  </dgm:styleLbl>
+  <dgm:styleLbl name="alignNode1">
+    <dgm:scene3d>
+      <a:camera prst="orthographicFront"/>
+      <a:lightRig rig="threePt" dir="t"/>
+    </dgm:scene3d>
+    <dgm:sp3d/>
+    <dgm:txPr/>
+    <dgm:style>
+      <a:lnRef idx="2">
+        <a:scrgbClr r="0" g="0" b="0"/>
+      </a:lnRef>
+      <a:fillRef idx="1">
+        <a:scrgbClr r="0" g="0" b="0"/>
+      </a:fillRef>
+      <a:effectRef idx="0">
+        <a:scrgbClr r="0" g="0" b="0"/>
+      </a:effectRef>
+      <a:fontRef idx="minor">
+        <a:schemeClr val="lt1"/>
+      </a:fontRef>
+    </dgm:style>
+  </dgm:styleLbl>
+  <dgm:styleLbl name="node1">
+    <dgm:scene3d>
+      <a:camera prst="orthographicFront"/>
+      <a:lightRig rig="threePt" dir="t"/>
+    </dgm:scene3d>
+    <dgm:sp3d/>
+    <dgm:txPr/>
+    <dgm:style>
+      <a:lnRef idx="2">
+        <a:scrgbClr r="0" g="0" b="0"/>
+      </a:lnRef>
+      <a:fillRef idx="1">
+        <a:scrgbClr r="0" g="0" b="0"/>
+      </a:fillRef>
+      <a:effectRef idx="0">
+        <a:scrgbClr r="0" g="0" b="0"/>
+      </a:effectRef>
+      <a:fontRef idx="minor">
+        <a:schemeClr val="lt1"/>
+      </a:fontRef>
+    </dgm:style>
+  </dgm:styleLbl>
+  <dgm:styleLbl name="node2">
+    <dgm:scene3d>
+      <a:camera prst="orthographicFront"/>
+      <a:lightRig rig="threePt" dir="t"/>
+    </dgm:scene3d>
+    <dgm:sp3d/>
+    <dgm:txPr/>
+    <dgm:style>
+      <a:lnRef idx="2">
+        <a:scrgbClr r="0" g="0" b="0"/>
+      </a:lnRef>
+      <a:fillRef idx="1">
+        <a:scrgbClr r="0" g="0" b="0"/>
+      </a:fillRef>
+      <a:effectRef idx="0">
+        <a:scrgbClr r="0" g="0" b="0"/>
+      </a:effectRef>
+      <a:fontRef idx="minor">
+        <a:schemeClr val="lt1"/>
+      </a:fontRef>
+    </dgm:style>
+  </dgm:styleLbl>
+  <dgm:styleLbl name="node3">
+    <dgm:scene3d>
+      <a:camera prst="orthographicFront"/>
+      <a:lightRig rig="threePt" dir="t"/>
+    </dgm:scene3d>
+    <dgm:sp3d/>
+    <dgm:txPr/>
+    <dgm:style>
+      <a:lnRef idx="2">
+        <a:scrgbClr r="0" g="0" b="0"/>
+      </a:lnRef>
+      <a:fillRef idx="1">
+        <a:scrgbClr r="0" g="0" b="0"/>
+      </a:fillRef>
+      <a:effectRef idx="0">
+        <a:scrgbClr r="0" g="0" b="0"/>
+      </a:effectRef>
+      <a:fontRef idx="minor">
+        <a:schemeClr val="lt1"/>
+      </a:fontRef>
+    </dgm:style>
+  </dgm:styleLbl>
+  <dgm:styleLbl name="node4">
+    <dgm:scene3d>
+      <a:camera prst="orthographicFront"/>
+      <a:lightRig rig="threePt" dir="t"/>
+    </dgm:scene3d>
+    <dgm:sp3d/>
+    <dgm:txPr/>
+    <dgm:style>
+      <a:lnRef idx="2">
+        <a:scrgbClr r="0" g="0" b="0"/>
+      </a:lnRef>
+      <a:fillRef idx="1">
+        <a:scrgbClr r="0" g="0" b="0"/>
+      </a:fillRef>
+      <a:effectRef idx="0">
+        <a:scrgbClr r="0" g="0" b="0"/>
+      </a:effectRef>
+      <a:fontRef idx="minor">
+        <a:schemeClr val="lt1"/>
+      </a:fontRef>
+    </dgm:style>
+  </dgm:styleLbl>
+  <dgm:styleLbl name="fgImgPlace1">
+    <dgm:scene3d>
+      <a:camera prst="orthographicFront"/>
+      <a:lightRig rig="threePt" dir="t"/>
+    </dgm:scene3d>
+    <dgm:sp3d/>
+    <dgm:txPr/>
+    <dgm:style>
+      <a:lnRef idx="2">
+        <a:scrgbClr r="0" g="0" b="0"/>
+      </a:lnRef>
+      <a:fillRef idx="1">
+        <a:scrgbClr r="0" g="0" b="0"/>
+      </a:fillRef>
+      <a:effectRef idx="0">
+        <a:scrgbClr r="0" g="0" b="0"/>
+      </a:effectRef>
+      <a:fontRef idx="minor"/>
+    </dgm:style>
+  </dgm:styleLbl>
+  <dgm:styleLbl name="alignImgPlace1">
+    <dgm:scene3d>
+      <a:camera prst="orthographicFront"/>
+      <a:lightRig rig="threePt" dir="t"/>
+    </dgm:scene3d>
+    <dgm:sp3d/>
+    <dgm:txPr/>
+    <dgm:style>
+      <a:lnRef idx="2">
+        <a:scrgbClr r="0" g="0" b="0"/>
+      </a:lnRef>
+      <a:fillRef idx="1">
+        <a:scrgbClr r="0" g="0" b="0"/>
+      </a:fillRef>
+      <a:effectRef idx="0">
+        <a:scrgbClr r="0" g="0" b="0"/>
+      </a:effectRef>
+      <a:fontRef idx="minor"/>
+    </dgm:style>
+  </dgm:styleLbl>
+  <dgm:styleLbl name="bgImgPlace1">
+    <dgm:scene3d>
+      <a:camera prst="orthographicFront"/>
+      <a:lightRig rig="threePt" dir="t"/>
+    </dgm:scene3d>
+    <dgm:sp3d/>
+    <dgm:txPr/>
+    <dgm:style>
+      <a:lnRef idx="2">
+        <a:scrgbClr r="0" g="0" b="0"/>
+      </a:lnRef>
+      <a:fillRef idx="1">
+        <a:scrgbClr r="0" g="0" b="0"/>
+      </a:fillRef>
+      <a:effectRef idx="0">
+        <a:scrgbClr r="0" g="0" b="0"/>
+      </a:effectRef>
+      <a:fontRef idx="minor"/>
+    </dgm:style>
+  </dgm:styleLbl>
+  <dgm:styleLbl name="sibTrans2D1">
+    <dgm:scene3d>
+      <a:camera prst="orthographicFront"/>
+      <a:lightRig rig="threePt" dir="t"/>
+    </dgm:scene3d>
+    <dgm:sp3d/>
+    <dgm:txPr/>
+    <dgm:style>
+      <a:lnRef idx="0">
+        <a:scrgbClr r="0" g="0" b="0"/>
+      </a:lnRef>
+      <a:fillRef idx="1">
+        <a:scrgbClr r="0" g="0" b="0"/>
+      </a:fillRef>
+      <a:effectRef idx="0">
+        <a:scrgbClr r="0" g="0" b="0"/>
+      </a:effectRef>
+      <a:fontRef idx="minor">
+        <a:schemeClr val="lt1"/>
+      </a:fontRef>
+    </dgm:style>
+  </dgm:styleLbl>
+  <dgm:styleLbl name="fgSibTrans2D1">
+    <dgm:scene3d>
+      <a:camera prst="orthographicFront"/>
+      <a:lightRig rig="threePt" dir="t"/>
+    </dgm:scene3d>
+    <dgm:sp3d/>
+    <dgm:txPr/>
+    <dgm:style>
+      <a:lnRef idx="0">
+        <a:scrgbClr r="0" g="0" b="0"/>
+      </a:lnRef>
+      <a:fillRef idx="1">
+        <a:scrgbClr r="0" g="0" b="0"/>
+      </a:fillRef>
+      <a:effectRef idx="0">
+        <a:scrgbClr r="0" g="0" b="0"/>
+      </a:effectRef>
+      <a:fontRef idx="minor">
+        <a:schemeClr val="lt1"/>
+      </a:fontRef>
+    </dgm:style>
+  </dgm:styleLbl>
+  <dgm:styleLbl name="bgSibTrans2D1">
+    <dgm:scene3d>
+      <a:camera prst="orthographicFront"/>
+      <a:lightRig rig="threePt" dir="t"/>
+    </dgm:scene3d>
+    <dgm:sp3d/>
+    <dgm:txPr/>
+    <dgm:style>
+      <a:lnRef idx="0">
+        <a:scrgbClr r="0" g="0" b="0"/>
+      </a:lnRef>
+      <a:fillRef idx="1">
+        <a:scrgbClr r="0" g="0" b="0"/>
+      </a:fillRef>
+      <a:effectRef idx="0">
+        <a:scrgbClr r="0" g="0" b="0"/>
+      </a:effectRef>
+      <a:fontRef idx="minor">
+        <a:schemeClr val="lt1"/>
+      </a:fontRef>
+    </dgm:style>
+  </dgm:styleLbl>
+  <dgm:styleLbl name="sibTrans1D1">
+    <dgm:scene3d>
+      <a:camera prst="orthographicFront"/>
+      <a:lightRig rig="threePt" dir="t"/>
+    </dgm:scene3d>
+    <dgm:sp3d/>
+    <dgm:txPr/>
+    <dgm:style>
+      <a:lnRef idx="1">
+        <a:scrgbClr r="0" g="0" b="0"/>
+      </a:lnRef>
+      <a:fillRef idx="0">
+        <a:scrgbClr r="0" g="0" b="0"/>
+      </a:fillRef>
+      <a:effectRef idx="0">
+        <a:scrgbClr r="0" g="0" b="0"/>
+      </a:effectRef>
+      <a:fontRef idx="minor"/>
+    </dgm:style>
+  </dgm:styleLbl>
+  <dgm:styleLbl name="callout">
+    <dgm:scene3d>
+      <a:camera prst="orthographicFront"/>
+      <a:lightRig rig="threePt" dir="t"/>
+    </dgm:scene3d>
+    <dgm:sp3d/>
+    <dgm:txPr/>
+    <dgm:style>
+      <a:lnRef idx="2">
+        <a:scrgbClr r="0" g="0" b="0"/>
+      </a:lnRef>
+      <a:fillRef idx="1">
+        <a:scrgbClr r="0" g="0" b="0"/>
+      </a:fillRef>
+      <a:effectRef idx="0">
+        <a:scrgbClr r="0" g="0" b="0"/>
+      </a:effectRef>
+      <a:fontRef idx="minor"/>
+    </dgm:style>
+  </dgm:styleLbl>
+  <dgm:styleLbl name="asst0">
+    <dgm:scene3d>
+      <a:camera prst="orthographicFront"/>
+      <a:lightRig rig="threePt" dir="t"/>
+    </dgm:scene3d>
+    <dgm:sp3d/>
+    <dgm:txPr/>
+    <dgm:style>
+      <a:lnRef idx="2">
+        <a:scrgbClr r="0" g="0" b="0"/>
+      </a:lnRef>
+      <a:fillRef idx="1">
+        <a:scrgbClr r="0" g="0" b="0"/>
+      </a:fillRef>
+      <a:effectRef idx="0">
+        <a:scrgbClr r="0" g="0" b="0"/>
+      </a:effectRef>
+      <a:fontRef idx="minor">
+        <a:schemeClr val="lt1"/>
+      </a:fontRef>
+    </dgm:style>
+  </dgm:styleLbl>
+  <dgm:styleLbl name="asst1">
+    <dgm:scene3d>
+      <a:camera prst="orthographicFront"/>
+      <a:lightRig rig="threePt" dir="t"/>
+    </dgm:scene3d>
+    <dgm:sp3d/>
+    <dgm:txPr/>
+    <dgm:style>
+      <a:lnRef idx="2">
+        <a:scrgbClr r="0" g="0" b="0"/>
+      </a:lnRef>
+      <a:fillRef idx="1">
+        <a:scrgbClr r="0" g="0" b="0"/>
+      </a:fillRef>
+      <a:effectRef idx="0">
+        <a:scrgbClr r="0" g="0" b="0"/>
+      </a:effectRef>
+      <a:fontRef idx="minor">
+        <a:schemeClr val="lt1"/>
+      </a:fontRef>
+    </dgm:style>
+  </dgm:styleLbl>
+  <dgm:styleLbl name="asst2">
+    <dgm:scene3d>
+      <a:camera prst="orthographicFront"/>
+      <a:lightRig rig="threePt" dir="t"/>
+    </dgm:scene3d>
+    <dgm:sp3d/>
+    <dgm:txPr/>
+    <dgm:style>
+      <a:lnRef idx="2">
+        <a:scrgbClr r="0" g="0" b="0"/>
+      </a:lnRef>
+      <a:fillRef idx="1">
+        <a:scrgbClr r="0" g="0" b="0"/>
+      </a:fillRef>
+      <a:effectRef idx="0">
+        <a:scrgbClr r="0" g="0" b="0"/>
+      </a:effectRef>
+      <a:fontRef idx="minor">
+        <a:schemeClr val="lt1"/>
+      </a:fontRef>
+    </dgm:style>
+  </dgm:styleLbl>
+  <dgm:styleLbl name="asst3">
+    <dgm:scene3d>
+      <a:camera prst="orthographicFront"/>
+      <a:lightRig rig="threePt" dir="t"/>
+    </dgm:scene3d>
+    <dgm:sp3d/>
+    <dgm:txPr/>
+    <dgm:style>
+      <a:lnRef idx="2">
+        <a:scrgbClr r="0" g="0" b="0"/>
+      </a:lnRef>
+      <a:fillRef idx="1">
+        <a:scrgbClr r="0" g="0" b="0"/>
+      </a:fillRef>
+      <a:effectRef idx="0">
+        <a:scrgbClr r="0" g="0" b="0"/>
+      </a:effectRef>
+      <a:fontRef idx="minor">
+        <a:schemeClr val="lt1"/>
+      </a:fontRef>
+    </dgm:style>
+  </dgm:styleLbl>
+  <dgm:styleLbl name="asst4">
+    <dgm:scene3d>
+      <a:camera prst="orthographicFront"/>
+      <a:lightRig rig="threePt" dir="t"/>
+    </dgm:scene3d>
+    <dgm:sp3d/>
+    <dgm:txPr/>
+    <dgm:style>
+      <a:lnRef idx="2">
+        <a:scrgbClr r="0" g="0" b="0"/>
+      </a:lnRef>
+      <a:fillRef idx="1">
+        <a:scrgbClr r="0" g="0" b="0"/>
+      </a:fillRef>
+      <a:effectRef idx="0">
+        <a:scrgbClr r="0" g="0" b="0"/>
+      </a:effectRef>
+      <a:fontRef idx="minor">
+        <a:schemeClr val="lt1"/>
+      </a:fontRef>
+    </dgm:style>
+  </dgm:styleLbl>
+  <dgm:styleLbl name="parChTrans2D1">
+    <dgm:scene3d>
+      <a:camera prst="orthographicFront"/>
+      <a:lightRig rig="threePt" dir="t"/>
+    </dgm:scene3d>
+    <dgm:sp3d/>
+    <dgm:txPr/>
+    <dgm:style>
+      <a:lnRef idx="2">
+        <a:scrgbClr r="0" g="0" b="0"/>
+      </a:lnRef>
+      <a:fillRef idx="1">
+        <a:scrgbClr r="0" g="0" b="0"/>
+      </a:fillRef>
+      <a:effectRef idx="0">
+        <a:scrgbClr r="0" g="0" b="0"/>
+      </a:effectRef>
+      <a:fontRef idx="minor">
+        <a:schemeClr val="lt1"/>
+      </a:fontRef>
+    </dgm:style>
+  </dgm:styleLbl>
+  <dgm:styleLbl name="parChTrans2D2">
+    <dgm:scene3d>
+      <a:camera prst="orthographicFront"/>
+      <a:lightRig rig="threePt" dir="t"/>
+    </dgm:scene3d>
+    <dgm:sp3d/>
+    <dgm:txPr/>
+    <dgm:style>
+      <a:lnRef idx="2">
+        <a:scrgbClr r="0" g="0" b="0"/>
+      </a:lnRef>
+      <a:fillRef idx="1">
+        <a:scrgbClr r="0" g="0" b="0"/>
+      </a:fillRef>
+      <a:effectRef idx="0">
+        <a:scrgbClr r="0" g="0" b="0"/>
+      </a:effectRef>
+      <a:fontRef idx="minor">
+        <a:schemeClr val="lt1"/>
+      </a:fontRef>
+    </dgm:style>
+  </dgm:styleLbl>
+  <dgm:styleLbl name="parChTrans2D3">
+    <dgm:scene3d>
+      <a:camera prst="orthographicFront"/>
+      <a:lightRig rig="threePt" dir="t"/>
+    </dgm:scene3d>
+    <dgm:sp3d/>
+    <dgm:txPr/>
+    <dgm:style>
+      <a:lnRef idx="2">
+        <a:scrgbClr r="0" g="0" b="0"/>
+      </a:lnRef>
+      <a:fillRef idx="1">
+        <a:scrgbClr r="0" g="0" b="0"/>
+      </a:fillRef>
+      <a:effectRef idx="0">
+        <a:scrgbClr r="0" g="0" b="0"/>
+      </a:effectRef>
+      <a:fontRef idx="minor">
+        <a:schemeClr val="lt1"/>
+      </a:fontRef>
+    </dgm:style>
+  </dgm:styleLbl>
+  <dgm:styleLbl name="parChTrans2D4">
+    <dgm:scene3d>
+      <a:camera prst="orthographicFront"/>
+      <a:lightRig rig="threePt" dir="t"/>
+    </dgm:scene3d>
+    <dgm:sp3d/>
+    <dgm:txPr/>
+    <dgm:style>
+      <a:lnRef idx="2">
+        <a:scrgbClr r="0" g="0" b="0"/>
+      </a:lnRef>
+      <a:fillRef idx="1">
+        <a:scrgbClr r="0" g="0" b="0"/>
+      </a:fillRef>
+      <a:effectRef idx="0">
+        <a:scrgbClr r="0" g="0" b="0"/>
+      </a:effectRef>
+      <a:fontRef idx="minor">
+        <a:schemeClr val="lt1"/>
+      </a:fontRef>
+    </dgm:style>
+  </dgm:styleLbl>
+  <dgm:styleLbl name="parChTrans1D1">
+    <dgm:scene3d>
+      <a:camera prst="orthographicFront"/>
+      <a:lightRig rig="threePt" dir="t"/>
+    </dgm:scene3d>
+    <dgm:sp3d/>
+    <dgm:txPr/>
+    <dgm:style>
+      <a:lnRef idx="2">
+        <a:scrgbClr r="0" g="0" b="0"/>
+      </a:lnRef>
+      <a:fillRef idx="0">
+        <a:scrgbClr r="0" g="0" b="0"/>
+      </a:fillRef>
+      <a:effectRef idx="0">
+        <a:scrgbClr r="0" g="0" b="0"/>
+      </a:effectRef>
+      <a:fontRef idx="minor"/>
+    </dgm:style>
+  </dgm:styleLbl>
+  <dgm:styleLbl name="parChTrans1D2">
+    <dgm:scene3d>
+      <a:camera prst="orthographicFront"/>
+      <a:lightRig rig="threePt" dir="t"/>
+    </dgm:scene3d>
+    <dgm:sp3d/>
+    <dgm:txPr/>
+    <dgm:style>
+      <a:lnRef idx="2">
+        <a:scrgbClr r="0" g="0" b="0"/>
+      </a:lnRef>
+      <a:fillRef idx="0">
+        <a:scrgbClr r="0" g="0" b="0"/>
+      </a:fillRef>
+      <a:effectRef idx="0">
+        <a:scrgbClr r="0" g="0" b="0"/>
+      </a:effectRef>
+      <a:fontRef idx="minor"/>
+    </dgm:style>
+  </dgm:styleLbl>
+  <dgm:styleLbl name="parChTrans1D3">
+    <dgm:scene3d>
+      <a:camera prst="orthographicFront"/>
+      <a:lightRig rig="threePt" dir="t"/>
+    </dgm:scene3d>
+    <dgm:sp3d/>
+    <dgm:txPr/>
+    <dgm:style>
+      <a:lnRef idx="2">
+        <a:scrgbClr r="0" g="0" b="0"/>
+      </a:lnRef>
+      <a:fillRef idx="0">
+        <a:scrgbClr r="0" g="0" b="0"/>
+      </a:fillRef>
+      <a:effectRef idx="0">
+        <a:scrgbClr r="0" g="0" b="0"/>
+      </a:effectRef>
+      <a:fontRef idx="minor"/>
+    </dgm:style>
+  </dgm:styleLbl>
+  <dgm:styleLbl name="parChTrans1D4">
+    <dgm:scene3d>
+      <a:camera prst="orthographicFront"/>
+      <a:lightRig rig="threePt" dir="t"/>
+    </dgm:scene3d>
+    <dgm:sp3d/>
+    <dgm:txPr/>
+    <dgm:style>
+      <a:lnRef idx="2">
+        <a:scrgbClr r="0" g="0" b="0"/>
+      </a:lnRef>
+      <a:fillRef idx="0">
+        <a:scrgbClr r="0" g="0" b="0"/>
+      </a:fillRef>
+      <a:effectRef idx="0">
+        <a:scrgbClr r="0" g="0" b="0"/>
+      </a:effectRef>
+      <a:fontRef idx="minor"/>
+    </dgm:style>
+  </dgm:styleLbl>
+  <dgm:styleLbl name="fgAcc1">
+    <dgm:scene3d>
+      <a:camera prst="orthographicFront"/>
+      <a:lightRig rig="threePt" dir="t"/>
+    </dgm:scene3d>
+    <dgm:sp3d/>
+    <dgm:txPr/>
+    <dgm:style>
+      <a:lnRef idx="2">
+        <a:scrgbClr r="0" g="0" b="0"/>
+      </a:lnRef>
+      <a:fillRef idx="1">
+        <a:scrgbClr r="0" g="0" b="0"/>
+      </a:fillRef>
+      <a:effectRef idx="0">
+        <a:scrgbClr r="0" g="0" b="0"/>
+      </a:effectRef>
+      <a:fontRef idx="minor"/>
+    </dgm:style>
+  </dgm:styleLbl>
+  <dgm:styleLbl name="conFgAcc1">
+    <dgm:scene3d>
+      <a:camera prst="orthographicFront"/>
+      <a:lightRig rig="threePt" dir="t"/>
+    </dgm:scene3d>
+    <dgm:sp3d/>
+    <dgm:txPr/>
+    <dgm:style>
+      <a:lnRef idx="2">
+        <a:scrgbClr r="0" g="0" b="0"/>
+      </a:lnRef>
+      <a:fillRef idx="1">
+        <a:scrgbClr r="0" g="0" b="0"/>
+      </a:fillRef>
+      <a:effectRef idx="0">
+        <a:scrgbClr r="0" g="0" b="0"/>
+      </a:effectRef>
+      <a:fontRef idx="minor"/>
+    </dgm:style>
+  </dgm:styleLbl>
+  <dgm:styleLbl name="alignAcc1">
+    <dgm:scene3d>
+      <a:camera prst="orthographicFront"/>
+      <a:lightRig rig="threePt" dir="t"/>
+    </dgm:scene3d>
+    <dgm:sp3d/>
+    <dgm:txPr/>
+    <dgm:style>
+      <a:lnRef idx="2">
+        <a:scrgbClr r="0" g="0" b="0"/>
+      </a:lnRef>
+      <a:fillRef idx="1">
+        <a:scrgbClr r="0" g="0" b="0"/>
+      </a:fillRef>
+      <a:effectRef idx="0">
+        <a:scrgbClr r="0" g="0" b="0"/>
+      </a:effectRef>
+      <a:fontRef idx="minor"/>
+    </dgm:style>
+  </dgm:styleLbl>
+  <dgm:styleLbl name="trAlignAcc1">
+    <dgm:scene3d>
+      <a:camera prst="orthographicFront"/>
+      <a:lightRig rig="threePt" dir="t"/>
+    </dgm:scene3d>
+    <dgm:sp3d/>
+    <dgm:txPr/>
+    <dgm:style>
+      <a:lnRef idx="1">
+        <a:scrgbClr r="0" g="0" b="0"/>
+      </a:lnRef>
+      <a:fillRef idx="1">
+        <a:scrgbClr r="0" g="0" b="0"/>
+      </a:fillRef>
+      <a:effectRef idx="0">
+        <a:scrgbClr r="0" g="0" b="0"/>
+      </a:effectRef>
+      <a:fontRef idx="minor"/>
+    </dgm:style>
+  </dgm:styleLbl>
+  <dgm:styleLbl name="bgAcc1">
+    <dgm:scene3d>
+      <a:camera prst="orthographicFront"/>
+      <a:lightRig rig="threePt" dir="t"/>
+    </dgm:scene3d>
+    <dgm:sp3d/>
+    <dgm:txPr/>
+    <dgm:style>
+      <a:lnRef idx="2">
+        <a:scrgbClr r="0" g="0" b="0"/>
+      </a:lnRef>
+      <a:fillRef idx="1">
+        <a:scrgbClr r="0" g="0" b="0"/>
+      </a:fillRef>
+      <a:effectRef idx="0">
+        <a:scrgbClr r="0" g="0" b="0"/>
+      </a:effectRef>
+      <a:fontRef idx="minor"/>
+    </dgm:style>
+  </dgm:styleLbl>
+  <dgm:styleLbl name="solidFgAcc1">
+    <dgm:scene3d>
+      <a:camera prst="orthographicFront"/>
+      <a:lightRig rig="threePt" dir="t"/>
+    </dgm:scene3d>
+    <dgm:sp3d/>
+    <dgm:txPr/>
+    <dgm:style>
+      <a:lnRef idx="2">
+        <a:scrgbClr r="0" g="0" b="0"/>
+      </a:lnRef>
+      <a:fillRef idx="1">
+        <a:scrgbClr r="0" g="0" b="0"/>
+      </a:fillRef>
+      <a:effectRef idx="0">
+        <a:scrgbClr r="0" g="0" b="0"/>
+      </a:effectRef>
+      <a:fontRef idx="minor"/>
+    </dgm:style>
+  </dgm:styleLbl>
+  <dgm:styleLbl name="solidAlignAcc1">
+    <dgm:scene3d>
+      <a:camera prst="orthographicFront"/>
+      <a:lightRig rig="threePt" dir="t"/>
+    </dgm:scene3d>
+    <dgm:sp3d/>
+    <dgm:txPr/>
+    <dgm:style>
+      <a:lnRef idx="2">
+        <a:scrgbClr r="0" g="0" b="0"/>
+      </a:lnRef>
+      <a:fillRef idx="1">
+        <a:scrgbClr r="0" g="0" b="0"/>
+      </a:fillRef>
+      <a:effectRef idx="0">
+        <a:scrgbClr r="0" g="0" b="0"/>
+      </a:effectRef>
+      <a:fontRef idx="minor"/>
+    </dgm:style>
+  </dgm:styleLbl>
+  <dgm:styleLbl name="solidBgAcc1">
+    <dgm:scene3d>
+      <a:camera prst="orthographicFront"/>
+      <a:lightRig rig="threePt" dir="t"/>
+    </dgm:scene3d>
+    <dgm:sp3d/>
+    <dgm:txPr/>
+    <dgm:style>
+      <a:lnRef idx="2">
+        <a:scrgbClr r="0" g="0" b="0"/>
+      </a:lnRef>
+      <a:fillRef idx="1">
+        <a:scrgbClr r="0" g="0" b="0"/>
+      </a:fillRef>
+      <a:effectRef idx="0">
+        <a:scrgbClr r="0" g="0" b="0"/>
+      </a:effectRef>
+      <a:fontRef idx="minor"/>
+    </dgm:style>
+  </dgm:styleLbl>
+  <dgm:styleLbl name="fgAccFollowNode1">
+    <dgm:scene3d>
+      <a:camera prst="orthographicFront"/>
+      <a:lightRig rig="threePt" dir="t"/>
+    </dgm:scene3d>
+    <dgm:sp3d/>
+    <dgm:txPr/>
+    <dgm:style>
+      <a:lnRef idx="2">
+        <a:scrgbClr r="0" g="0" b="0"/>
+      </a:lnRef>
+      <a:fillRef idx="1">
+        <a:scrgbClr r="0" g="0" b="0"/>
+      </a:fillRef>
+      <a:effectRef idx="0">
+        <a:scrgbClr r="0" g="0" b="0"/>
+      </a:effectRef>
+      <a:fontRef idx="minor"/>
+    </dgm:style>
+  </dgm:styleLbl>
+  <dgm:styleLbl name="alignAccFollowNode1">
+    <dgm:scene3d>
+      <a:camera prst="orthographicFront"/>
+      <a:lightRig rig="threePt" dir="t"/>
+    </dgm:scene3d>
+    <dgm:sp3d/>
+    <dgm:txPr/>
+    <dgm:style>
+      <a:lnRef idx="2">
+        <a:scrgbClr r="0" g="0" b="0"/>
+      </a:lnRef>
+      <a:fillRef idx="1">
+        <a:scrgbClr r="0" g="0" b="0"/>
+      </a:fillRef>
+      <a:effectRef idx="0">
+        <a:scrgbClr r="0" g="0" b="0"/>
+      </a:effectRef>
+      <a:fontRef idx="minor"/>
+    </dgm:style>
+  </dgm:styleLbl>
+  <dgm:styleLbl name="bgAccFollowNode1">
+    <dgm:scene3d>
+      <a:camera prst="orthographicFront"/>
+      <a:lightRig rig="threePt" dir="t"/>
+    </dgm:scene3d>
+    <dgm:sp3d/>
+    <dgm:txPr/>
+    <dgm:style>
+      <a:lnRef idx="2">
+        <a:scrgbClr r="0" g="0" b="0"/>
+      </a:lnRef>
+      <a:fillRef idx="1">
+        <a:scrgbClr r="0" g="0" b="0"/>
+      </a:fillRef>
+      <a:effectRef idx="0">
+        <a:scrgbClr r="0" g="0" b="0"/>
+      </a:effectRef>
+      <a:fontRef idx="minor"/>
+    </dgm:style>
+  </dgm:styleLbl>
+  <dgm:styleLbl name="fgAcc0">
+    <dgm:scene3d>
+      <a:camera prst="orthographicFront"/>
+      <a:lightRig rig="threePt" dir="t"/>
+    </dgm:scene3d>
+    <dgm:sp3d/>
+    <dgm:txPr/>
+    <dgm:style>
+      <a:lnRef idx="2">
+        <a:scrgbClr r="0" g="0" b="0"/>
+      </a:lnRef>
+      <a:fillRef idx="1">
+        <a:scrgbClr r="0" g="0" b="0"/>
+      </a:fillRef>
+      <a:effectRef idx="0">
+        <a:scrgbClr r="0" g="0" b="0"/>
+      </a:effectRef>
+      <a:fontRef idx="minor"/>
+    </dgm:style>
+  </dgm:styleLbl>
+  <dgm:styleLbl name="fgAcc2">
+    <dgm:scene3d>
+      <a:camera prst="orthographicFront"/>
+      <a:lightRig rig="threePt" dir="t"/>
+    </dgm:scene3d>
+    <dgm:sp3d/>
+    <dgm:txPr/>
+    <dgm:style>
+      <a:lnRef idx="2">
+        <a:scrgbClr r="0" g="0" b="0"/>
+      </a:lnRef>
+      <a:fillRef idx="1">
+        <a:scrgbClr r="0" g="0" b="0"/>
+      </a:fillRef>
+      <a:effectRef idx="0">
+        <a:scrgbClr r="0" g="0" b="0"/>
+      </a:effectRef>
+      <a:fontRef idx="minor"/>
+    </dgm:style>
+  </dgm:styleLbl>
+  <dgm:styleLbl name="fgAcc3">
+    <dgm:scene3d>
+      <a:camera prst="orthographicFront"/>
+      <a:lightRig rig="threePt" dir="t"/>
+    </dgm:scene3d>
+    <dgm:sp3d/>
+    <dgm:txPr/>
+    <dgm:style>
+      <a:lnRef idx="2">
+        <a:scrgbClr r="0" g="0" b="0"/>
+      </a:lnRef>
+      <a:fillRef idx="1">
+        <a:scrgbClr r="0" g="0" b="0"/>
+      </a:fillRef>
+      <a:effectRef idx="0">
+        <a:scrgbClr r="0" g="0" b="0"/>
+      </a:effectRef>
+      <a:fontRef idx="minor"/>
+    </dgm:style>
+  </dgm:styleLbl>
+  <dgm:styleLbl name="fgAcc4">
+    <dgm:scene3d>
+      <a:camera prst="orthographicFront"/>
+      <a:lightRig rig="threePt" dir="t"/>
+    </dgm:scene3d>
+    <dgm:sp3d/>
+    <dgm:txPr/>
+    <dgm:style>
+      <a:lnRef idx="2">
+        <a:scrgbClr r="0" g="0" b="0"/>
+      </a:lnRef>
+      <a:fillRef idx="1">
+        <a:scrgbClr r="0" g="0" b="0"/>
+      </a:fillRef>
+      <a:effectRef idx="0">
+        <a:scrgbClr r="0" g="0" b="0"/>
+      </a:effectRef>
+      <a:fontRef idx="minor"/>
+    </dgm:style>
+  </dgm:styleLbl>
+  <dgm:styleLbl name="bgShp">
+    <dgm:scene3d>
+      <a:camera prst="orthographicFront"/>
+      <a:lightRig rig="threePt" dir="t"/>
+    </dgm:scene3d>
+    <dgm:sp3d/>
+    <dgm:txPr/>
+    <dgm:style>
+      <a:lnRef idx="0">
+        <a:scrgbClr r="0" g="0" b="0"/>
+      </a:lnRef>
+      <a:fillRef idx="1">
+        <a:scrgbClr r="0" g="0" b="0"/>
+      </a:fillRef>
+      <a:effectRef idx="0">
+        <a:scrgbClr r="0" g="0" b="0"/>
+      </a:effectRef>
+      <a:fontRef idx="minor"/>
+    </dgm:style>
+  </dgm:styleLbl>
+  <dgm:styleLbl name="dkBgShp">
+    <dgm:scene3d>
+      <a:camera prst="orthographicFront"/>
+      <a:lightRig rig="threePt" dir="t"/>
+    </dgm:scene3d>
+    <dgm:sp3d/>
+    <dgm:txPr/>
+    <dgm:style>
+      <a:lnRef idx="0">
+        <a:scrgbClr r="0" g="0" b="0"/>
+      </a:lnRef>
+      <a:fillRef idx="1">
+        <a:scrgbClr r="0" g="0" b="0"/>
+      </a:fillRef>
+      <a:effectRef idx="0">
+        <a:scrgbClr r="0" g="0" b="0"/>
+      </a:effectRef>
+      <a:fontRef idx="minor"/>
+    </dgm:style>
+  </dgm:styleLbl>
+  <dgm:styleLbl name="trBgShp">
+    <dgm:scene3d>
+      <a:camera prst="orthographicFront"/>
+      <a:lightRig rig="threePt" dir="t"/>
+    </dgm:scene3d>
+    <dgm:sp3d/>
+    <dgm:txPr/>
+    <dgm:style>
+      <a:lnRef idx="0">
+        <a:scrgbClr r="0" g="0" b="0"/>
+      </a:lnRef>
+      <a:fillRef idx="1">
+        <a:scrgbClr r="0" g="0" b="0"/>
+      </a:fillRef>
+      <a:effectRef idx="0">
+        <a:scrgbClr r="0" g="0" b="0"/>
+      </a:effectRef>
+      <a:fontRef idx="minor"/>
+    </dgm:style>
+  </dgm:styleLbl>
+  <dgm:styleLbl name="fgShp">
+    <dgm:scene3d>
+      <a:camera prst="orthographicFront"/>
+      <a:lightRig rig="threePt" dir="t"/>
+    </dgm:scene3d>
+    <dgm:sp3d/>
+    <dgm:txPr/>
+    <dgm:style>
+      <a:lnRef idx="2">
+        <a:scrgbClr r="0" g="0" b="0"/>
+      </a:lnRef>
+      <a:fillRef idx="1">
+        <a:scrgbClr r="0" g="0" b="0"/>
+      </a:fillRef>
+      <a:effectRef idx="0">
+        <a:scrgbClr r="0" g="0" b="0"/>
+      </a:effectRef>
+      <a:fontRef idx="minor"/>
+    </dgm:style>
+  </dgm:styleLbl>
+  <dgm:styleLbl name="revTx">
+    <dgm:scene3d>
+      <a:camera prst="orthographicFront"/>
+      <a:lightRig rig="threePt" dir="t"/>
+    </dgm:scene3d>
+    <dgm:sp3d/>
+    <dgm:txPr/>
+    <dgm:style>
+      <a:lnRef idx="0">
+        <a:scrgbClr r="0" g="0" b="0"/>
+      </a:lnRef>
+      <a:fillRef idx="0">
+        <a:scrgbClr r="0" g="0" b="0"/>
+      </a:fillRef>
+      <a:effectRef idx="0">
+        <a:scrgbClr r="0" g="0" b="0"/>
+      </a:effectRef>
+      <a:fontRef idx="minor"/>
+    </dgm:style>
+  </dgm:styleLbl>
+</dgm:styleDef>
 </file>
 
 <file path=ppt/slideLayouts/slideLayout1.xml><?xml version="1.0" encoding="utf-8"?>
@@ -3541,7 +7695,7 @@
         </p:nvSpPr>
         <p:spPr>
           <a:xfrm>
-            <a:off x="1215069" y="1251813"/>
+            <a:off x="7285363" y="459581"/>
             <a:ext cx="10515600" cy="1325563"/>
           </a:xfrm>
         </p:spPr>
@@ -3580,7 +7734,7 @@
         </p:nvSpPr>
         <p:spPr>
           <a:xfrm>
-            <a:off x="577468" y="2369361"/>
+            <a:off x="634618" y="2093774"/>
             <a:ext cx="5727853" cy="4351338"/>
           </a:xfrm>
         </p:spPr>
@@ -3655,7 +7809,7 @@
         </p:nvSpPr>
         <p:spPr>
           <a:xfrm>
-            <a:off x="6305321" y="2369361"/>
+            <a:off x="6362471" y="2093774"/>
             <a:ext cx="5727853" cy="4351338"/>
           </a:xfrm>
           <a:prstGeom prst="rect">
@@ -4056,29 +8210,50 @@
       </p:cxnSp>
       <p:sp>
         <p:nvSpPr>
-          <p:cNvPr id="8" name="Title 1">
-            <a:extLst>
-              <a:ext uri="{FF2B5EF4-FFF2-40B4-BE49-F238E27FC236}">
-                <a16:creationId xmlns:a16="http://schemas.microsoft.com/office/drawing/2014/main" id="{0236DFB6-93C8-FE49-83F2-C7CD8C0B68BB}"/>
-              </a:ext>
-            </a:extLst>
-          </p:cNvPr>
-          <p:cNvSpPr>
-            <a:spLocks noGrp="1"/>
+          <p:cNvPr id="9" name="Title 1">
+            <a:extLst>
+              <a:ext uri="{FF2B5EF4-FFF2-40B4-BE49-F238E27FC236}">
+                <a16:creationId xmlns:a16="http://schemas.microsoft.com/office/drawing/2014/main" id="{75B38CC1-3E91-ED4E-821F-97551EB2F068}"/>
+              </a:ext>
+            </a:extLst>
+          </p:cNvPr>
+          <p:cNvSpPr txBox="1">
+            <a:spLocks/>
           </p:cNvSpPr>
-          <p:nvPr>
-            <p:ph type="title"/>
-          </p:nvPr>
+          <p:nvPr/>
         </p:nvSpPr>
         <p:spPr>
           <a:xfrm>
-            <a:off x="1215069" y="1251813"/>
-            <a:ext cx="10515600" cy="1325563"/>
+            <a:off x="7087060" y="459581"/>
+            <a:ext cx="4767090" cy="1325563"/>
           </a:xfrm>
+          <a:prstGeom prst="rect">
+            <a:avLst/>
+          </a:prstGeom>
         </p:spPr>
         <p:txBody>
-          <a:bodyPr/>
-          <a:lstStyle/>
+          <a:bodyPr vert="horz" lIns="91440" tIns="45720" rIns="91440" bIns="45720" rtlCol="0" anchor="ctr">
+            <a:normAutofit/>
+          </a:bodyPr>
+          <a:lstStyle>
+            <a:lvl1pPr algn="l" defTabSz="914400" rtl="0" eaLnBrk="1" latinLnBrk="0" hangingPunct="1">
+              <a:lnSpc>
+                <a:spcPct val="90000"/>
+              </a:lnSpc>
+              <a:spcBef>
+                <a:spcPct val="0"/>
+              </a:spcBef>
+              <a:buNone/>
+              <a:defRPr sz="4400" kern="1200">
+                <a:solidFill>
+                  <a:schemeClr val="tx1"/>
+                </a:solidFill>
+                <a:latin typeface="+mj-lt"/>
+                <a:ea typeface="+mj-ea"/>
+                <a:cs typeface="+mj-cs"/>
+              </a:defRPr>
+            </a:lvl1pPr>
+          </a:lstStyle>
           <a:p>
             <a:r>
               <a:rPr lang="en-IT" b="1" dirty="0">
@@ -4090,6 +8265,396 @@
               </a:rPr>
               <a:t>Why is it important?</a:t>
             </a:r>
+          </a:p>
+        </p:txBody>
+      </p:sp>
+      <p:pic>
+        <p:nvPicPr>
+          <p:cNvPr id="12" name="Picture 11">
+            <a:extLst>
+              <a:ext uri="{FF2B5EF4-FFF2-40B4-BE49-F238E27FC236}">
+                <a16:creationId xmlns:a16="http://schemas.microsoft.com/office/drawing/2014/main" id="{69BFD59D-0665-2048-AD81-A4C1026373F2}"/>
+              </a:ext>
+            </a:extLst>
+          </p:cNvPr>
+          <p:cNvPicPr>
+            <a:picLocks noChangeAspect="1"/>
+          </p:cNvPicPr>
+          <p:nvPr/>
+        </p:nvPicPr>
+        <p:blipFill>
+          <a:blip r:embed="rId3"/>
+          <a:stretch>
+            <a:fillRect/>
+          </a:stretch>
+        </p:blipFill>
+        <p:spPr>
+          <a:xfrm>
+            <a:off x="700030" y="1783557"/>
+            <a:ext cx="4695278" cy="3118146"/>
+          </a:xfrm>
+          <a:prstGeom prst="rect">
+            <a:avLst/>
+          </a:prstGeom>
+        </p:spPr>
+      </p:pic>
+      <p:pic>
+        <p:nvPicPr>
+          <p:cNvPr id="13" name="Picture 12">
+            <a:extLst>
+              <a:ext uri="{FF2B5EF4-FFF2-40B4-BE49-F238E27FC236}">
+                <a16:creationId xmlns:a16="http://schemas.microsoft.com/office/drawing/2014/main" id="{4AC18CB4-0302-9D4E-8869-2053E56DFEB9}"/>
+              </a:ext>
+            </a:extLst>
+          </p:cNvPr>
+          <p:cNvPicPr>
+            <a:picLocks noChangeAspect="1"/>
+          </p:cNvPicPr>
+          <p:nvPr/>
+        </p:nvPicPr>
+        <p:blipFill>
+          <a:blip r:embed="rId4"/>
+          <a:stretch>
+            <a:fillRect/>
+          </a:stretch>
+        </p:blipFill>
+        <p:spPr>
+          <a:xfrm>
+            <a:off x="6450835" y="1783557"/>
+            <a:ext cx="4695278" cy="3118146"/>
+          </a:xfrm>
+          <a:prstGeom prst="rect">
+            <a:avLst/>
+          </a:prstGeom>
+        </p:spPr>
+      </p:pic>
+      <p:sp>
+        <p:nvSpPr>
+          <p:cNvPr id="14" name="TextBox 13">
+            <a:extLst>
+              <a:ext uri="{FF2B5EF4-FFF2-40B4-BE49-F238E27FC236}">
+                <a16:creationId xmlns:a16="http://schemas.microsoft.com/office/drawing/2014/main" id="{A4F6072F-41D2-3C45-B5DE-65979C0D3923}"/>
+              </a:ext>
+            </a:extLst>
+          </p:cNvPr>
+          <p:cNvSpPr txBox="1"/>
+          <p:nvPr/>
+        </p:nvSpPr>
+        <p:spPr>
+          <a:xfrm>
+            <a:off x="3523561" y="5223053"/>
+            <a:ext cx="5144877" cy="646331"/>
+          </a:xfrm>
+          <a:prstGeom prst="rect">
+            <a:avLst/>
+          </a:prstGeom>
+          <a:noFill/>
+        </p:spPr>
+        <p:txBody>
+          <a:bodyPr wrap="square" rtlCol="0">
+            <a:spAutoFit/>
+          </a:bodyPr>
+          <a:lstStyle/>
+          <a:p>
+            <a:r>
+              <a:rPr lang="en-IT" dirty="0"/>
+              <a:t>Machine learning algorithm predicts the marking rather than the melanoma</a:t>
+            </a:r>
+          </a:p>
+        </p:txBody>
+      </p:sp>
+      <p:sp>
+        <p:nvSpPr>
+          <p:cNvPr id="15" name="TextBox 14">
+            <a:extLst>
+              <a:ext uri="{FF2B5EF4-FFF2-40B4-BE49-F238E27FC236}">
+                <a16:creationId xmlns:a16="http://schemas.microsoft.com/office/drawing/2014/main" id="{561D9D34-D7B6-554B-A8FA-AA8957937833}"/>
+              </a:ext>
+            </a:extLst>
+          </p:cNvPr>
+          <p:cNvSpPr txBox="1"/>
+          <p:nvPr/>
+        </p:nvSpPr>
+        <p:spPr>
+          <a:xfrm>
+            <a:off x="385590" y="6367749"/>
+            <a:ext cx="2269475" cy="338554"/>
+          </a:xfrm>
+          <a:prstGeom prst="rect">
+            <a:avLst/>
+          </a:prstGeom>
+          <a:noFill/>
+        </p:spPr>
+        <p:txBody>
+          <a:bodyPr wrap="square" rtlCol="0">
+            <a:spAutoFit/>
+          </a:bodyPr>
+          <a:lstStyle/>
+          <a:p>
+            <a:r>
+              <a:rPr lang="en-IT" sz="1600" dirty="0"/>
+              <a:t>Winkler et al. 2019</a:t>
+            </a:r>
+          </a:p>
+        </p:txBody>
+      </p:sp>
+      <p:sp>
+        <p:nvSpPr>
+          <p:cNvPr id="16" name="Rectangle 15">
+            <a:extLst>
+              <a:ext uri="{FF2B5EF4-FFF2-40B4-BE49-F238E27FC236}">
+                <a16:creationId xmlns:a16="http://schemas.microsoft.com/office/drawing/2014/main" id="{9724A3FA-6104-A84E-B297-B2D386D792D3}"/>
+              </a:ext>
+            </a:extLst>
+          </p:cNvPr>
+          <p:cNvSpPr/>
+          <p:nvPr/>
+        </p:nvSpPr>
+        <p:spPr>
+          <a:xfrm>
+            <a:off x="7689773" y="2302525"/>
+            <a:ext cx="319490" cy="330506"/>
+          </a:xfrm>
+          <a:prstGeom prst="rect">
+            <a:avLst/>
+          </a:prstGeom>
+          <a:noFill/>
+          <a:ln w="38100">
+            <a:solidFill>
+              <a:srgbClr val="C00000"/>
+            </a:solidFill>
+          </a:ln>
+        </p:spPr>
+        <p:style>
+          <a:lnRef idx="2">
+            <a:schemeClr val="accent1">
+              <a:shade val="50000"/>
+            </a:schemeClr>
+          </a:lnRef>
+          <a:fillRef idx="1">
+            <a:schemeClr val="accent1"/>
+          </a:fillRef>
+          <a:effectRef idx="0">
+            <a:schemeClr val="accent1"/>
+          </a:effectRef>
+          <a:fontRef idx="minor">
+            <a:schemeClr val="lt1"/>
+          </a:fontRef>
+        </p:style>
+        <p:txBody>
+          <a:bodyPr rtlCol="0" anchor="ctr"/>
+          <a:lstStyle/>
+          <a:p>
+            <a:pPr algn="ctr"/>
+            <a:endParaRPr lang="en-IT"/>
+          </a:p>
+        </p:txBody>
+      </p:sp>
+      <p:sp>
+        <p:nvSpPr>
+          <p:cNvPr id="17" name="Rectangle 16">
+            <a:extLst>
+              <a:ext uri="{FF2B5EF4-FFF2-40B4-BE49-F238E27FC236}">
+                <a16:creationId xmlns:a16="http://schemas.microsoft.com/office/drawing/2014/main" id="{BEF82FD5-BD0A-4340-9E40-67102A735F8E}"/>
+              </a:ext>
+            </a:extLst>
+          </p:cNvPr>
+          <p:cNvSpPr/>
+          <p:nvPr/>
+        </p:nvSpPr>
+        <p:spPr>
+          <a:xfrm>
+            <a:off x="8282848" y="2908923"/>
+            <a:ext cx="319490" cy="330506"/>
+          </a:xfrm>
+          <a:prstGeom prst="rect">
+            <a:avLst/>
+          </a:prstGeom>
+          <a:noFill/>
+          <a:ln w="38100">
+            <a:solidFill>
+              <a:srgbClr val="C00000"/>
+            </a:solidFill>
+          </a:ln>
+        </p:spPr>
+        <p:style>
+          <a:lnRef idx="2">
+            <a:schemeClr val="accent1">
+              <a:shade val="50000"/>
+            </a:schemeClr>
+          </a:lnRef>
+          <a:fillRef idx="1">
+            <a:schemeClr val="accent1"/>
+          </a:fillRef>
+          <a:effectRef idx="0">
+            <a:schemeClr val="accent1"/>
+          </a:effectRef>
+          <a:fontRef idx="minor">
+            <a:schemeClr val="lt1"/>
+          </a:fontRef>
+        </p:style>
+        <p:txBody>
+          <a:bodyPr rtlCol="0" anchor="ctr"/>
+          <a:lstStyle/>
+          <a:p>
+            <a:pPr algn="ctr"/>
+            <a:endParaRPr lang="en-IT"/>
+          </a:p>
+        </p:txBody>
+      </p:sp>
+      <p:sp>
+        <p:nvSpPr>
+          <p:cNvPr id="18" name="Rectangle 17">
+            <a:extLst>
+              <a:ext uri="{FF2B5EF4-FFF2-40B4-BE49-F238E27FC236}">
+                <a16:creationId xmlns:a16="http://schemas.microsoft.com/office/drawing/2014/main" id="{052AFF29-9962-7A48-BD75-ECA8BB8F2C8C}"/>
+              </a:ext>
+            </a:extLst>
+          </p:cNvPr>
+          <p:cNvSpPr/>
+          <p:nvPr/>
+        </p:nvSpPr>
+        <p:spPr>
+          <a:xfrm>
+            <a:off x="10001479" y="2755059"/>
+            <a:ext cx="319490" cy="330506"/>
+          </a:xfrm>
+          <a:prstGeom prst="rect">
+            <a:avLst/>
+          </a:prstGeom>
+          <a:noFill/>
+          <a:ln w="38100">
+            <a:solidFill>
+              <a:srgbClr val="C00000"/>
+            </a:solidFill>
+          </a:ln>
+        </p:spPr>
+        <p:style>
+          <a:lnRef idx="2">
+            <a:schemeClr val="accent1">
+              <a:shade val="50000"/>
+            </a:schemeClr>
+          </a:lnRef>
+          <a:fillRef idx="1">
+            <a:schemeClr val="accent1"/>
+          </a:fillRef>
+          <a:effectRef idx="0">
+            <a:schemeClr val="accent1"/>
+          </a:effectRef>
+          <a:fontRef idx="minor">
+            <a:schemeClr val="lt1"/>
+          </a:fontRef>
+        </p:style>
+        <p:txBody>
+          <a:bodyPr rtlCol="0" anchor="ctr"/>
+          <a:lstStyle/>
+          <a:p>
+            <a:pPr algn="ctr"/>
+            <a:endParaRPr lang="en-IT"/>
+          </a:p>
+        </p:txBody>
+      </p:sp>
+      <p:sp>
+        <p:nvSpPr>
+          <p:cNvPr id="19" name="Rectangle 18">
+            <a:extLst>
+              <a:ext uri="{FF2B5EF4-FFF2-40B4-BE49-F238E27FC236}">
+                <a16:creationId xmlns:a16="http://schemas.microsoft.com/office/drawing/2014/main" id="{1018A2DC-60F7-1740-B7A2-02354DF95AB3}"/>
+              </a:ext>
+            </a:extLst>
+          </p:cNvPr>
+          <p:cNvSpPr/>
+          <p:nvPr/>
+        </p:nvSpPr>
+        <p:spPr>
+          <a:xfrm>
+            <a:off x="10515242" y="3012917"/>
+            <a:ext cx="319490" cy="330506"/>
+          </a:xfrm>
+          <a:prstGeom prst="rect">
+            <a:avLst/>
+          </a:prstGeom>
+          <a:noFill/>
+          <a:ln w="38100">
+            <a:solidFill>
+              <a:srgbClr val="C00000"/>
+            </a:solidFill>
+          </a:ln>
+        </p:spPr>
+        <p:style>
+          <a:lnRef idx="2">
+            <a:schemeClr val="accent1">
+              <a:shade val="50000"/>
+            </a:schemeClr>
+          </a:lnRef>
+          <a:fillRef idx="1">
+            <a:schemeClr val="accent1"/>
+          </a:fillRef>
+          <a:effectRef idx="0">
+            <a:schemeClr val="accent1"/>
+          </a:effectRef>
+          <a:fontRef idx="minor">
+            <a:schemeClr val="lt1"/>
+          </a:fontRef>
+        </p:style>
+        <p:txBody>
+          <a:bodyPr rtlCol="0" anchor="ctr"/>
+          <a:lstStyle/>
+          <a:p>
+            <a:pPr algn="ctr"/>
+            <a:endParaRPr lang="en-IT"/>
+          </a:p>
+        </p:txBody>
+      </p:sp>
+      <p:sp>
+        <p:nvSpPr>
+          <p:cNvPr id="20" name="Rectangle 19">
+            <a:extLst>
+              <a:ext uri="{FF2B5EF4-FFF2-40B4-BE49-F238E27FC236}">
+                <a16:creationId xmlns:a16="http://schemas.microsoft.com/office/drawing/2014/main" id="{A50797A4-8EE3-B04B-8387-DDD1DFDD84D5}"/>
+              </a:ext>
+            </a:extLst>
+          </p:cNvPr>
+          <p:cNvSpPr/>
+          <p:nvPr/>
+        </p:nvSpPr>
+        <p:spPr>
+          <a:xfrm>
+            <a:off x="10692990" y="2358361"/>
+            <a:ext cx="319490" cy="330506"/>
+          </a:xfrm>
+          <a:prstGeom prst="rect">
+            <a:avLst/>
+          </a:prstGeom>
+          <a:noFill/>
+          <a:ln w="38100">
+            <a:solidFill>
+              <a:srgbClr val="C00000"/>
+            </a:solidFill>
+          </a:ln>
+        </p:spPr>
+        <p:style>
+          <a:lnRef idx="2">
+            <a:schemeClr val="accent1">
+              <a:shade val="50000"/>
+            </a:schemeClr>
+          </a:lnRef>
+          <a:fillRef idx="1">
+            <a:schemeClr val="accent1"/>
+          </a:fillRef>
+          <a:effectRef idx="0">
+            <a:schemeClr val="accent1"/>
+          </a:effectRef>
+          <a:fontRef idx="minor">
+            <a:schemeClr val="lt1"/>
+          </a:fontRef>
+        </p:style>
+        <p:txBody>
+          <a:bodyPr rtlCol="0" anchor="ctr"/>
+          <a:lstStyle/>
+          <a:p>
+            <a:pPr algn="ctr"/>
+            <a:endParaRPr lang="en-IT"/>
           </a:p>
         </p:txBody>
       </p:sp>
@@ -4123,12 +8688,72 @@
           <a:chExt cx="0" cy="0"/>
         </a:xfrm>
       </p:grpSpPr>
+      <p:sp>
+        <p:nvSpPr>
+          <p:cNvPr id="4" name="Title 1">
+            <a:extLst>
+              <a:ext uri="{FF2B5EF4-FFF2-40B4-BE49-F238E27FC236}">
+                <a16:creationId xmlns:a16="http://schemas.microsoft.com/office/drawing/2014/main" id="{38784D2C-2E4B-8944-90E7-C9D1CA62AB81}"/>
+              </a:ext>
+            </a:extLst>
+          </p:cNvPr>
+          <p:cNvSpPr txBox="1">
+            <a:spLocks/>
+          </p:cNvSpPr>
+          <p:nvPr/>
+        </p:nvSpPr>
+        <p:spPr>
+          <a:xfrm>
+            <a:off x="7087060" y="459581"/>
+            <a:ext cx="4767090" cy="1325563"/>
+          </a:xfrm>
+          <a:prstGeom prst="rect">
+            <a:avLst/>
+          </a:prstGeom>
+        </p:spPr>
+        <p:txBody>
+          <a:bodyPr vert="horz" lIns="91440" tIns="45720" rIns="91440" bIns="45720" rtlCol="0" anchor="ctr">
+            <a:normAutofit/>
+          </a:bodyPr>
+          <a:lstStyle>
+            <a:lvl1pPr algn="l" defTabSz="914400" rtl="0" eaLnBrk="1" latinLnBrk="0" hangingPunct="1">
+              <a:lnSpc>
+                <a:spcPct val="90000"/>
+              </a:lnSpc>
+              <a:spcBef>
+                <a:spcPct val="0"/>
+              </a:spcBef>
+              <a:buNone/>
+              <a:defRPr sz="4400" kern="1200">
+                <a:solidFill>
+                  <a:schemeClr val="tx1"/>
+                </a:solidFill>
+                <a:latin typeface="+mj-lt"/>
+                <a:ea typeface="+mj-ea"/>
+                <a:cs typeface="+mj-cs"/>
+              </a:defRPr>
+            </a:lvl1pPr>
+          </a:lstStyle>
+          <a:p>
+            <a:r>
+              <a:rPr lang="en-IT" b="1" dirty="0">
+                <a:solidFill>
+                  <a:schemeClr val="accent1">
+                    <a:lumMod val="75000"/>
+                  </a:schemeClr>
+                </a:solidFill>
+              </a:rPr>
+              <a:t>Why is it important?</a:t>
+            </a:r>
+          </a:p>
+        </p:txBody>
+      </p:sp>
       <p:pic>
         <p:nvPicPr>
-          <p:cNvPr id="4" name="Picture 3">
-            <a:extLst>
-              <a:ext uri="{FF2B5EF4-FFF2-40B4-BE49-F238E27FC236}">
-                <a16:creationId xmlns:a16="http://schemas.microsoft.com/office/drawing/2014/main" id="{5BCF8E1E-0357-F2DE-0463-4F19B2389258}"/>
+          <p:cNvPr id="5" name="Picture 4">
+            <a:extLst>
+              <a:ext uri="{FF2B5EF4-FFF2-40B4-BE49-F238E27FC236}">
+                <a16:creationId xmlns:a16="http://schemas.microsoft.com/office/drawing/2014/main" id="{940B3B65-6965-ED49-AD32-0752DC3D3B65}"/>
               </a:ext>
             </a:extLst>
           </p:cNvPr>
@@ -4155,10 +8780,10 @@
       </p:pic>
       <p:sp>
         <p:nvSpPr>
-          <p:cNvPr id="5" name="TextBox 4">
-            <a:extLst>
-              <a:ext uri="{FF2B5EF4-FFF2-40B4-BE49-F238E27FC236}">
-                <a16:creationId xmlns:a16="http://schemas.microsoft.com/office/drawing/2014/main" id="{EE0869CA-E937-59FF-12C8-7EB8162BC2A9}"/>
+          <p:cNvPr id="6" name="TextBox 5">
+            <a:extLst>
+              <a:ext uri="{FF2B5EF4-FFF2-40B4-BE49-F238E27FC236}">
+                <a16:creationId xmlns:a16="http://schemas.microsoft.com/office/drawing/2014/main" id="{3336E790-6FA9-BE42-9134-29DA4700A198}"/>
               </a:ext>
             </a:extLst>
           </p:cNvPr>
@@ -4167,8 +8792,8 @@
         </p:nvSpPr>
         <p:spPr>
           <a:xfrm>
-            <a:off x="1386663" y="1748008"/>
-            <a:ext cx="5218519" cy="523220"/>
+            <a:off x="385590" y="6367749"/>
+            <a:ext cx="2269475" cy="338554"/>
           </a:xfrm>
           <a:prstGeom prst="rect">
             <a:avLst/>
@@ -4182,12 +8807,798 @@
           <a:lstStyle/>
           <a:p>
             <a:r>
-              <a:rPr lang="en-US" sz="2800" dirty="0"/>
-              <a:t>Why is data processing important?</a:t>
+              <a:rPr lang="en-IT" sz="1600" dirty="0"/>
+              <a:t>Sebastianelli et al. 2020</a:t>
             </a:r>
           </a:p>
         </p:txBody>
       </p:sp>
+      <p:cxnSp>
+        <p:nvCxnSpPr>
+          <p:cNvPr id="7" name="Straight Connector 6">
+            <a:extLst>
+              <a:ext uri="{FF2B5EF4-FFF2-40B4-BE49-F238E27FC236}">
+                <a16:creationId xmlns:a16="http://schemas.microsoft.com/office/drawing/2014/main" id="{C38F56BD-FA8E-F542-A5F0-B66E068F11CC}"/>
+              </a:ext>
+            </a:extLst>
+          </p:cNvPr>
+          <p:cNvCxnSpPr/>
+          <p:nvPr/>
+        </p:nvCxnSpPr>
+        <p:spPr>
+          <a:xfrm>
+            <a:off x="0" y="6190735"/>
+            <a:ext cx="12192000" cy="0"/>
+          </a:xfrm>
+          <a:prstGeom prst="line">
+            <a:avLst/>
+          </a:prstGeom>
+          <a:ln w="76200">
+            <a:solidFill>
+              <a:srgbClr val="002060"/>
+            </a:solidFill>
+          </a:ln>
+        </p:spPr>
+        <p:style>
+          <a:lnRef idx="3">
+            <a:schemeClr val="accent1"/>
+          </a:lnRef>
+          <a:fillRef idx="0">
+            <a:schemeClr val="accent1"/>
+          </a:fillRef>
+          <a:effectRef idx="2">
+            <a:schemeClr val="accent1"/>
+          </a:effectRef>
+          <a:fontRef idx="minor">
+            <a:schemeClr val="tx1"/>
+          </a:fontRef>
+        </p:style>
+      </p:cxnSp>
+      <p:sp>
+        <p:nvSpPr>
+          <p:cNvPr id="9" name="TextBox 8">
+            <a:extLst>
+              <a:ext uri="{FF2B5EF4-FFF2-40B4-BE49-F238E27FC236}">
+                <a16:creationId xmlns:a16="http://schemas.microsoft.com/office/drawing/2014/main" id="{6D85F49D-D2A2-E347-8A92-5C97B411FDEE}"/>
+              </a:ext>
+            </a:extLst>
+          </p:cNvPr>
+          <p:cNvSpPr txBox="1"/>
+          <p:nvPr/>
+        </p:nvSpPr>
+        <p:spPr>
+          <a:xfrm>
+            <a:off x="677536" y="1937536"/>
+            <a:ext cx="1685581" cy="646331"/>
+          </a:xfrm>
+          <a:prstGeom prst="rect">
+            <a:avLst/>
+          </a:prstGeom>
+          <a:noFill/>
+          <a:ln w="28575">
+            <a:solidFill>
+              <a:srgbClr val="002060"/>
+            </a:solidFill>
+          </a:ln>
+        </p:spPr>
+        <p:txBody>
+          <a:bodyPr wrap="square" rtlCol="0">
+            <a:spAutoFit/>
+          </a:bodyPr>
+          <a:lstStyle/>
+          <a:p>
+            <a:pPr algn="ctr"/>
+            <a:r>
+              <a:rPr lang="en-IT" dirty="0"/>
+              <a:t>Data quality cost pyramid</a:t>
+            </a:r>
+          </a:p>
+        </p:txBody>
+      </p:sp>
+      <p:grpSp>
+        <p:nvGrpSpPr>
+          <p:cNvPr id="16" name="Group 15">
+            <a:extLst>
+              <a:ext uri="{FF2B5EF4-FFF2-40B4-BE49-F238E27FC236}">
+                <a16:creationId xmlns:a16="http://schemas.microsoft.com/office/drawing/2014/main" id="{967133F9-A268-524E-AF54-F9E1B25C8CCD}"/>
+              </a:ext>
+            </a:extLst>
+          </p:cNvPr>
+          <p:cNvGrpSpPr/>
+          <p:nvPr/>
+        </p:nvGrpSpPr>
+        <p:grpSpPr>
+          <a:xfrm>
+            <a:off x="959203" y="1825301"/>
+            <a:ext cx="4482395" cy="3913314"/>
+            <a:chOff x="959203" y="1825301"/>
+            <a:chExt cx="4482395" cy="3913314"/>
+          </a:xfrm>
+        </p:grpSpPr>
+        <p:sp>
+          <p:nvSpPr>
+            <p:cNvPr id="17" name="Freeform 16">
+              <a:extLst>
+                <a:ext uri="{FF2B5EF4-FFF2-40B4-BE49-F238E27FC236}">
+                  <a16:creationId xmlns:a16="http://schemas.microsoft.com/office/drawing/2014/main" id="{E7FFDF4A-51F4-D546-B807-22619DF3B762}"/>
+                </a:ext>
+              </a:extLst>
+            </p:cNvPr>
+            <p:cNvSpPr/>
+            <p:nvPr/>
+          </p:nvSpPr>
+          <p:spPr>
+            <a:xfrm>
+              <a:off x="2453334" y="1825301"/>
+              <a:ext cx="1494131" cy="1304438"/>
+            </a:xfrm>
+            <a:custGeom>
+              <a:avLst/>
+              <a:gdLst>
+                <a:gd name="connsiteX0" fmla="*/ 0 w 1494131"/>
+                <a:gd name="connsiteY0" fmla="*/ 1304438 h 1304438"/>
+                <a:gd name="connsiteX1" fmla="*/ 747065 w 1494131"/>
+                <a:gd name="connsiteY1" fmla="*/ 0 h 1304438"/>
+                <a:gd name="connsiteX2" fmla="*/ 747066 w 1494131"/>
+                <a:gd name="connsiteY2" fmla="*/ 0 h 1304438"/>
+                <a:gd name="connsiteX3" fmla="*/ 1494131 w 1494131"/>
+                <a:gd name="connsiteY3" fmla="*/ 1304438 h 1304438"/>
+                <a:gd name="connsiteX4" fmla="*/ 0 w 1494131"/>
+                <a:gd name="connsiteY4" fmla="*/ 1304438 h 1304438"/>
+              </a:gdLst>
+              <a:ahLst/>
+              <a:cxnLst>
+                <a:cxn ang="0">
+                  <a:pos x="connsiteX0" y="connsiteY0"/>
+                </a:cxn>
+                <a:cxn ang="0">
+                  <a:pos x="connsiteX1" y="connsiteY1"/>
+                </a:cxn>
+                <a:cxn ang="0">
+                  <a:pos x="connsiteX2" y="connsiteY2"/>
+                </a:cxn>
+                <a:cxn ang="0">
+                  <a:pos x="connsiteX3" y="connsiteY3"/>
+                </a:cxn>
+                <a:cxn ang="0">
+                  <a:pos x="connsiteX4" y="connsiteY4"/>
+                </a:cxn>
+              </a:cxnLst>
+              <a:rect l="l" t="t" r="r" b="b"/>
+              <a:pathLst>
+                <a:path w="1494131" h="1304438">
+                  <a:moveTo>
+                    <a:pt x="0" y="1304438"/>
+                  </a:moveTo>
+                  <a:lnTo>
+                    <a:pt x="747065" y="0"/>
+                  </a:lnTo>
+                  <a:lnTo>
+                    <a:pt x="747066" y="0"/>
+                  </a:lnTo>
+                  <a:lnTo>
+                    <a:pt x="1494131" y="1304438"/>
+                  </a:lnTo>
+                  <a:lnTo>
+                    <a:pt x="0" y="1304438"/>
+                  </a:lnTo>
+                  <a:close/>
+                </a:path>
+              </a:pathLst>
+            </a:custGeom>
+            <a:solidFill>
+              <a:schemeClr val="accent5">
+                <a:lumMod val="60000"/>
+                <a:lumOff val="40000"/>
+              </a:schemeClr>
+            </a:solidFill>
+          </p:spPr>
+          <p:style>
+            <a:lnRef idx="2">
+              <a:schemeClr val="lt1">
+                <a:hueOff val="0"/>
+                <a:satOff val="0"/>
+                <a:lumOff val="0"/>
+                <a:alphaOff val="0"/>
+              </a:schemeClr>
+            </a:lnRef>
+            <a:fillRef idx="1">
+              <a:scrgbClr r="0" g="0" b="0"/>
+            </a:fillRef>
+            <a:effectRef idx="0">
+              <a:schemeClr val="accent2">
+                <a:hueOff val="0"/>
+                <a:satOff val="0"/>
+                <a:lumOff val="0"/>
+                <a:alphaOff val="0"/>
+              </a:schemeClr>
+            </a:effectRef>
+            <a:fontRef idx="minor">
+              <a:schemeClr val="lt1"/>
+            </a:fontRef>
+          </p:style>
+          <p:txBody>
+            <a:bodyPr spcFirstLastPara="0" vert="horz" wrap="square" lIns="31750" tIns="31750" rIns="31750" bIns="31750" numCol="1" spcCol="1270" anchor="ctr" anchorCtr="0">
+              <a:noAutofit/>
+            </a:bodyPr>
+            <a:lstStyle/>
+            <a:p>
+              <a:pPr marL="0" lvl="0" indent="0" algn="ctr" defTabSz="1111250">
+                <a:lnSpc>
+                  <a:spcPct val="90000"/>
+                </a:lnSpc>
+                <a:spcBef>
+                  <a:spcPct val="0"/>
+                </a:spcBef>
+                <a:spcAft>
+                  <a:spcPct val="35000"/>
+                </a:spcAft>
+                <a:buNone/>
+              </a:pPr>
+              <a:endParaRPr lang="en-GB" sz="2500" kern="1200" dirty="0"/>
+            </a:p>
+          </p:txBody>
+        </p:sp>
+        <p:sp>
+          <p:nvSpPr>
+            <p:cNvPr id="18" name="Freeform 17">
+              <a:extLst>
+                <a:ext uri="{FF2B5EF4-FFF2-40B4-BE49-F238E27FC236}">
+                  <a16:creationId xmlns:a16="http://schemas.microsoft.com/office/drawing/2014/main" id="{A421B366-010D-0D48-A75B-71F732617C60}"/>
+                </a:ext>
+              </a:extLst>
+            </p:cNvPr>
+            <p:cNvSpPr/>
+            <p:nvPr/>
+          </p:nvSpPr>
+          <p:spPr>
+            <a:xfrm>
+              <a:off x="1706268" y="3129739"/>
+              <a:ext cx="2988263" cy="1304438"/>
+            </a:xfrm>
+            <a:custGeom>
+              <a:avLst/>
+              <a:gdLst>
+                <a:gd name="connsiteX0" fmla="*/ 0 w 2988263"/>
+                <a:gd name="connsiteY0" fmla="*/ 1304438 h 1304438"/>
+                <a:gd name="connsiteX1" fmla="*/ 747065 w 2988263"/>
+                <a:gd name="connsiteY1" fmla="*/ 0 h 1304438"/>
+                <a:gd name="connsiteX2" fmla="*/ 2241198 w 2988263"/>
+                <a:gd name="connsiteY2" fmla="*/ 0 h 1304438"/>
+                <a:gd name="connsiteX3" fmla="*/ 2988263 w 2988263"/>
+                <a:gd name="connsiteY3" fmla="*/ 1304438 h 1304438"/>
+                <a:gd name="connsiteX4" fmla="*/ 0 w 2988263"/>
+                <a:gd name="connsiteY4" fmla="*/ 1304438 h 1304438"/>
+              </a:gdLst>
+              <a:ahLst/>
+              <a:cxnLst>
+                <a:cxn ang="0">
+                  <a:pos x="connsiteX0" y="connsiteY0"/>
+                </a:cxn>
+                <a:cxn ang="0">
+                  <a:pos x="connsiteX1" y="connsiteY1"/>
+                </a:cxn>
+                <a:cxn ang="0">
+                  <a:pos x="connsiteX2" y="connsiteY2"/>
+                </a:cxn>
+                <a:cxn ang="0">
+                  <a:pos x="connsiteX3" y="connsiteY3"/>
+                </a:cxn>
+                <a:cxn ang="0">
+                  <a:pos x="connsiteX4" y="connsiteY4"/>
+                </a:cxn>
+              </a:cxnLst>
+              <a:rect l="l" t="t" r="r" b="b"/>
+              <a:pathLst>
+                <a:path w="2988263" h="1304438">
+                  <a:moveTo>
+                    <a:pt x="0" y="1304438"/>
+                  </a:moveTo>
+                  <a:lnTo>
+                    <a:pt x="747065" y="0"/>
+                  </a:lnTo>
+                  <a:lnTo>
+                    <a:pt x="2241198" y="0"/>
+                  </a:lnTo>
+                  <a:lnTo>
+                    <a:pt x="2988263" y="1304438"/>
+                  </a:lnTo>
+                  <a:lnTo>
+                    <a:pt x="0" y="1304438"/>
+                  </a:lnTo>
+                  <a:close/>
+                </a:path>
+              </a:pathLst>
+            </a:custGeom>
+            <a:solidFill>
+              <a:schemeClr val="accent2">
+                <a:lumMod val="60000"/>
+                <a:lumOff val="40000"/>
+              </a:schemeClr>
+            </a:solidFill>
+          </p:spPr>
+          <p:style>
+            <a:lnRef idx="2">
+              <a:schemeClr val="lt1">
+                <a:hueOff val="0"/>
+                <a:satOff val="0"/>
+                <a:lumOff val="0"/>
+                <a:alphaOff val="0"/>
+              </a:schemeClr>
+            </a:lnRef>
+            <a:fillRef idx="1">
+              <a:scrgbClr r="0" g="0" b="0"/>
+            </a:fillRef>
+            <a:effectRef idx="0">
+              <a:schemeClr val="accent3">
+                <a:hueOff val="0"/>
+                <a:satOff val="0"/>
+                <a:lumOff val="0"/>
+                <a:alphaOff val="0"/>
+              </a:schemeClr>
+            </a:effectRef>
+            <a:fontRef idx="minor">
+              <a:schemeClr val="lt1"/>
+            </a:fontRef>
+          </p:style>
+          <p:txBody>
+            <a:bodyPr spcFirstLastPara="0" vert="horz" wrap="square" lIns="554696" tIns="31750" rIns="554696" bIns="31750" numCol="1" spcCol="1270" anchor="ctr" anchorCtr="0">
+              <a:noAutofit/>
+            </a:bodyPr>
+            <a:lstStyle/>
+            <a:p>
+              <a:pPr marL="0" lvl="0" indent="0" algn="ctr" defTabSz="1111250">
+                <a:lnSpc>
+                  <a:spcPct val="90000"/>
+                </a:lnSpc>
+                <a:spcBef>
+                  <a:spcPct val="0"/>
+                </a:spcBef>
+                <a:spcAft>
+                  <a:spcPct val="35000"/>
+                </a:spcAft>
+                <a:buNone/>
+              </a:pPr>
+              <a:endParaRPr lang="en-GB" sz="2500" kern="1200" dirty="0"/>
+            </a:p>
+          </p:txBody>
+        </p:sp>
+        <p:sp>
+          <p:nvSpPr>
+            <p:cNvPr id="19" name="Freeform 18">
+              <a:extLst>
+                <a:ext uri="{FF2B5EF4-FFF2-40B4-BE49-F238E27FC236}">
+                  <a16:creationId xmlns:a16="http://schemas.microsoft.com/office/drawing/2014/main" id="{05379954-54CA-1D4D-91CC-2008887B89F3}"/>
+                </a:ext>
+              </a:extLst>
+            </p:cNvPr>
+            <p:cNvSpPr/>
+            <p:nvPr/>
+          </p:nvSpPr>
+          <p:spPr>
+            <a:xfrm>
+              <a:off x="959203" y="4434177"/>
+              <a:ext cx="4482395" cy="1304438"/>
+            </a:xfrm>
+            <a:custGeom>
+              <a:avLst/>
+              <a:gdLst>
+                <a:gd name="connsiteX0" fmla="*/ 0 w 4482395"/>
+                <a:gd name="connsiteY0" fmla="*/ 1304438 h 1304438"/>
+                <a:gd name="connsiteX1" fmla="*/ 747065 w 4482395"/>
+                <a:gd name="connsiteY1" fmla="*/ 0 h 1304438"/>
+                <a:gd name="connsiteX2" fmla="*/ 3735330 w 4482395"/>
+                <a:gd name="connsiteY2" fmla="*/ 0 h 1304438"/>
+                <a:gd name="connsiteX3" fmla="*/ 4482395 w 4482395"/>
+                <a:gd name="connsiteY3" fmla="*/ 1304438 h 1304438"/>
+                <a:gd name="connsiteX4" fmla="*/ 0 w 4482395"/>
+                <a:gd name="connsiteY4" fmla="*/ 1304438 h 1304438"/>
+              </a:gdLst>
+              <a:ahLst/>
+              <a:cxnLst>
+                <a:cxn ang="0">
+                  <a:pos x="connsiteX0" y="connsiteY0"/>
+                </a:cxn>
+                <a:cxn ang="0">
+                  <a:pos x="connsiteX1" y="connsiteY1"/>
+                </a:cxn>
+                <a:cxn ang="0">
+                  <a:pos x="connsiteX2" y="connsiteY2"/>
+                </a:cxn>
+                <a:cxn ang="0">
+                  <a:pos x="connsiteX3" y="connsiteY3"/>
+                </a:cxn>
+                <a:cxn ang="0">
+                  <a:pos x="connsiteX4" y="connsiteY4"/>
+                </a:cxn>
+              </a:cxnLst>
+              <a:rect l="l" t="t" r="r" b="b"/>
+              <a:pathLst>
+                <a:path w="4482395" h="1304438">
+                  <a:moveTo>
+                    <a:pt x="0" y="1304438"/>
+                  </a:moveTo>
+                  <a:lnTo>
+                    <a:pt x="747065" y="0"/>
+                  </a:lnTo>
+                  <a:lnTo>
+                    <a:pt x="3735330" y="0"/>
+                  </a:lnTo>
+                  <a:lnTo>
+                    <a:pt x="4482395" y="1304438"/>
+                  </a:lnTo>
+                  <a:lnTo>
+                    <a:pt x="0" y="1304438"/>
+                  </a:lnTo>
+                  <a:close/>
+                </a:path>
+              </a:pathLst>
+            </a:custGeom>
+            <a:solidFill>
+              <a:schemeClr val="accent6">
+                <a:lumMod val="60000"/>
+                <a:lumOff val="40000"/>
+              </a:schemeClr>
+            </a:solidFill>
+          </p:spPr>
+          <p:style>
+            <a:lnRef idx="2">
+              <a:schemeClr val="lt1">
+                <a:hueOff val="0"/>
+                <a:satOff val="0"/>
+                <a:lumOff val="0"/>
+                <a:alphaOff val="0"/>
+              </a:schemeClr>
+            </a:lnRef>
+            <a:fillRef idx="1">
+              <a:scrgbClr r="0" g="0" b="0"/>
+            </a:fillRef>
+            <a:effectRef idx="0">
+              <a:schemeClr val="accent4">
+                <a:hueOff val="0"/>
+                <a:satOff val="0"/>
+                <a:lumOff val="0"/>
+                <a:alphaOff val="0"/>
+              </a:schemeClr>
+            </a:effectRef>
+            <a:fontRef idx="minor">
+              <a:schemeClr val="lt1"/>
+            </a:fontRef>
+          </p:style>
+          <p:txBody>
+            <a:bodyPr spcFirstLastPara="0" vert="horz" wrap="square" lIns="816169" tIns="31750" rIns="816170" bIns="31750" numCol="1" spcCol="1270" anchor="ctr" anchorCtr="0">
+              <a:noAutofit/>
+            </a:bodyPr>
+            <a:lstStyle/>
+            <a:p>
+              <a:pPr marL="0" lvl="0" indent="0" algn="ctr" defTabSz="1111250">
+                <a:lnSpc>
+                  <a:spcPct val="90000"/>
+                </a:lnSpc>
+                <a:spcBef>
+                  <a:spcPct val="0"/>
+                </a:spcBef>
+                <a:spcAft>
+                  <a:spcPct val="35000"/>
+                </a:spcAft>
+                <a:buNone/>
+              </a:pPr>
+              <a:endParaRPr lang="en-GB" sz="2500" kern="1200" dirty="0"/>
+            </a:p>
+          </p:txBody>
+        </p:sp>
+      </p:grpSp>
+      <p:sp>
+        <p:nvSpPr>
+          <p:cNvPr id="20" name="TextBox 19">
+            <a:extLst>
+              <a:ext uri="{FF2B5EF4-FFF2-40B4-BE49-F238E27FC236}">
+                <a16:creationId xmlns:a16="http://schemas.microsoft.com/office/drawing/2014/main" id="{574031EC-3DE3-444E-826E-36FE2DFBD3EF}"/>
+              </a:ext>
+            </a:extLst>
+          </p:cNvPr>
+          <p:cNvSpPr txBox="1"/>
+          <p:nvPr/>
+        </p:nvSpPr>
+        <p:spPr>
+          <a:xfrm>
+            <a:off x="2002306" y="2389656"/>
+            <a:ext cx="2396185" cy="646331"/>
+          </a:xfrm>
+          <a:prstGeom prst="rect">
+            <a:avLst/>
+          </a:prstGeom>
+          <a:noFill/>
+        </p:spPr>
+        <p:txBody>
+          <a:bodyPr wrap="square" rtlCol="0">
+            <a:spAutoFit/>
+          </a:bodyPr>
+          <a:lstStyle/>
+          <a:p>
+            <a:pPr algn="ctr"/>
+            <a:r>
+              <a:rPr lang="en-IT" dirty="0"/>
+              <a:t>1 </a:t>
+            </a:r>
+          </a:p>
+          <a:p>
+            <a:pPr algn="ctr"/>
+            <a:r>
+              <a:rPr lang="en-IT" dirty="0"/>
+              <a:t>Prevention</a:t>
+            </a:r>
+          </a:p>
+        </p:txBody>
+      </p:sp>
+      <p:sp>
+        <p:nvSpPr>
+          <p:cNvPr id="21" name="TextBox 20">
+            <a:extLst>
+              <a:ext uri="{FF2B5EF4-FFF2-40B4-BE49-F238E27FC236}">
+                <a16:creationId xmlns:a16="http://schemas.microsoft.com/office/drawing/2014/main" id="{B704DD6F-F137-0B4E-BADC-F0AB1B5F0834}"/>
+              </a:ext>
+            </a:extLst>
+          </p:cNvPr>
+          <p:cNvSpPr txBox="1"/>
+          <p:nvPr/>
+        </p:nvSpPr>
+        <p:spPr>
+          <a:xfrm>
+            <a:off x="2002306" y="3657472"/>
+            <a:ext cx="2396185" cy="369332"/>
+          </a:xfrm>
+          <a:prstGeom prst="rect">
+            <a:avLst/>
+          </a:prstGeom>
+          <a:noFill/>
+        </p:spPr>
+        <p:txBody>
+          <a:bodyPr wrap="square" rtlCol="0">
+            <a:spAutoFit/>
+          </a:bodyPr>
+          <a:lstStyle/>
+          <a:p>
+            <a:pPr algn="ctr"/>
+            <a:r>
+              <a:rPr lang="en-IT" dirty="0"/>
+              <a:t>x10 Data cleaning</a:t>
+            </a:r>
+          </a:p>
+        </p:txBody>
+      </p:sp>
+      <p:sp>
+        <p:nvSpPr>
+          <p:cNvPr id="22" name="TextBox 21">
+            <a:extLst>
+              <a:ext uri="{FF2B5EF4-FFF2-40B4-BE49-F238E27FC236}">
+                <a16:creationId xmlns:a16="http://schemas.microsoft.com/office/drawing/2014/main" id="{6E265628-F911-E04C-A84F-2C939B0F3C8A}"/>
+              </a:ext>
+            </a:extLst>
+          </p:cNvPr>
+          <p:cNvSpPr txBox="1"/>
+          <p:nvPr/>
+        </p:nvSpPr>
+        <p:spPr>
+          <a:xfrm>
+            <a:off x="2002306" y="4903700"/>
+            <a:ext cx="2396185" cy="369332"/>
+          </a:xfrm>
+          <a:prstGeom prst="rect">
+            <a:avLst/>
+          </a:prstGeom>
+          <a:noFill/>
+        </p:spPr>
+        <p:txBody>
+          <a:bodyPr wrap="square" rtlCol="0">
+            <a:spAutoFit/>
+          </a:bodyPr>
+          <a:lstStyle/>
+          <a:p>
+            <a:pPr algn="ctr"/>
+            <a:r>
+              <a:rPr lang="en-IT" dirty="0"/>
+              <a:t>x100 Problem fixing</a:t>
+            </a:r>
+          </a:p>
+        </p:txBody>
+      </p:sp>
+      <p:pic>
+        <p:nvPicPr>
+          <p:cNvPr id="24" name="Picture 23" descr="Chart&#10;&#10;Description automatically generated">
+            <a:extLst>
+              <a:ext uri="{FF2B5EF4-FFF2-40B4-BE49-F238E27FC236}">
+                <a16:creationId xmlns:a16="http://schemas.microsoft.com/office/drawing/2014/main" id="{8179CC50-92CC-F543-9730-398D597FAA4C}"/>
+              </a:ext>
+            </a:extLst>
+          </p:cNvPr>
+          <p:cNvPicPr>
+            <a:picLocks noChangeAspect="1"/>
+          </p:cNvPicPr>
+          <p:nvPr/>
+        </p:nvPicPr>
+        <p:blipFill>
+          <a:blip r:embed="rId3"/>
+          <a:stretch>
+            <a:fillRect/>
+          </a:stretch>
+        </p:blipFill>
+        <p:spPr>
+          <a:xfrm>
+            <a:off x="6766368" y="1652705"/>
+            <a:ext cx="4617912" cy="4617912"/>
+          </a:xfrm>
+          <a:prstGeom prst="rect">
+            <a:avLst/>
+          </a:prstGeom>
+        </p:spPr>
+      </p:pic>
+      <p:sp>
+        <p:nvSpPr>
+          <p:cNvPr id="25" name="Right Arrow 24">
+            <a:extLst>
+              <a:ext uri="{FF2B5EF4-FFF2-40B4-BE49-F238E27FC236}">
+                <a16:creationId xmlns:a16="http://schemas.microsoft.com/office/drawing/2014/main" id="{FE4BADFE-B29F-2F41-8D4B-8CC4337EC9B9}"/>
+              </a:ext>
+            </a:extLst>
+          </p:cNvPr>
+          <p:cNvSpPr/>
+          <p:nvPr/>
+        </p:nvSpPr>
+        <p:spPr>
+          <a:xfrm>
+            <a:off x="5278830" y="2393444"/>
+            <a:ext cx="1108710" cy="646331"/>
+          </a:xfrm>
+          <a:prstGeom prst="rightArrow">
+            <a:avLst/>
+          </a:prstGeom>
+          <a:solidFill>
+            <a:srgbClr val="002060"/>
+          </a:solidFill>
+          <a:ln>
+            <a:solidFill>
+              <a:srgbClr val="002060"/>
+            </a:solidFill>
+          </a:ln>
+        </p:spPr>
+        <p:style>
+          <a:lnRef idx="2">
+            <a:schemeClr val="accent1">
+              <a:shade val="50000"/>
+            </a:schemeClr>
+          </a:lnRef>
+          <a:fillRef idx="1">
+            <a:schemeClr val="accent1"/>
+          </a:fillRef>
+          <a:effectRef idx="0">
+            <a:schemeClr val="accent1"/>
+          </a:effectRef>
+          <a:fontRef idx="minor">
+            <a:schemeClr val="lt1"/>
+          </a:fontRef>
+        </p:style>
+        <p:txBody>
+          <a:bodyPr rtlCol="0" anchor="ctr"/>
+          <a:lstStyle/>
+          <a:p>
+            <a:pPr algn="ctr"/>
+            <a:endParaRPr lang="en-IT"/>
+          </a:p>
+        </p:txBody>
+      </p:sp>
+      <p:sp>
+        <p:nvSpPr>
+          <p:cNvPr id="26" name="Rectangle 25">
+            <a:extLst>
+              <a:ext uri="{FF2B5EF4-FFF2-40B4-BE49-F238E27FC236}">
+                <a16:creationId xmlns:a16="http://schemas.microsoft.com/office/drawing/2014/main" id="{A5A11EA2-EBEE-1941-BA5B-E4E47300CCFD}"/>
+              </a:ext>
+            </a:extLst>
+          </p:cNvPr>
+          <p:cNvSpPr/>
+          <p:nvPr/>
+        </p:nvSpPr>
+        <p:spPr>
+          <a:xfrm>
+            <a:off x="6766368" y="5657857"/>
+            <a:ext cx="1463232" cy="308604"/>
+          </a:xfrm>
+          <a:prstGeom prst="rect">
+            <a:avLst/>
+          </a:prstGeom>
+          <a:noFill/>
+          <a:ln w="28575">
+            <a:solidFill>
+              <a:srgbClr val="C00000"/>
+            </a:solidFill>
+          </a:ln>
+        </p:spPr>
+        <p:style>
+          <a:lnRef idx="2">
+            <a:schemeClr val="accent1">
+              <a:shade val="50000"/>
+            </a:schemeClr>
+          </a:lnRef>
+          <a:fillRef idx="1">
+            <a:schemeClr val="accent1"/>
+          </a:fillRef>
+          <a:effectRef idx="0">
+            <a:schemeClr val="accent1"/>
+          </a:effectRef>
+          <a:fontRef idx="minor">
+            <a:schemeClr val="lt1"/>
+          </a:fontRef>
+        </p:style>
+        <p:txBody>
+          <a:bodyPr rtlCol="0" anchor="ctr"/>
+          <a:lstStyle/>
+          <a:p>
+            <a:pPr algn="ctr"/>
+            <a:endParaRPr lang="en-IT"/>
+          </a:p>
+        </p:txBody>
+      </p:sp>
+    </p:spTree>
+    <p:extLst>
+      <p:ext uri="{BB962C8B-B14F-4D97-AF65-F5344CB8AC3E}">
+        <p14:creationId xmlns:p14="http://schemas.microsoft.com/office/powerpoint/2010/main" val="1081547595"/>
+      </p:ext>
+    </p:extLst>
+  </p:cSld>
+  <p:clrMapOvr>
+    <a:masterClrMapping/>
+  </p:clrMapOvr>
+</p:sld>
+</file>
+
+<file path=ppt/slides/slide5.xml><?xml version="1.0" encoding="utf-8"?>
+<p:sld xmlns:a="http://schemas.openxmlformats.org/drawingml/2006/main" xmlns:r="http://schemas.openxmlformats.org/officeDocument/2006/relationships" xmlns:p="http://schemas.openxmlformats.org/presentationml/2006/main">
+  <p:cSld>
+    <p:spTree>
+      <p:nvGrpSpPr>
+        <p:cNvPr id="1" name=""/>
+        <p:cNvGrpSpPr/>
+        <p:nvPr/>
+      </p:nvGrpSpPr>
+      <p:grpSpPr>
+        <a:xfrm>
+          <a:off x="0" y="0"/>
+          <a:ext cx="0" cy="0"/>
+          <a:chOff x="0" y="0"/>
+          <a:chExt cx="0" cy="0"/>
+        </a:xfrm>
+      </p:grpSpPr>
+      <p:pic>
+        <p:nvPicPr>
+          <p:cNvPr id="4" name="Picture 3">
+            <a:extLst>
+              <a:ext uri="{FF2B5EF4-FFF2-40B4-BE49-F238E27FC236}">
+                <a16:creationId xmlns:a16="http://schemas.microsoft.com/office/drawing/2014/main" id="{5BCF8E1E-0357-F2DE-0463-4F19B2389258}"/>
+              </a:ext>
+            </a:extLst>
+          </p:cNvPr>
+          <p:cNvPicPr>
+            <a:picLocks noChangeAspect="1"/>
+          </p:cNvPicPr>
+          <p:nvPr/>
+        </p:nvPicPr>
+        <p:blipFill>
+          <a:blip r:embed="rId2"/>
+          <a:stretch>
+            <a:fillRect/>
+          </a:stretch>
+        </p:blipFill>
+        <p:spPr>
+          <a:xfrm>
+            <a:off x="504396" y="412888"/>
+            <a:ext cx="2696005" cy="709475"/>
+          </a:xfrm>
+          <a:prstGeom prst="rect">
+            <a:avLst/>
+          </a:prstGeom>
+        </p:spPr>
+      </p:pic>
       <p:cxnSp>
         <p:nvCxnSpPr>
           <p:cNvPr id="6" name="Straight Connector 5">
@@ -4243,8 +9654,100 @@
         </p:nvSpPr>
         <p:spPr>
           <a:xfrm>
-            <a:off x="1852398" y="2434728"/>
+            <a:off x="1499858" y="2158783"/>
             <a:ext cx="3051672" cy="523220"/>
+          </a:xfrm>
+          <a:prstGeom prst="rect">
+            <a:avLst/>
+          </a:prstGeom>
+          <a:noFill/>
+          <a:ln w="38100">
+            <a:solidFill>
+              <a:schemeClr val="accent1"/>
+            </a:solidFill>
+          </a:ln>
+        </p:spPr>
+        <p:txBody>
+          <a:bodyPr wrap="square" rtlCol="0">
+            <a:spAutoFit/>
+          </a:bodyPr>
+          <a:lstStyle/>
+          <a:p>
+            <a:r>
+              <a:rPr lang="en-IT" sz="2800" dirty="0">
+                <a:ln w="0"/>
+                <a:solidFill>
+                  <a:schemeClr val="accent1"/>
+                </a:solidFill>
+                <a:effectLst>
+                  <a:outerShdw blurRad="38100" dist="25400" dir="5400000" algn="ctr" rotWithShape="0">
+                    <a:srgbClr val="6E747A">
+                      <a:alpha val="43000"/>
+                    </a:srgbClr>
+                  </a:outerShdw>
+                </a:effectLst>
+              </a:rPr>
+              <a:t>DATA CLEANING </a:t>
+            </a:r>
+          </a:p>
+        </p:txBody>
+      </p:sp>
+      <p:sp>
+        <p:nvSpPr>
+          <p:cNvPr id="8" name="TextBox 7">
+            <a:extLst>
+              <a:ext uri="{FF2B5EF4-FFF2-40B4-BE49-F238E27FC236}">
+                <a16:creationId xmlns:a16="http://schemas.microsoft.com/office/drawing/2014/main" id="{F9894C6C-53CF-7646-8E50-94AABB858056}"/>
+              </a:ext>
+            </a:extLst>
+          </p:cNvPr>
+          <p:cNvSpPr txBox="1"/>
+          <p:nvPr/>
+        </p:nvSpPr>
+        <p:spPr>
+          <a:xfrm>
+            <a:off x="7287930" y="2158783"/>
+            <a:ext cx="3051672" cy="461665"/>
+          </a:xfrm>
+          <a:prstGeom prst="rect">
+            <a:avLst/>
+          </a:prstGeom>
+          <a:noFill/>
+          <a:ln w="38100">
+            <a:solidFill>
+              <a:schemeClr val="accent1"/>
+            </a:solidFill>
+          </a:ln>
+        </p:spPr>
+        <p:txBody>
+          <a:bodyPr wrap="square" rtlCol="0">
+            <a:spAutoFit/>
+          </a:bodyPr>
+          <a:lstStyle/>
+          <a:p>
+            <a:r>
+              <a:rPr lang="en-IT" sz="2400" dirty="0"/>
+              <a:t>DATA PROCESSING</a:t>
+            </a:r>
+          </a:p>
+        </p:txBody>
+      </p:sp>
+      <p:sp>
+        <p:nvSpPr>
+          <p:cNvPr id="2" name="TextBox 1">
+            <a:extLst>
+              <a:ext uri="{FF2B5EF4-FFF2-40B4-BE49-F238E27FC236}">
+                <a16:creationId xmlns:a16="http://schemas.microsoft.com/office/drawing/2014/main" id="{CE23F395-6A0F-C44A-82B9-C3AE4C35101C}"/>
+              </a:ext>
+            </a:extLst>
+          </p:cNvPr>
+          <p:cNvSpPr txBox="1"/>
+          <p:nvPr/>
+        </p:nvSpPr>
+        <p:spPr>
+          <a:xfrm>
+            <a:off x="504396" y="3394939"/>
+            <a:ext cx="4849802" cy="369332"/>
           </a:xfrm>
           <a:prstGeom prst="rect">
             <a:avLst/>
@@ -4258,18 +9761,18 @@
           <a:lstStyle/>
           <a:p>
             <a:r>
-              <a:rPr lang="en-IT" sz="2800" dirty="0"/>
-              <a:t>DATA CLEANING </a:t>
+              <a:rPr lang="en-IT" dirty="0"/>
+              <a:t>“</a:t>
             </a:r>
           </a:p>
         </p:txBody>
       </p:sp>
       <p:sp>
         <p:nvSpPr>
-          <p:cNvPr id="8" name="TextBox 7">
-            <a:extLst>
-              <a:ext uri="{FF2B5EF4-FFF2-40B4-BE49-F238E27FC236}">
-                <a16:creationId xmlns:a16="http://schemas.microsoft.com/office/drawing/2014/main" id="{F9894C6C-53CF-7646-8E50-94AABB858056}"/>
+          <p:cNvPr id="3" name="TextBox 2">
+            <a:extLst>
+              <a:ext uri="{FF2B5EF4-FFF2-40B4-BE49-F238E27FC236}">
+                <a16:creationId xmlns:a16="http://schemas.microsoft.com/office/drawing/2014/main" id="{7DB53F1F-5AF0-E144-8017-8E0AF9D8154A}"/>
               </a:ext>
             </a:extLst>
           </p:cNvPr>
@@ -4278,8 +9781,8 @@
         </p:nvSpPr>
         <p:spPr>
           <a:xfrm>
-            <a:off x="7776073" y="2465505"/>
-            <a:ext cx="3051672" cy="461665"/>
+            <a:off x="5757154" y="2158783"/>
+            <a:ext cx="1062100" cy="369332"/>
           </a:xfrm>
           <a:prstGeom prst="rect">
             <a:avLst/>
@@ -4293,8 +9796,8 @@
           <a:lstStyle/>
           <a:p>
             <a:r>
-              <a:rPr lang="en-IT" sz="2400" dirty="0"/>
-              <a:t>DATA PROCESSING</a:t>
+              <a:rPr lang="en-IT" dirty="0"/>
+              <a:t>VS</a:t>
             </a:r>
           </a:p>
         </p:txBody>
@@ -4303,6 +9806,507 @@
     <p:extLst>
       <p:ext uri="{BB962C8B-B14F-4D97-AF65-F5344CB8AC3E}">
         <p14:creationId xmlns:p14="http://schemas.microsoft.com/office/powerpoint/2010/main" val="3226824091"/>
+      </p:ext>
+    </p:extLst>
+  </p:cSld>
+  <p:clrMapOvr>
+    <a:masterClrMapping/>
+  </p:clrMapOvr>
+</p:sld>
+</file>
+
+<file path=ppt/slides/slide6.xml><?xml version="1.0" encoding="utf-8"?>
+<p:sld xmlns:a="http://schemas.openxmlformats.org/drawingml/2006/main" xmlns:r="http://schemas.openxmlformats.org/officeDocument/2006/relationships" xmlns:p="http://schemas.openxmlformats.org/presentationml/2006/main">
+  <p:cSld>
+    <p:spTree>
+      <p:nvGrpSpPr>
+        <p:cNvPr id="1" name=""/>
+        <p:cNvGrpSpPr/>
+        <p:nvPr/>
+      </p:nvGrpSpPr>
+      <p:grpSpPr>
+        <a:xfrm>
+          <a:off x="0" y="0"/>
+          <a:ext cx="0" cy="0"/>
+          <a:chOff x="0" y="0"/>
+          <a:chExt cx="0" cy="0"/>
+        </a:xfrm>
+      </p:grpSpPr>
+      <p:sp>
+        <p:nvSpPr>
+          <p:cNvPr id="4" name="TextBox 3">
+            <a:extLst>
+              <a:ext uri="{FF2B5EF4-FFF2-40B4-BE49-F238E27FC236}">
+                <a16:creationId xmlns:a16="http://schemas.microsoft.com/office/drawing/2014/main" id="{3C1F4423-32BE-9243-AFC5-F09BEDC3BA0E}"/>
+              </a:ext>
+            </a:extLst>
+          </p:cNvPr>
+          <p:cNvSpPr txBox="1"/>
+          <p:nvPr/>
+        </p:nvSpPr>
+        <p:spPr>
+          <a:xfrm>
+            <a:off x="1499858" y="2158783"/>
+            <a:ext cx="3051672" cy="523220"/>
+          </a:xfrm>
+          <a:prstGeom prst="rect">
+            <a:avLst/>
+          </a:prstGeom>
+          <a:noFill/>
+          <a:ln w="38100">
+            <a:solidFill>
+              <a:schemeClr val="accent1"/>
+            </a:solidFill>
+          </a:ln>
+        </p:spPr>
+        <p:txBody>
+          <a:bodyPr wrap="square" rtlCol="0">
+            <a:spAutoFit/>
+          </a:bodyPr>
+          <a:lstStyle/>
+          <a:p>
+            <a:r>
+              <a:rPr lang="en-IT" sz="2800" dirty="0">
+                <a:ln w="0"/>
+                <a:solidFill>
+                  <a:schemeClr val="accent1"/>
+                </a:solidFill>
+                <a:effectLst>
+                  <a:outerShdw blurRad="38100" dist="25400" dir="5400000" algn="ctr" rotWithShape="0">
+                    <a:srgbClr val="6E747A">
+                      <a:alpha val="43000"/>
+                    </a:srgbClr>
+                  </a:outerShdw>
+                </a:effectLst>
+              </a:rPr>
+              <a:t>DATA CLEANING </a:t>
+            </a:r>
+          </a:p>
+        </p:txBody>
+      </p:sp>
+      <p:sp>
+        <p:nvSpPr>
+          <p:cNvPr id="5" name="TextBox 4">
+            <a:extLst>
+              <a:ext uri="{FF2B5EF4-FFF2-40B4-BE49-F238E27FC236}">
+                <a16:creationId xmlns:a16="http://schemas.microsoft.com/office/drawing/2014/main" id="{4F08A691-9912-444D-8328-A8D917B3EA81}"/>
+              </a:ext>
+            </a:extLst>
+          </p:cNvPr>
+          <p:cNvSpPr txBox="1"/>
+          <p:nvPr/>
+        </p:nvSpPr>
+        <p:spPr>
+          <a:xfrm>
+            <a:off x="10332720" y="760577"/>
+            <a:ext cx="2820318" cy="369332"/>
+          </a:xfrm>
+          <a:prstGeom prst="rect">
+            <a:avLst/>
+          </a:prstGeom>
+          <a:noFill/>
+        </p:spPr>
+        <p:txBody>
+          <a:bodyPr wrap="square" rtlCol="0">
+            <a:spAutoFit/>
+          </a:bodyPr>
+          <a:lstStyle/>
+          <a:p>
+            <a:r>
+              <a:rPr lang="en-IT" dirty="0"/>
+              <a:t>Removal of irrelevant data</a:t>
+            </a:r>
+          </a:p>
+        </p:txBody>
+      </p:sp>
+      <p:sp>
+        <p:nvSpPr>
+          <p:cNvPr id="6" name="TextBox 5">
+            <a:extLst>
+              <a:ext uri="{FF2B5EF4-FFF2-40B4-BE49-F238E27FC236}">
+                <a16:creationId xmlns:a16="http://schemas.microsoft.com/office/drawing/2014/main" id="{036F7D7D-CCBA-A744-9CF0-8771D7648261}"/>
+              </a:ext>
+            </a:extLst>
+          </p:cNvPr>
+          <p:cNvSpPr txBox="1"/>
+          <p:nvPr/>
+        </p:nvSpPr>
+        <p:spPr>
+          <a:xfrm>
+            <a:off x="10332720" y="1430770"/>
+            <a:ext cx="2820318" cy="369332"/>
+          </a:xfrm>
+          <a:prstGeom prst="rect">
+            <a:avLst/>
+          </a:prstGeom>
+          <a:noFill/>
+        </p:spPr>
+        <p:txBody>
+          <a:bodyPr wrap="square" rtlCol="0">
+            <a:spAutoFit/>
+          </a:bodyPr>
+          <a:lstStyle/>
+          <a:p>
+            <a:r>
+              <a:rPr lang="en-IT" dirty="0"/>
+              <a:t>Duplicated data</a:t>
+            </a:r>
+          </a:p>
+        </p:txBody>
+      </p:sp>
+      <p:sp>
+        <p:nvSpPr>
+          <p:cNvPr id="7" name="TextBox 6">
+            <a:extLst>
+              <a:ext uri="{FF2B5EF4-FFF2-40B4-BE49-F238E27FC236}">
+                <a16:creationId xmlns:a16="http://schemas.microsoft.com/office/drawing/2014/main" id="{D6A98C8D-6B30-6146-B533-DF51649D8397}"/>
+              </a:ext>
+            </a:extLst>
+          </p:cNvPr>
+          <p:cNvSpPr txBox="1"/>
+          <p:nvPr/>
+        </p:nvSpPr>
+        <p:spPr>
+          <a:xfrm>
+            <a:off x="10332719" y="2170213"/>
+            <a:ext cx="3492347" cy="369332"/>
+          </a:xfrm>
+          <a:prstGeom prst="rect">
+            <a:avLst/>
+          </a:prstGeom>
+          <a:noFill/>
+        </p:spPr>
+        <p:txBody>
+          <a:bodyPr wrap="square" rtlCol="0">
+            <a:spAutoFit/>
+          </a:bodyPr>
+          <a:lstStyle/>
+          <a:p>
+            <a:r>
+              <a:rPr lang="en-IT" dirty="0"/>
+              <a:t>Data type</a:t>
+            </a:r>
+          </a:p>
+        </p:txBody>
+      </p:sp>
+      <p:sp>
+        <p:nvSpPr>
+          <p:cNvPr id="8" name="TextBox 7">
+            <a:extLst>
+              <a:ext uri="{FF2B5EF4-FFF2-40B4-BE49-F238E27FC236}">
+                <a16:creationId xmlns:a16="http://schemas.microsoft.com/office/drawing/2014/main" id="{49FBBABE-A91E-CC46-A62D-AF162FA30524}"/>
+              </a:ext>
+            </a:extLst>
+          </p:cNvPr>
+          <p:cNvSpPr txBox="1"/>
+          <p:nvPr/>
+        </p:nvSpPr>
+        <p:spPr>
+          <a:xfrm>
+            <a:off x="10332720" y="2909656"/>
+            <a:ext cx="2820318" cy="369332"/>
+          </a:xfrm>
+          <a:prstGeom prst="rect">
+            <a:avLst/>
+          </a:prstGeom>
+          <a:noFill/>
+        </p:spPr>
+        <p:txBody>
+          <a:bodyPr wrap="square" rtlCol="0">
+            <a:spAutoFit/>
+          </a:bodyPr>
+          <a:lstStyle/>
+          <a:p>
+            <a:r>
+              <a:rPr lang="en-IT" dirty="0"/>
+              <a:t>Missing data</a:t>
+            </a:r>
+          </a:p>
+        </p:txBody>
+      </p:sp>
+      <p:sp>
+        <p:nvSpPr>
+          <p:cNvPr id="9" name="TextBox 8">
+            <a:extLst>
+              <a:ext uri="{FF2B5EF4-FFF2-40B4-BE49-F238E27FC236}">
+                <a16:creationId xmlns:a16="http://schemas.microsoft.com/office/drawing/2014/main" id="{8D0E5155-3EE0-B74F-BA34-721DF5F7074F}"/>
+              </a:ext>
+            </a:extLst>
+          </p:cNvPr>
+          <p:cNvSpPr txBox="1"/>
+          <p:nvPr/>
+        </p:nvSpPr>
+        <p:spPr>
+          <a:xfrm>
+            <a:off x="10332720" y="3649099"/>
+            <a:ext cx="2820318" cy="369332"/>
+          </a:xfrm>
+          <a:prstGeom prst="rect">
+            <a:avLst/>
+          </a:prstGeom>
+          <a:noFill/>
+        </p:spPr>
+        <p:txBody>
+          <a:bodyPr wrap="square" rtlCol="0">
+            <a:spAutoFit/>
+          </a:bodyPr>
+          <a:lstStyle/>
+          <a:p>
+            <a:r>
+              <a:rPr lang="en-IT" dirty="0"/>
+              <a:t>Outliers</a:t>
+            </a:r>
+          </a:p>
+        </p:txBody>
+      </p:sp>
+      <p:sp>
+        <p:nvSpPr>
+          <p:cNvPr id="10" name="TextBox 9">
+            <a:extLst>
+              <a:ext uri="{FF2B5EF4-FFF2-40B4-BE49-F238E27FC236}">
+                <a16:creationId xmlns:a16="http://schemas.microsoft.com/office/drawing/2014/main" id="{F10C8064-B9C6-B448-8550-0ED8D00082F6}"/>
+              </a:ext>
+            </a:extLst>
+          </p:cNvPr>
+          <p:cNvSpPr txBox="1"/>
+          <p:nvPr/>
+        </p:nvSpPr>
+        <p:spPr>
+          <a:xfrm>
+            <a:off x="10332720" y="4341316"/>
+            <a:ext cx="2820318" cy="369332"/>
+          </a:xfrm>
+          <a:prstGeom prst="rect">
+            <a:avLst/>
+          </a:prstGeom>
+          <a:noFill/>
+        </p:spPr>
+        <p:txBody>
+          <a:bodyPr wrap="square" rtlCol="0">
+            <a:spAutoFit/>
+          </a:bodyPr>
+          <a:lstStyle/>
+          <a:p>
+            <a:r>
+              <a:rPr lang="en-IT" dirty="0"/>
+              <a:t>Data Normalization</a:t>
+            </a:r>
+          </a:p>
+        </p:txBody>
+      </p:sp>
+      <p:sp>
+        <p:nvSpPr>
+          <p:cNvPr id="11" name="TextBox 10">
+            <a:extLst>
+              <a:ext uri="{FF2B5EF4-FFF2-40B4-BE49-F238E27FC236}">
+                <a16:creationId xmlns:a16="http://schemas.microsoft.com/office/drawing/2014/main" id="{4A448F5E-6ACC-A84E-A602-FCBDF24F41B4}"/>
+              </a:ext>
+            </a:extLst>
+          </p:cNvPr>
+          <p:cNvSpPr txBox="1"/>
+          <p:nvPr/>
+        </p:nvSpPr>
+        <p:spPr>
+          <a:xfrm>
+            <a:off x="10332720" y="5033533"/>
+            <a:ext cx="2820318" cy="369332"/>
+          </a:xfrm>
+          <a:prstGeom prst="rect">
+            <a:avLst/>
+          </a:prstGeom>
+          <a:noFill/>
+        </p:spPr>
+        <p:txBody>
+          <a:bodyPr wrap="square" rtlCol="0">
+            <a:spAutoFit/>
+          </a:bodyPr>
+          <a:lstStyle/>
+          <a:p>
+            <a:r>
+              <a:rPr lang="en-IT" dirty="0"/>
+              <a:t>Data Standardizatio </a:t>
+            </a:r>
+          </a:p>
+        </p:txBody>
+      </p:sp>
+      <p:cxnSp>
+        <p:nvCxnSpPr>
+          <p:cNvPr id="12" name="Straight Connector 11">
+            <a:extLst>
+              <a:ext uri="{FF2B5EF4-FFF2-40B4-BE49-F238E27FC236}">
+                <a16:creationId xmlns:a16="http://schemas.microsoft.com/office/drawing/2014/main" id="{5DC277E7-FFD6-AD4E-8055-9DC92D7DD094}"/>
+              </a:ext>
+            </a:extLst>
+          </p:cNvPr>
+          <p:cNvCxnSpPr/>
+          <p:nvPr/>
+        </p:nvCxnSpPr>
+        <p:spPr>
+          <a:xfrm>
+            <a:off x="0" y="6190735"/>
+            <a:ext cx="12192000" cy="0"/>
+          </a:xfrm>
+          <a:prstGeom prst="line">
+            <a:avLst/>
+          </a:prstGeom>
+          <a:ln w="76200">
+            <a:solidFill>
+              <a:srgbClr val="002060"/>
+            </a:solidFill>
+          </a:ln>
+        </p:spPr>
+        <p:style>
+          <a:lnRef idx="3">
+            <a:schemeClr val="accent1"/>
+          </a:lnRef>
+          <a:fillRef idx="0">
+            <a:schemeClr val="accent1"/>
+          </a:fillRef>
+          <a:effectRef idx="2">
+            <a:schemeClr val="accent1"/>
+          </a:effectRef>
+          <a:fontRef idx="minor">
+            <a:schemeClr val="tx1"/>
+          </a:fontRef>
+        </p:style>
+      </p:cxnSp>
+      <p:sp>
+        <p:nvSpPr>
+          <p:cNvPr id="14" name="TextBox 13">
+            <a:extLst>
+              <a:ext uri="{FF2B5EF4-FFF2-40B4-BE49-F238E27FC236}">
+                <a16:creationId xmlns:a16="http://schemas.microsoft.com/office/drawing/2014/main" id="{2013D1FD-197B-DB4B-83FD-8A6D85D7B6AA}"/>
+              </a:ext>
+            </a:extLst>
+          </p:cNvPr>
+          <p:cNvSpPr txBox="1"/>
+          <p:nvPr/>
+        </p:nvSpPr>
+        <p:spPr>
+          <a:xfrm>
+            <a:off x="10332719" y="2493098"/>
+            <a:ext cx="3492347" cy="369332"/>
+          </a:xfrm>
+          <a:prstGeom prst="rect">
+            <a:avLst/>
+          </a:prstGeom>
+          <a:noFill/>
+        </p:spPr>
+        <p:txBody>
+          <a:bodyPr wrap="square" rtlCol="0">
+            <a:spAutoFit/>
+          </a:bodyPr>
+          <a:lstStyle/>
+          <a:p>
+            <a:r>
+              <a:rPr lang="en-IT" dirty="0"/>
+              <a:t>Data Range</a:t>
+            </a:r>
+          </a:p>
+        </p:txBody>
+      </p:sp>
+      <p:sp>
+        <p:nvSpPr>
+          <p:cNvPr id="15" name="TextBox 14">
+            <a:extLst>
+              <a:ext uri="{FF2B5EF4-FFF2-40B4-BE49-F238E27FC236}">
+                <a16:creationId xmlns:a16="http://schemas.microsoft.com/office/drawing/2014/main" id="{48CF996F-9505-484C-BCDA-EF5ABFF0FF0F}"/>
+              </a:ext>
+            </a:extLst>
+          </p:cNvPr>
+          <p:cNvSpPr txBox="1"/>
+          <p:nvPr/>
+        </p:nvSpPr>
+        <p:spPr>
+          <a:xfrm>
+            <a:off x="10332718" y="1800881"/>
+            <a:ext cx="3492347" cy="369332"/>
+          </a:xfrm>
+          <a:prstGeom prst="rect">
+            <a:avLst/>
+          </a:prstGeom>
+          <a:noFill/>
+        </p:spPr>
+        <p:txBody>
+          <a:bodyPr wrap="square" rtlCol="0">
+            <a:spAutoFit/>
+          </a:bodyPr>
+          <a:lstStyle/>
+          <a:p>
+            <a:r>
+              <a:rPr lang="en-IT" dirty="0"/>
+              <a:t>Data Formatting</a:t>
+            </a:r>
+          </a:p>
+        </p:txBody>
+      </p:sp>
+      <p:sp>
+        <p:nvSpPr>
+          <p:cNvPr id="16" name="TextBox 15">
+            <a:extLst>
+              <a:ext uri="{FF2B5EF4-FFF2-40B4-BE49-F238E27FC236}">
+                <a16:creationId xmlns:a16="http://schemas.microsoft.com/office/drawing/2014/main" id="{F0094100-E9FD-7641-8146-8C4BEBFC9C0A}"/>
+              </a:ext>
+            </a:extLst>
+          </p:cNvPr>
+          <p:cNvSpPr txBox="1"/>
+          <p:nvPr/>
+        </p:nvSpPr>
+        <p:spPr>
+          <a:xfrm>
+            <a:off x="10332718" y="3262080"/>
+            <a:ext cx="3492347" cy="369332"/>
+          </a:xfrm>
+          <a:prstGeom prst="rect">
+            <a:avLst/>
+          </a:prstGeom>
+          <a:noFill/>
+        </p:spPr>
+        <p:txBody>
+          <a:bodyPr wrap="square" rtlCol="0">
+            <a:spAutoFit/>
+          </a:bodyPr>
+          <a:lstStyle/>
+          <a:p>
+            <a:r>
+              <a:rPr lang="en-IT" dirty="0"/>
+              <a:t>Data Uniformity</a:t>
+            </a:r>
+          </a:p>
+        </p:txBody>
+      </p:sp>
+      <p:graphicFrame>
+        <p:nvGraphicFramePr>
+          <p:cNvPr id="17" name="Diagram 16">
+            <a:extLst>
+              <a:ext uri="{FF2B5EF4-FFF2-40B4-BE49-F238E27FC236}">
+                <a16:creationId xmlns:a16="http://schemas.microsoft.com/office/drawing/2014/main" id="{402B64ED-D8E0-5041-9FD0-ACBCBFA01719}"/>
+              </a:ext>
+            </a:extLst>
+          </p:cNvPr>
+          <p:cNvGraphicFramePr/>
+          <p:nvPr>
+            <p:extLst>
+              <p:ext uri="{D42A27DB-BD31-4B8C-83A1-F6EECF244321}">
+                <p14:modId xmlns:p14="http://schemas.microsoft.com/office/powerpoint/2010/main" val="84301750"/>
+              </p:ext>
+            </p:extLst>
+          </p:nvPr>
+        </p:nvGraphicFramePr>
+        <p:xfrm>
+          <a:off x="1297052" y="378133"/>
+          <a:ext cx="8128000" cy="5418667"/>
+        </p:xfrm>
+        <a:graphic>
+          <a:graphicData uri="http://schemas.openxmlformats.org/drawingml/2006/diagram">
+            <dgm:relIds xmlns:dgm="http://schemas.openxmlformats.org/drawingml/2006/diagram" xmlns:r="http://schemas.openxmlformats.org/officeDocument/2006/relationships" r:dm="rId2" r:lo="rId3" r:qs="rId4" r:cs="rId5"/>
+          </a:graphicData>
+        </a:graphic>
+      </p:graphicFrame>
+    </p:spTree>
+    <p:extLst>
+      <p:ext uri="{BB962C8B-B14F-4D97-AF65-F5344CB8AC3E}">
+        <p14:creationId xmlns:p14="http://schemas.microsoft.com/office/powerpoint/2010/main" val="4033857706"/>
       </p:ext>
     </p:extLst>
   </p:cSld>

--- a/Day2/Day2.pptx
+++ b/Day2/Day2.pptx
@@ -9,8 +9,9 @@
     <p:sldId id="259" r:id="rId3"/>
     <p:sldId id="258" r:id="rId4"/>
     <p:sldId id="261" r:id="rId5"/>
-    <p:sldId id="257" r:id="rId6"/>
-    <p:sldId id="260" r:id="rId7"/>
+    <p:sldId id="262" r:id="rId6"/>
+    <p:sldId id="264" r:id="rId7"/>
+    <p:sldId id="260" r:id="rId8"/>
   </p:sldIdLst>
   <p:sldSz cx="12192000" cy="6858000"/>
   <p:notesSz cx="6858000" cy="9144000"/>
@@ -9569,6 +9570,58 @@
           <a:chExt cx="0" cy="0"/>
         </a:xfrm>
       </p:grpSpPr>
+      <p:sp>
+        <p:nvSpPr>
+          <p:cNvPr id="11" name="Rectangle 10">
+            <a:extLst>
+              <a:ext uri="{FF2B5EF4-FFF2-40B4-BE49-F238E27FC236}">
+                <a16:creationId xmlns:a16="http://schemas.microsoft.com/office/drawing/2014/main" id="{96C97E07-A54C-954A-970D-7CCF4757B777}"/>
+              </a:ext>
+            </a:extLst>
+          </p:cNvPr>
+          <p:cNvSpPr/>
+          <p:nvPr/>
+        </p:nvSpPr>
+        <p:spPr>
+          <a:xfrm>
+            <a:off x="539336" y="1785144"/>
+            <a:ext cx="5063490" cy="3817952"/>
+          </a:xfrm>
+          <a:prstGeom prst="rect">
+            <a:avLst/>
+          </a:prstGeom>
+          <a:noFill/>
+          <a:ln w="57150">
+            <a:solidFill>
+              <a:srgbClr val="002060"/>
+            </a:solidFill>
+          </a:ln>
+        </p:spPr>
+        <p:style>
+          <a:lnRef idx="2">
+            <a:schemeClr val="accent1">
+              <a:shade val="50000"/>
+            </a:schemeClr>
+          </a:lnRef>
+          <a:fillRef idx="1">
+            <a:schemeClr val="accent1"/>
+          </a:fillRef>
+          <a:effectRef idx="0">
+            <a:schemeClr val="accent1"/>
+          </a:effectRef>
+          <a:fontRef idx="minor">
+            <a:schemeClr val="lt1"/>
+          </a:fontRef>
+        </p:style>
+        <p:txBody>
+          <a:bodyPr rtlCol="0" anchor="ctr"/>
+          <a:lstStyle/>
+          <a:p>
+            <a:pPr algn="ctr"/>
+            <a:endParaRPr lang="en-IT"/>
+          </a:p>
+        </p:txBody>
+      </p:sp>
       <p:pic>
         <p:nvPicPr>
           <p:cNvPr id="4" name="Picture 3">
@@ -9654,16 +9707,18 @@
         </p:nvSpPr>
         <p:spPr>
           <a:xfrm>
-            <a:off x="1499858" y="2158783"/>
+            <a:off x="1579868" y="2314120"/>
             <a:ext cx="3051672" cy="523220"/>
           </a:xfrm>
           <a:prstGeom prst="rect">
             <a:avLst/>
           </a:prstGeom>
-          <a:noFill/>
+          <a:solidFill>
+            <a:srgbClr val="002060"/>
+          </a:solidFill>
           <a:ln w="38100">
             <a:solidFill>
-              <a:schemeClr val="accent1"/>
+              <a:srgbClr val="002060"/>
             </a:solidFill>
           </a:ln>
         </p:spPr>
@@ -9673,11 +9728,12 @@
           </a:bodyPr>
           <a:lstStyle/>
           <a:p>
+            <a:pPr algn="ctr"/>
             <a:r>
               <a:rPr lang="en-IT" sz="2800" dirty="0">
                 <a:ln w="0"/>
                 <a:solidFill>
-                  <a:schemeClr val="accent1"/>
+                  <a:schemeClr val="bg1"/>
                 </a:solidFill>
                 <a:effectLst>
                   <a:outerShdw blurRad="38100" dist="25400" dir="5400000" algn="ctr" rotWithShape="0">
@@ -9706,16 +9762,18 @@
         </p:nvSpPr>
         <p:spPr>
           <a:xfrm>
-            <a:off x="7287930" y="2158783"/>
-            <a:ext cx="3051672" cy="461665"/>
+            <a:off x="7482240" y="2314120"/>
+            <a:ext cx="3051672" cy="523220"/>
           </a:xfrm>
           <a:prstGeom prst="rect">
             <a:avLst/>
           </a:prstGeom>
-          <a:noFill/>
-          <a:ln w="38100">
+          <a:solidFill>
+            <a:srgbClr val="002060"/>
+          </a:solidFill>
+          <a:ln w="57150">
             <a:solidFill>
-              <a:schemeClr val="accent1"/>
+              <a:srgbClr val="002060"/>
             </a:solidFill>
           </a:ln>
         </p:spPr>
@@ -9725,8 +9783,13 @@
           </a:bodyPr>
           <a:lstStyle/>
           <a:p>
+            <a:pPr algn="ctr"/>
             <a:r>
-              <a:rPr lang="en-IT" sz="2400" dirty="0"/>
+              <a:rPr lang="en-IT" sz="2800" dirty="0">
+                <a:solidFill>
+                  <a:schemeClr val="bg1"/>
+                </a:solidFill>
+              </a:rPr>
               <a:t>DATA PROCESSING</a:t>
             </a:r>
           </a:p>
@@ -9734,10 +9797,10 @@
       </p:sp>
       <p:sp>
         <p:nvSpPr>
-          <p:cNvPr id="2" name="TextBox 1">
-            <a:extLst>
-              <a:ext uri="{FF2B5EF4-FFF2-40B4-BE49-F238E27FC236}">
-                <a16:creationId xmlns:a16="http://schemas.microsoft.com/office/drawing/2014/main" id="{CE23F395-6A0F-C44A-82B9-C3AE4C35101C}"/>
+          <p:cNvPr id="9" name="TextBox 8">
+            <a:extLst>
+              <a:ext uri="{FF2B5EF4-FFF2-40B4-BE49-F238E27FC236}">
+                <a16:creationId xmlns:a16="http://schemas.microsoft.com/office/drawing/2014/main" id="{9F19D33F-CC73-2E46-90D4-C08B293558CE}"/>
               </a:ext>
             </a:extLst>
           </p:cNvPr>
@@ -9746,8 +9809,8 @@
         </p:nvSpPr>
         <p:spPr>
           <a:xfrm>
-            <a:off x="504396" y="3394939"/>
-            <a:ext cx="4849802" cy="369332"/>
+            <a:off x="6994168" y="3734942"/>
+            <a:ext cx="4027816" cy="1015663"/>
           </a:xfrm>
           <a:prstGeom prst="rect">
             <a:avLst/>
@@ -9761,18 +9824,18 @@
           <a:lstStyle/>
           <a:p>
             <a:r>
-              <a:rPr lang="en-IT" dirty="0"/>
-              <a:t>“</a:t>
+              <a:rPr lang="en-IT" sz="2000" i="1" dirty="0"/>
+              <a:t>Process of data conversion from a given form to a more easy-to-use one based on the aims of the analysis</a:t>
             </a:r>
           </a:p>
         </p:txBody>
       </p:sp>
       <p:sp>
         <p:nvSpPr>
-          <p:cNvPr id="3" name="TextBox 2">
-            <a:extLst>
-              <a:ext uri="{FF2B5EF4-FFF2-40B4-BE49-F238E27FC236}">
-                <a16:creationId xmlns:a16="http://schemas.microsoft.com/office/drawing/2014/main" id="{7DB53F1F-5AF0-E144-8017-8E0AF9D8154A}"/>
+          <p:cNvPr id="10" name="TextBox 9">
+            <a:extLst>
+              <a:ext uri="{FF2B5EF4-FFF2-40B4-BE49-F238E27FC236}">
+                <a16:creationId xmlns:a16="http://schemas.microsoft.com/office/drawing/2014/main" id="{A23A5D0F-9B3F-E74D-9DE5-F73D952143D6}"/>
               </a:ext>
             </a:extLst>
           </p:cNvPr>
@@ -9781,8 +9844,8 @@
         </p:nvSpPr>
         <p:spPr>
           <a:xfrm>
-            <a:off x="5757154" y="2158783"/>
-            <a:ext cx="1062100" cy="369332"/>
+            <a:off x="1091796" y="3734941"/>
+            <a:ext cx="4027816" cy="1323439"/>
           </a:xfrm>
           <a:prstGeom prst="rect">
             <a:avLst/>
@@ -9796,7 +9859,155 @@
           <a:lstStyle/>
           <a:p>
             <a:r>
-              <a:rPr lang="en-IT" dirty="0"/>
+              <a:rPr lang="en-IT" sz="2000" i="1" dirty="0"/>
+              <a:t>Process of fixing and removing incorrect, corrupted, incomplete, duplicated, and incorrectly formatted data from a dataset</a:t>
+            </a:r>
+          </a:p>
+        </p:txBody>
+      </p:sp>
+      <p:sp>
+        <p:nvSpPr>
+          <p:cNvPr id="12" name="Rectangle 11">
+            <a:extLst>
+              <a:ext uri="{FF2B5EF4-FFF2-40B4-BE49-F238E27FC236}">
+                <a16:creationId xmlns:a16="http://schemas.microsoft.com/office/drawing/2014/main" id="{1ABC6938-FFE1-E240-8817-06C5BFEC5F33}"/>
+              </a:ext>
+            </a:extLst>
+          </p:cNvPr>
+          <p:cNvSpPr/>
+          <p:nvPr/>
+        </p:nvSpPr>
+        <p:spPr>
+          <a:xfrm>
+            <a:off x="6585041" y="1785144"/>
+            <a:ext cx="5063490" cy="3817949"/>
+          </a:xfrm>
+          <a:prstGeom prst="rect">
+            <a:avLst/>
+          </a:prstGeom>
+          <a:noFill/>
+          <a:ln w="57150"/>
+        </p:spPr>
+        <p:style>
+          <a:lnRef idx="2">
+            <a:schemeClr val="accent1">
+              <a:shade val="50000"/>
+            </a:schemeClr>
+          </a:lnRef>
+          <a:fillRef idx="1">
+            <a:schemeClr val="accent1"/>
+          </a:fillRef>
+          <a:effectRef idx="0">
+            <a:schemeClr val="accent1"/>
+          </a:effectRef>
+          <a:fontRef idx="minor">
+            <a:schemeClr val="lt1"/>
+          </a:fontRef>
+        </p:style>
+        <p:txBody>
+          <a:bodyPr rtlCol="0" anchor="ctr"/>
+          <a:lstStyle/>
+          <a:p>
+            <a:pPr algn="ctr"/>
+            <a:endParaRPr lang="en-IT"/>
+          </a:p>
+        </p:txBody>
+      </p:sp>
+      <p:sp>
+        <p:nvSpPr>
+          <p:cNvPr id="14" name="Title 1">
+            <a:extLst>
+              <a:ext uri="{FF2B5EF4-FFF2-40B4-BE49-F238E27FC236}">
+                <a16:creationId xmlns:a16="http://schemas.microsoft.com/office/drawing/2014/main" id="{ABFCDEBE-D046-4541-98E0-D27E58F8A59D}"/>
+              </a:ext>
+            </a:extLst>
+          </p:cNvPr>
+          <p:cNvSpPr txBox="1">
+            <a:spLocks/>
+          </p:cNvSpPr>
+          <p:nvPr/>
+        </p:nvSpPr>
+        <p:spPr>
+          <a:xfrm>
+            <a:off x="4551530" y="459581"/>
+            <a:ext cx="7302620" cy="1325563"/>
+          </a:xfrm>
+          <a:prstGeom prst="rect">
+            <a:avLst/>
+          </a:prstGeom>
+        </p:spPr>
+        <p:txBody>
+          <a:bodyPr vert="horz" lIns="91440" tIns="45720" rIns="91440" bIns="45720" rtlCol="0" anchor="ctr">
+            <a:normAutofit/>
+          </a:bodyPr>
+          <a:lstStyle>
+            <a:lvl1pPr algn="l" defTabSz="914400" rtl="0" eaLnBrk="1" latinLnBrk="0" hangingPunct="1">
+              <a:lnSpc>
+                <a:spcPct val="90000"/>
+              </a:lnSpc>
+              <a:spcBef>
+                <a:spcPct val="0"/>
+              </a:spcBef>
+              <a:buNone/>
+              <a:defRPr sz="4400" kern="1200">
+                <a:solidFill>
+                  <a:schemeClr val="tx1"/>
+                </a:solidFill>
+                <a:latin typeface="+mj-lt"/>
+                <a:ea typeface="+mj-ea"/>
+                <a:cs typeface="+mj-cs"/>
+              </a:defRPr>
+            </a:lvl1pPr>
+          </a:lstStyle>
+          <a:p>
+            <a:pPr algn="r"/>
+            <a:r>
+              <a:rPr lang="en-IT" b="1" dirty="0">
+                <a:solidFill>
+                  <a:schemeClr val="accent1">
+                    <a:lumMod val="75000"/>
+                  </a:schemeClr>
+                </a:solidFill>
+              </a:rPr>
+              <a:t>Data cleaning and processing</a:t>
+            </a:r>
+          </a:p>
+        </p:txBody>
+      </p:sp>
+      <p:sp>
+        <p:nvSpPr>
+          <p:cNvPr id="2" name="TextBox 1">
+            <a:extLst>
+              <a:ext uri="{FF2B5EF4-FFF2-40B4-BE49-F238E27FC236}">
+                <a16:creationId xmlns:a16="http://schemas.microsoft.com/office/drawing/2014/main" id="{146C363B-A750-0A4F-8C89-243719D70C58}"/>
+              </a:ext>
+            </a:extLst>
+          </p:cNvPr>
+          <p:cNvSpPr txBox="1"/>
+          <p:nvPr/>
+        </p:nvSpPr>
+        <p:spPr>
+          <a:xfrm>
+            <a:off x="5812340" y="3211721"/>
+            <a:ext cx="651510" cy="523220"/>
+          </a:xfrm>
+          <a:prstGeom prst="rect">
+            <a:avLst/>
+          </a:prstGeom>
+          <a:noFill/>
+        </p:spPr>
+        <p:txBody>
+          <a:bodyPr wrap="square" rtlCol="0">
+            <a:spAutoFit/>
+          </a:bodyPr>
+          <a:lstStyle/>
+          <a:p>
+            <a:r>
+              <a:rPr lang="en-IT" sz="2800" b="1" dirty="0">
+                <a:solidFill>
+                  <a:srgbClr val="002060"/>
+                </a:solidFill>
+              </a:rPr>
               <a:t>VS</a:t>
             </a:r>
           </a:p>
@@ -9805,7 +10016,7 @@
     </p:spTree>
     <p:extLst>
       <p:ext uri="{BB962C8B-B14F-4D97-AF65-F5344CB8AC3E}">
-        <p14:creationId xmlns:p14="http://schemas.microsoft.com/office/powerpoint/2010/main" val="3226824091"/>
+        <p14:creationId xmlns:p14="http://schemas.microsoft.com/office/powerpoint/2010/main" val="93800117"/>
       </p:ext>
     </p:extLst>
   </p:cSld>
@@ -9834,10 +10045,138 @@
       </p:grpSpPr>
       <p:sp>
         <p:nvSpPr>
-          <p:cNvPr id="4" name="TextBox 3">
-            <a:extLst>
-              <a:ext uri="{FF2B5EF4-FFF2-40B4-BE49-F238E27FC236}">
-                <a16:creationId xmlns:a16="http://schemas.microsoft.com/office/drawing/2014/main" id="{3C1F4423-32BE-9243-AFC5-F09BEDC3BA0E}"/>
+          <p:cNvPr id="11" name="Rectangle 10">
+            <a:extLst>
+              <a:ext uri="{FF2B5EF4-FFF2-40B4-BE49-F238E27FC236}">
+                <a16:creationId xmlns:a16="http://schemas.microsoft.com/office/drawing/2014/main" id="{96C97E07-A54C-954A-970D-7CCF4757B777}"/>
+              </a:ext>
+            </a:extLst>
+          </p:cNvPr>
+          <p:cNvSpPr/>
+          <p:nvPr/>
+        </p:nvSpPr>
+        <p:spPr>
+          <a:xfrm>
+            <a:off x="539336" y="1785144"/>
+            <a:ext cx="5063490" cy="3817952"/>
+          </a:xfrm>
+          <a:prstGeom prst="rect">
+            <a:avLst/>
+          </a:prstGeom>
+          <a:solidFill>
+            <a:schemeClr val="accent5">
+              <a:lumMod val="60000"/>
+              <a:lumOff val="40000"/>
+            </a:schemeClr>
+          </a:solidFill>
+          <a:ln w="57150">
+            <a:solidFill>
+              <a:srgbClr val="002060"/>
+            </a:solidFill>
+          </a:ln>
+        </p:spPr>
+        <p:style>
+          <a:lnRef idx="2">
+            <a:schemeClr val="accent1">
+              <a:shade val="50000"/>
+            </a:schemeClr>
+          </a:lnRef>
+          <a:fillRef idx="1">
+            <a:schemeClr val="accent1"/>
+          </a:fillRef>
+          <a:effectRef idx="0">
+            <a:schemeClr val="accent1"/>
+          </a:effectRef>
+          <a:fontRef idx="minor">
+            <a:schemeClr val="lt1"/>
+          </a:fontRef>
+        </p:style>
+        <p:txBody>
+          <a:bodyPr rtlCol="0" anchor="ctr"/>
+          <a:lstStyle/>
+          <a:p>
+            <a:pPr algn="ctr"/>
+            <a:endParaRPr lang="en-IT"/>
+          </a:p>
+        </p:txBody>
+      </p:sp>
+      <p:pic>
+        <p:nvPicPr>
+          <p:cNvPr id="4" name="Picture 3">
+            <a:extLst>
+              <a:ext uri="{FF2B5EF4-FFF2-40B4-BE49-F238E27FC236}">
+                <a16:creationId xmlns:a16="http://schemas.microsoft.com/office/drawing/2014/main" id="{5BCF8E1E-0357-F2DE-0463-4F19B2389258}"/>
+              </a:ext>
+            </a:extLst>
+          </p:cNvPr>
+          <p:cNvPicPr>
+            <a:picLocks noChangeAspect="1"/>
+          </p:cNvPicPr>
+          <p:nvPr/>
+        </p:nvPicPr>
+        <p:blipFill>
+          <a:blip r:embed="rId2"/>
+          <a:stretch>
+            <a:fillRect/>
+          </a:stretch>
+        </p:blipFill>
+        <p:spPr>
+          <a:xfrm>
+            <a:off x="504396" y="412888"/>
+            <a:ext cx="2696005" cy="709475"/>
+          </a:xfrm>
+          <a:prstGeom prst="rect">
+            <a:avLst/>
+          </a:prstGeom>
+        </p:spPr>
+      </p:pic>
+      <p:cxnSp>
+        <p:nvCxnSpPr>
+          <p:cNvPr id="6" name="Straight Connector 5">
+            <a:extLst>
+              <a:ext uri="{FF2B5EF4-FFF2-40B4-BE49-F238E27FC236}">
+                <a16:creationId xmlns:a16="http://schemas.microsoft.com/office/drawing/2014/main" id="{79AC04C3-E6F6-1ABD-8990-EE8C59B0732A}"/>
+              </a:ext>
+            </a:extLst>
+          </p:cNvPr>
+          <p:cNvCxnSpPr/>
+          <p:nvPr/>
+        </p:nvCxnSpPr>
+        <p:spPr>
+          <a:xfrm>
+            <a:off x="0" y="6190735"/>
+            <a:ext cx="12192000" cy="0"/>
+          </a:xfrm>
+          <a:prstGeom prst="line">
+            <a:avLst/>
+          </a:prstGeom>
+          <a:ln w="76200">
+            <a:solidFill>
+              <a:srgbClr val="002060"/>
+            </a:solidFill>
+          </a:ln>
+        </p:spPr>
+        <p:style>
+          <a:lnRef idx="3">
+            <a:schemeClr val="accent1"/>
+          </a:lnRef>
+          <a:fillRef idx="0">
+            <a:schemeClr val="accent1"/>
+          </a:fillRef>
+          <a:effectRef idx="2">
+            <a:schemeClr val="accent1"/>
+          </a:effectRef>
+          <a:fontRef idx="minor">
+            <a:schemeClr val="tx1"/>
+          </a:fontRef>
+        </p:style>
+      </p:cxnSp>
+      <p:sp>
+        <p:nvSpPr>
+          <p:cNvPr id="7" name="TextBox 6">
+            <a:extLst>
+              <a:ext uri="{FF2B5EF4-FFF2-40B4-BE49-F238E27FC236}">
+                <a16:creationId xmlns:a16="http://schemas.microsoft.com/office/drawing/2014/main" id="{44E1E05D-47C7-7E40-884F-D9E505A0DE93}"/>
               </a:ext>
             </a:extLst>
           </p:cNvPr>
@@ -9846,16 +10185,18 @@
         </p:nvSpPr>
         <p:spPr>
           <a:xfrm>
-            <a:off x="1499858" y="2158783"/>
+            <a:off x="1579868" y="2314120"/>
             <a:ext cx="3051672" cy="523220"/>
           </a:xfrm>
           <a:prstGeom prst="rect">
             <a:avLst/>
           </a:prstGeom>
-          <a:noFill/>
+          <a:solidFill>
+            <a:srgbClr val="002060"/>
+          </a:solidFill>
           <a:ln w="38100">
             <a:solidFill>
-              <a:schemeClr val="accent1"/>
+              <a:srgbClr val="002060"/>
             </a:solidFill>
           </a:ln>
         </p:spPr>
@@ -9865,11 +10206,12 @@
           </a:bodyPr>
           <a:lstStyle/>
           <a:p>
+            <a:pPr algn="ctr"/>
             <a:r>
               <a:rPr lang="en-IT" sz="2800" dirty="0">
                 <a:ln w="0"/>
                 <a:solidFill>
-                  <a:schemeClr val="accent1"/>
+                  <a:schemeClr val="bg1"/>
                 </a:solidFill>
                 <a:effectLst>
                   <a:outerShdw blurRad="38100" dist="25400" dir="5400000" algn="ctr" rotWithShape="0">
@@ -9884,6 +10226,301 @@
           </a:p>
         </p:txBody>
       </p:sp>
+      <p:sp>
+        <p:nvSpPr>
+          <p:cNvPr id="8" name="TextBox 7">
+            <a:extLst>
+              <a:ext uri="{FF2B5EF4-FFF2-40B4-BE49-F238E27FC236}">
+                <a16:creationId xmlns:a16="http://schemas.microsoft.com/office/drawing/2014/main" id="{F9894C6C-53CF-7646-8E50-94AABB858056}"/>
+              </a:ext>
+            </a:extLst>
+          </p:cNvPr>
+          <p:cNvSpPr txBox="1"/>
+          <p:nvPr/>
+        </p:nvSpPr>
+        <p:spPr>
+          <a:xfrm>
+            <a:off x="7482240" y="2314120"/>
+            <a:ext cx="3051672" cy="523220"/>
+          </a:xfrm>
+          <a:prstGeom prst="rect">
+            <a:avLst/>
+          </a:prstGeom>
+          <a:solidFill>
+            <a:srgbClr val="002060"/>
+          </a:solidFill>
+          <a:ln w="57150">
+            <a:solidFill>
+              <a:srgbClr val="002060"/>
+            </a:solidFill>
+          </a:ln>
+        </p:spPr>
+        <p:txBody>
+          <a:bodyPr wrap="square" rtlCol="0">
+            <a:spAutoFit/>
+          </a:bodyPr>
+          <a:lstStyle/>
+          <a:p>
+            <a:pPr algn="ctr"/>
+            <a:r>
+              <a:rPr lang="en-IT" sz="2800" dirty="0">
+                <a:solidFill>
+                  <a:schemeClr val="bg1"/>
+                </a:solidFill>
+              </a:rPr>
+              <a:t>DATA PROCESSING</a:t>
+            </a:r>
+          </a:p>
+        </p:txBody>
+      </p:sp>
+      <p:sp>
+        <p:nvSpPr>
+          <p:cNvPr id="9" name="TextBox 8">
+            <a:extLst>
+              <a:ext uri="{FF2B5EF4-FFF2-40B4-BE49-F238E27FC236}">
+                <a16:creationId xmlns:a16="http://schemas.microsoft.com/office/drawing/2014/main" id="{9F19D33F-CC73-2E46-90D4-C08B293558CE}"/>
+              </a:ext>
+            </a:extLst>
+          </p:cNvPr>
+          <p:cNvSpPr txBox="1"/>
+          <p:nvPr/>
+        </p:nvSpPr>
+        <p:spPr>
+          <a:xfrm>
+            <a:off x="6994168" y="3734942"/>
+            <a:ext cx="4027816" cy="1015663"/>
+          </a:xfrm>
+          <a:prstGeom prst="rect">
+            <a:avLst/>
+          </a:prstGeom>
+          <a:noFill/>
+        </p:spPr>
+        <p:txBody>
+          <a:bodyPr wrap="square" rtlCol="0">
+            <a:spAutoFit/>
+          </a:bodyPr>
+          <a:lstStyle/>
+          <a:p>
+            <a:r>
+              <a:rPr lang="en-IT" sz="2000" i="1" dirty="0"/>
+              <a:t>Process of data conversion from a given form to a more easy-to-use one based on the aims of the analysis</a:t>
+            </a:r>
+          </a:p>
+        </p:txBody>
+      </p:sp>
+      <p:sp>
+        <p:nvSpPr>
+          <p:cNvPr id="10" name="TextBox 9">
+            <a:extLst>
+              <a:ext uri="{FF2B5EF4-FFF2-40B4-BE49-F238E27FC236}">
+                <a16:creationId xmlns:a16="http://schemas.microsoft.com/office/drawing/2014/main" id="{A23A5D0F-9B3F-E74D-9DE5-F73D952143D6}"/>
+              </a:ext>
+            </a:extLst>
+          </p:cNvPr>
+          <p:cNvSpPr txBox="1"/>
+          <p:nvPr/>
+        </p:nvSpPr>
+        <p:spPr>
+          <a:xfrm>
+            <a:off x="1091796" y="3734941"/>
+            <a:ext cx="4027816" cy="1323439"/>
+          </a:xfrm>
+          <a:prstGeom prst="rect">
+            <a:avLst/>
+          </a:prstGeom>
+          <a:noFill/>
+        </p:spPr>
+        <p:txBody>
+          <a:bodyPr wrap="square" rtlCol="0">
+            <a:spAutoFit/>
+          </a:bodyPr>
+          <a:lstStyle/>
+          <a:p>
+            <a:r>
+              <a:rPr lang="en-IT" sz="2000" i="1" dirty="0"/>
+              <a:t>Process of fixing and removing incorrect, corrupted, incomplete, duplicated, and incorrectly formatted data from a dataset</a:t>
+            </a:r>
+          </a:p>
+        </p:txBody>
+      </p:sp>
+      <p:sp>
+        <p:nvSpPr>
+          <p:cNvPr id="12" name="Rectangle 11">
+            <a:extLst>
+              <a:ext uri="{FF2B5EF4-FFF2-40B4-BE49-F238E27FC236}">
+                <a16:creationId xmlns:a16="http://schemas.microsoft.com/office/drawing/2014/main" id="{1ABC6938-FFE1-E240-8817-06C5BFEC5F33}"/>
+              </a:ext>
+            </a:extLst>
+          </p:cNvPr>
+          <p:cNvSpPr/>
+          <p:nvPr/>
+        </p:nvSpPr>
+        <p:spPr>
+          <a:xfrm>
+            <a:off x="6585041" y="1785144"/>
+            <a:ext cx="5063490" cy="3817949"/>
+          </a:xfrm>
+          <a:prstGeom prst="rect">
+            <a:avLst/>
+          </a:prstGeom>
+          <a:noFill/>
+          <a:ln w="57150"/>
+        </p:spPr>
+        <p:style>
+          <a:lnRef idx="2">
+            <a:schemeClr val="accent1">
+              <a:shade val="50000"/>
+            </a:schemeClr>
+          </a:lnRef>
+          <a:fillRef idx="1">
+            <a:schemeClr val="accent1"/>
+          </a:fillRef>
+          <a:effectRef idx="0">
+            <a:schemeClr val="accent1"/>
+          </a:effectRef>
+          <a:fontRef idx="minor">
+            <a:schemeClr val="lt1"/>
+          </a:fontRef>
+        </p:style>
+        <p:txBody>
+          <a:bodyPr rtlCol="0" anchor="ctr"/>
+          <a:lstStyle/>
+          <a:p>
+            <a:pPr algn="ctr"/>
+            <a:endParaRPr lang="en-IT"/>
+          </a:p>
+        </p:txBody>
+      </p:sp>
+      <p:sp>
+        <p:nvSpPr>
+          <p:cNvPr id="14" name="Title 1">
+            <a:extLst>
+              <a:ext uri="{FF2B5EF4-FFF2-40B4-BE49-F238E27FC236}">
+                <a16:creationId xmlns:a16="http://schemas.microsoft.com/office/drawing/2014/main" id="{ABFCDEBE-D046-4541-98E0-D27E58F8A59D}"/>
+              </a:ext>
+            </a:extLst>
+          </p:cNvPr>
+          <p:cNvSpPr txBox="1">
+            <a:spLocks/>
+          </p:cNvSpPr>
+          <p:nvPr/>
+        </p:nvSpPr>
+        <p:spPr>
+          <a:xfrm>
+            <a:off x="4551530" y="459581"/>
+            <a:ext cx="7302620" cy="1325563"/>
+          </a:xfrm>
+          <a:prstGeom prst="rect">
+            <a:avLst/>
+          </a:prstGeom>
+        </p:spPr>
+        <p:txBody>
+          <a:bodyPr vert="horz" lIns="91440" tIns="45720" rIns="91440" bIns="45720" rtlCol="0" anchor="ctr">
+            <a:normAutofit/>
+          </a:bodyPr>
+          <a:lstStyle>
+            <a:lvl1pPr algn="l" defTabSz="914400" rtl="0" eaLnBrk="1" latinLnBrk="0" hangingPunct="1">
+              <a:lnSpc>
+                <a:spcPct val="90000"/>
+              </a:lnSpc>
+              <a:spcBef>
+                <a:spcPct val="0"/>
+              </a:spcBef>
+              <a:buNone/>
+              <a:defRPr sz="4400" kern="1200">
+                <a:solidFill>
+                  <a:schemeClr val="tx1"/>
+                </a:solidFill>
+                <a:latin typeface="+mj-lt"/>
+                <a:ea typeface="+mj-ea"/>
+                <a:cs typeface="+mj-cs"/>
+              </a:defRPr>
+            </a:lvl1pPr>
+          </a:lstStyle>
+          <a:p>
+            <a:pPr algn="r"/>
+            <a:r>
+              <a:rPr lang="en-IT" b="1" dirty="0">
+                <a:solidFill>
+                  <a:schemeClr val="accent1">
+                    <a:lumMod val="75000"/>
+                  </a:schemeClr>
+                </a:solidFill>
+              </a:rPr>
+              <a:t>Data cleaning and processing</a:t>
+            </a:r>
+          </a:p>
+        </p:txBody>
+      </p:sp>
+      <p:sp>
+        <p:nvSpPr>
+          <p:cNvPr id="2" name="TextBox 1">
+            <a:extLst>
+              <a:ext uri="{FF2B5EF4-FFF2-40B4-BE49-F238E27FC236}">
+                <a16:creationId xmlns:a16="http://schemas.microsoft.com/office/drawing/2014/main" id="{146C363B-A750-0A4F-8C89-243719D70C58}"/>
+              </a:ext>
+            </a:extLst>
+          </p:cNvPr>
+          <p:cNvSpPr txBox="1"/>
+          <p:nvPr/>
+        </p:nvSpPr>
+        <p:spPr>
+          <a:xfrm>
+            <a:off x="5812340" y="3211721"/>
+            <a:ext cx="651510" cy="523220"/>
+          </a:xfrm>
+          <a:prstGeom prst="rect">
+            <a:avLst/>
+          </a:prstGeom>
+          <a:noFill/>
+        </p:spPr>
+        <p:txBody>
+          <a:bodyPr wrap="square" rtlCol="0">
+            <a:spAutoFit/>
+          </a:bodyPr>
+          <a:lstStyle/>
+          <a:p>
+            <a:r>
+              <a:rPr lang="en-IT" sz="2800" b="1" dirty="0">
+                <a:solidFill>
+                  <a:srgbClr val="002060"/>
+                </a:solidFill>
+              </a:rPr>
+              <a:t>VS</a:t>
+            </a:r>
+          </a:p>
+        </p:txBody>
+      </p:sp>
+    </p:spTree>
+    <p:extLst>
+      <p:ext uri="{BB962C8B-B14F-4D97-AF65-F5344CB8AC3E}">
+        <p14:creationId xmlns:p14="http://schemas.microsoft.com/office/powerpoint/2010/main" val="793948999"/>
+      </p:ext>
+    </p:extLst>
+  </p:cSld>
+  <p:clrMapOvr>
+    <a:masterClrMapping/>
+  </p:clrMapOvr>
+</p:sld>
+</file>
+
+<file path=ppt/slides/slide7.xml><?xml version="1.0" encoding="utf-8"?>
+<p:sld xmlns:a="http://schemas.openxmlformats.org/drawingml/2006/main" xmlns:r="http://schemas.openxmlformats.org/officeDocument/2006/relationships" xmlns:p="http://schemas.openxmlformats.org/presentationml/2006/main">
+  <p:cSld>
+    <p:spTree>
+      <p:nvGrpSpPr>
+        <p:cNvPr id="1" name=""/>
+        <p:cNvGrpSpPr/>
+        <p:nvPr/>
+      </p:nvGrpSpPr>
+      <p:grpSpPr>
+        <a:xfrm>
+          <a:off x="0" y="0"/>
+          <a:ext cx="0" cy="0"/>
+          <a:chOff x="0" y="0"/>
+          <a:chExt cx="0" cy="0"/>
+        </a:xfrm>
+      </p:grpSpPr>
       <p:sp>
         <p:nvSpPr>
           <p:cNvPr id="5" name="TextBox 4">
@@ -10288,13 +10925,13 @@
           <p:nvPr>
             <p:extLst>
               <p:ext uri="{D42A27DB-BD31-4B8C-83A1-F6EECF244321}">
-                <p14:modId xmlns:p14="http://schemas.microsoft.com/office/powerpoint/2010/main" val="84301750"/>
+                <p14:modId xmlns:p14="http://schemas.microsoft.com/office/powerpoint/2010/main" val="1064267753"/>
               </p:ext>
             </p:extLst>
           </p:nvPr>
         </p:nvGraphicFramePr>
         <p:xfrm>
-          <a:off x="1297052" y="378133"/>
+          <a:off x="4631540" y="200322"/>
           <a:ext cx="8128000" cy="5418667"/>
         </p:xfrm>
         <a:graphic>
@@ -10303,6 +10940,96 @@
           </a:graphicData>
         </a:graphic>
       </p:graphicFrame>
+      <p:sp>
+        <p:nvSpPr>
+          <p:cNvPr id="18" name="TextBox 17">
+            <a:extLst>
+              <a:ext uri="{FF2B5EF4-FFF2-40B4-BE49-F238E27FC236}">
+                <a16:creationId xmlns:a16="http://schemas.microsoft.com/office/drawing/2014/main" id="{0ACA6D65-5A08-8543-8D28-64D5D3C31285}"/>
+              </a:ext>
+            </a:extLst>
+          </p:cNvPr>
+          <p:cNvSpPr txBox="1"/>
+          <p:nvPr/>
+        </p:nvSpPr>
+        <p:spPr>
+          <a:xfrm>
+            <a:off x="1579868" y="2314120"/>
+            <a:ext cx="3051672" cy="523220"/>
+          </a:xfrm>
+          <a:prstGeom prst="rect">
+            <a:avLst/>
+          </a:prstGeom>
+          <a:solidFill>
+            <a:srgbClr val="002060"/>
+          </a:solidFill>
+          <a:ln w="38100">
+            <a:solidFill>
+              <a:srgbClr val="002060"/>
+            </a:solidFill>
+          </a:ln>
+        </p:spPr>
+        <p:txBody>
+          <a:bodyPr wrap="square" rtlCol="0">
+            <a:spAutoFit/>
+          </a:bodyPr>
+          <a:lstStyle/>
+          <a:p>
+            <a:pPr algn="ctr"/>
+            <a:r>
+              <a:rPr lang="en-IT" sz="2800" dirty="0">
+                <a:ln w="0"/>
+                <a:solidFill>
+                  <a:schemeClr val="bg1"/>
+                </a:solidFill>
+                <a:effectLst>
+                  <a:outerShdw blurRad="38100" dist="25400" dir="5400000" algn="ctr" rotWithShape="0">
+                    <a:srgbClr val="6E747A">
+                      <a:alpha val="43000"/>
+                    </a:srgbClr>
+                  </a:outerShdw>
+                </a:effectLst>
+              </a:rPr>
+              <a:t>DATA CLEANING </a:t>
+            </a:r>
+          </a:p>
+        </p:txBody>
+      </p:sp>
+      <p:sp>
+        <p:nvSpPr>
+          <p:cNvPr id="19" name="TextBox 18">
+            <a:extLst>
+              <a:ext uri="{FF2B5EF4-FFF2-40B4-BE49-F238E27FC236}">
+                <a16:creationId xmlns:a16="http://schemas.microsoft.com/office/drawing/2014/main" id="{A133FA00-951A-894F-89EE-016F342C2E95}"/>
+              </a:ext>
+            </a:extLst>
+          </p:cNvPr>
+          <p:cNvSpPr txBox="1"/>
+          <p:nvPr/>
+        </p:nvSpPr>
+        <p:spPr>
+          <a:xfrm>
+            <a:off x="1091796" y="3734941"/>
+            <a:ext cx="4027816" cy="1323439"/>
+          </a:xfrm>
+          <a:prstGeom prst="rect">
+            <a:avLst/>
+          </a:prstGeom>
+          <a:noFill/>
+        </p:spPr>
+        <p:txBody>
+          <a:bodyPr wrap="square" rtlCol="0">
+            <a:spAutoFit/>
+          </a:bodyPr>
+          <a:lstStyle/>
+          <a:p>
+            <a:r>
+              <a:rPr lang="en-IT" sz="2000" i="1" dirty="0"/>
+              <a:t>Process of fixing and removing incorrect, corrupted, incomplete, duplicated, and incorrectly formatted data from a dataset</a:t>
+            </a:r>
+          </a:p>
+        </p:txBody>
+      </p:sp>
     </p:spTree>
     <p:extLst>
       <p:ext uri="{BB962C8B-B14F-4D97-AF65-F5344CB8AC3E}">
